--- a/images/sampling/src/power.pptx
+++ b/images/sampling/src/power.pptx
@@ -646,7 +646,7 @@
     <inkml:brush xml:id="br0">
       <inkml:brushProperty name="width" value="0.1" units="cm"/>
       <inkml:brushProperty name="height" value="0.1" units="cm"/>
-      <inkml:brushProperty name="color" value="#F6630D"/>
+      <inkml:brushProperty name="color" value="#A88333"/>
     </inkml:brush>
   </inkml:definitions>
   <inkml:trace contextRef="#ctx0" brushRef="#br0">0 1 24575,'0'16'0,"0"2"0,0-10 0,0 0 0,0-5 0</inkml:trace>
@@ -674,7 +674,7 @@
     <inkml:brush xml:id="br0">
       <inkml:brushProperty name="width" value="0.1" units="cm"/>
       <inkml:brushProperty name="height" value="0.1" units="cm"/>
-      <inkml:brushProperty name="color" value="#F6630D"/>
+      <inkml:brushProperty name="color" value="#A88333"/>
     </inkml:brush>
   </inkml:definitions>
   <inkml:trace contextRef="#ctx0" brushRef="#br0">0 0 24575,'0'12'0,"0"-1"0,0-3 0,0-1 0,0 1 0,0 0 0,0 3 0,0 1 0,0 0 0,0 4 0,0-4 0,0 1 0,0-2 0,0-3 0,0-1 0,0 1 0,0-1 0,0 1 0,0-1 0,0 0 0,0 1 0,0 0 0,0-1 0,0 1 0,0-1 0,0 0 0,0 0 0,0 1 0,0-1 0,4 1 0,-3 0 0,5-4 0,-5 3 0,3-3 0,-4 3 0,3 0 0,-2 0 0,2 0 0,-3 0 0,0 0 0,3-3 0,-2 3 0,2-6 0,-3 2 0</inkml:trace>
@@ -702,7 +702,7 @@
     <inkml:brush xml:id="br0">
       <inkml:brushProperty name="width" value="0.1" units="cm"/>
       <inkml:brushProperty name="height" value="0.1" units="cm"/>
-      <inkml:brushProperty name="color" value="#F6630D"/>
+      <inkml:brushProperty name="color" value="#A88333"/>
     </inkml:brush>
   </inkml:definitions>
   <inkml:trace contextRef="#ctx0" brushRef="#br0">1 1 24575,'0'15'0,"0"1"0,0-3 0,0 3 0,0-3 0,0 0 0,0 3 0,0 13 0,0-12 0,0 18 0,0-26 0,0 7 0,0-9 0,0 1 0,0 0 0,0-1 0,0 1 0,0-1 0,0 0 0,0 0 0,0 1 0,0 0 0,0-1 0,0 5 0,0-3 0,0 8 0,0-9 0,0 4 0,0-4 0,0 0 0,0 0 0,0-1 0,0 0 0,0 1 0,0-1 0,0 0 0,0 0 0,0-3 0,0-1 0</inkml:trace>
@@ -730,7 +730,7 @@
     <inkml:brush xml:id="br0">
       <inkml:brushProperty name="width" value="0.1" units="cm"/>
       <inkml:brushProperty name="height" value="0.1" units="cm"/>
-      <inkml:brushProperty name="color" value="#F6630D"/>
+      <inkml:brushProperty name="color" value="#A88333"/>
     </inkml:brush>
   </inkml:definitions>
   <inkml:trace contextRef="#ctx0" brushRef="#br0">0 1 24575,'0'11'0,"0"4"0,0-6 0,0 3 0,0-4 0,0 0 0,0 3 0,0 9 0,0-6 0,0 5 0,0-7 0,0-3 0,0 3 0,0-8 0,0-1 0</inkml:trace>
@@ -785,7 +785,7 @@
     <inkml:brush xml:id="br0">
       <inkml:brushProperty name="width" value="0.1" units="cm"/>
       <inkml:brushProperty name="height" value="0.1" units="cm"/>
-      <inkml:brushProperty name="color" value="#F6630D"/>
+      <inkml:brushProperty name="color" value="#A88333"/>
     </inkml:brush>
   </inkml:definitions>
   <inkml:trace contextRef="#ctx0" brushRef="#br0">0 1 24575,'0'11'0,"0"-1"0,0-3 0,0 0 0,0 0 0,0 1 0,0-1 0,0 0 0,4-3 0,-4 3 0,4-6 0,-4 2 0</inkml:trace>
@@ -813,7 +813,7 @@
     <inkml:brush xml:id="br0">
       <inkml:brushProperty name="width" value="0.1" units="cm"/>
       <inkml:brushProperty name="height" value="0.1" units="cm"/>
-      <inkml:brushProperty name="color" value="#F6630D"/>
+      <inkml:brushProperty name="color" value="#A88333"/>
     </inkml:brush>
   </inkml:definitions>
   <inkml:trace contextRef="#ctx0" brushRef="#br0">0 1 24575,'0'0'0</inkml:trace>
@@ -841,7 +841,7 @@
     <inkml:brush xml:id="br0">
       <inkml:brushProperty name="width" value="0.1" units="cm"/>
       <inkml:brushProperty name="height" value="0.1" units="cm"/>
-      <inkml:brushProperty name="color" value="#66CC00"/>
+      <inkml:brushProperty name="color" value="#7D943C"/>
     </inkml:brush>
   </inkml:definitions>
   <inkml:trace contextRef="#ctx0" brushRef="#br0">0 1 24575,'0'11'0,"0"4"0,0 3 0,0 0 0,0 5 0,0-6 0,0 15 0,0-11 0,0 10 0,0-11 0,0-11 0,0 2 0</inkml:trace>
@@ -869,7 +869,7 @@
     <inkml:brush xml:id="br0">
       <inkml:brushProperty name="width" value="0.1" units="cm"/>
       <inkml:brushProperty name="height" value="0.1" units="cm"/>
-      <inkml:brushProperty name="color" value="#66CC00"/>
+      <inkml:brushProperty name="color" value="#7D943C"/>
     </inkml:brush>
   </inkml:definitions>
   <inkml:trace contextRef="#ctx0" brushRef="#br0">1 1 24575,'0'21'0,"0"4"0,0-1 0,0-1 0,0 10 0,0-8 0,0 34 0,0-29 0,0 18 0,0-35 0,0 8 0,0-11 0,0 11 0,0-12 0,0 3 0,0-4 0,0 4 0,0-4 0,0 9 0,0-5 0,0 1 0,0-2 0,0-3 0,0 0 0,0 0 0,0-1 0,0-2 0,0-2 0</inkml:trace>
@@ -897,7 +897,7 @@
     <inkml:brush xml:id="br0">
       <inkml:brushProperty name="width" value="0.1" units="cm"/>
       <inkml:brushProperty name="height" value="0.1" units="cm"/>
-      <inkml:brushProperty name="color" value="#66CC00"/>
+      <inkml:brushProperty name="color" value="#7D943C"/>
     </inkml:brush>
   </inkml:definitions>
   <inkml:trace contextRef="#ctx0" brushRef="#br0">1 1 24575,'0'11'0,"0"4"0,0 3 0,0 6 0,0-1 0,0 4 0,0-3 0,0 10 0,0-4 0,0 4 0,0-6 0,0 13 0,0-9 0,0 0 0,0-15 0,0-5 0,0 0 0,0 1 0,0 3 0,0 0 0,0 2 0,0-1 0,0-5 0,0 0 0,0-3 0,0 7 0,0-3 0,0 0 0,0 3 0,0-3 0,0 5 0,0-1 0,0 0 0,0 0 0,0-4 0,0-2 0,0-3 0,0 0 0,3-4 0,-2 3 0,2-3 0,-3 3 0,0 1 0,0-1 0,0 1 0,0 0 0,0 0 0,0 0 0,0-1 0,0 1 0,0 0 0,0 0 0,0-1 0,0 1 0,0-1 0,0 0 0,0 1 0,0-1 0,0-3 0,0-1 0</inkml:trace>
@@ -925,7 +925,7 @@
     <inkml:brush xml:id="br0">
       <inkml:brushProperty name="width" value="0.1" units="cm"/>
       <inkml:brushProperty name="height" value="0.1" units="cm"/>
-      <inkml:brushProperty name="color" value="#66CC00"/>
+      <inkml:brushProperty name="color" value="#7D943C"/>
     </inkml:brush>
   </inkml:definitions>
   <inkml:trace contextRef="#ctx0" brushRef="#br0">1 1 24575,'0'26'0,"0"6"0,0-7 0,0 14 0,0-9 0,0 6 0,0-2 0,0 0 0,0 15 0,0-11 0,0 33 0,0-31 0,0 20 0,0-24 0,0-2 0,0 0 0,0-4 0,0 4 0,0-6 0,0 1 0,0-6 0,0 4 0,0-3 0,0-5 0,0 2 0,0-3 0,0 1 0,4 3 0,-3 3 0,3-10 0,-4 9 0,0-11 0,0 0 0,0 3 0,3-7 0,-2 8 0,2-9 0,-3 9 0,0-8 0,0 7 0,0-7 0,4 3 0,-3 0 0,2-4 0,-3 9 0,0-8 0,4 7 0,-3-3 0,6 0 0,-6-1 0,6 3 0,-6-5 0,2 6 0,1-9 0,-3 1 0,2 0 0,-3-1 0,4 1 0,-3 0 0,2 0 0,-3-1 0,0 1 0,0 0 0,0 0 0,0-1 0,0-3 0,0 0 0</inkml:trace>
@@ -953,7 +953,7 @@
     <inkml:brush xml:id="br0">
       <inkml:brushProperty name="width" value="0.1" units="cm"/>
       <inkml:brushProperty name="height" value="0.1" units="cm"/>
-      <inkml:brushProperty name="color" value="#66CC00"/>
+      <inkml:brushProperty name="color" value="#7D943C"/>
     </inkml:brush>
   </inkml:definitions>
   <inkml:trace contextRef="#ctx0" brushRef="#br0">1 1 24575,'0'12'0,"0"8"0,0-10 0,0 16 0,0-12 0,0 13 0,0-3 0,0 18 0,0-5 0,0 19 0,0 1 0,0-5 0,0 3 0,0 0 0,0-11 0,0 11 0,0-5 0,0-8 0,0-2 0,0-5 0,0 1 0,0 23 0,0-24 0,0 19 0,0-31 0,0 17 0,0-8 0,0 6 0,4 1 0,2-9 0,4 6 0,0-2 0,3 7 0,-2-14 0,-2 8 0,-5-18 0,0 0 0,-3-4 0,2 3 0,-3-3 0,4 5 0,-3-5 0,3 3 0,-4-3 0,3 0 0,-2-1 0,7 4 0,-7-7 0,6 11 0,-6-7 0,7 4 0,-3 1 0,3-1 0,-3 0 0,3 6 0,-3-5 0,0 4 0,3-4 0,-3 4 0,0-4 0,-1 10 0,0-10 0,1 17 0,0-15 0,2 10 0,-6-17 0,3 0 0,-4-6 0,0 1 0,0 0 0,3-4 0,-2 0 0,2-4 0</inkml:trace>
@@ -981,7 +981,7 @@
     <inkml:brush xml:id="br0">
       <inkml:brushProperty name="width" value="0.1" units="cm"/>
       <inkml:brushProperty name="height" value="0.1" units="cm"/>
-      <inkml:brushProperty name="color" value="#66CC00"/>
+      <inkml:brushProperty name="color" value="#7D943C"/>
     </inkml:brush>
   </inkml:definitions>
   <inkml:trace contextRef="#ctx0" brushRef="#br0">0 0 24575,'0'16'0,"0"4"0,0-1 0,0 14 0,0-8 0,0 9 0,0-6 0,0 13 0,0 16 0,0-4 0,0 40 0,0-44 0,0 31 0,0-43 0,0 9 0,0-16 0,0 4 0,0-10 0,0-2 0,0 0 0,0 5 0,0-8 0,0 10 0,0-14 0,5 12 0,0-4 0,4 6 0,-3-1 0,2-4 0,-7 3 0,7-4 0,-7 6 0,3-1 0,0-4 0,-3 3 0,2-4 0,1 1 0,-3 3 0,3-8 0,0 8 0,-3-9 0,4 9 0,-5-8 0,4 8 0,-3 9 0,7-4 0,-7 9 0,8-12 0,-8-1 0,7 0 0,-7 1 0,8-1 0,-8-4 0,7 3 0,-7-4 0,4 6 0,-5-1 0,0 1 0,0-1 0,0 1 0,0 5 0,0-9 0,0 8 0,0-15 0,0 9 0,0-8 0,0 3 0,0 0 0,0 5 0,0 2 0,0-3 0,0-4 0,0-5 0,0 1 0,0-1 0,0 0 0,0 1 0,0-1 0,0-4 0,0 3 0,0-3 0,0 0 0,0 4 0,0-4 0,0 4 0,0 0 0,0 5 0,0-3 0,0 8 0,0-8 0,0 8 0,0-4 0,0 14 0,0-7 0,0 1 0,0-9 0,0 1 0,0-5 0,0 9 0,0-8 0,0 8 0,0-3 0,0-1 0,0 4 0,0-8 0,0 3 0,0-5 0,0-4 0,0 4 0,0-4 0,0 4 0,0 0 0,0 1 0,0-1 0,0-4 0,0 3 0,0-4 0,0 6 0,0-6 0,0 0 0,0 0 0,0-3 0,0 7 0,0-7 0,0 7 0,0-7 0,0 3 0,0-4 0,0 0 0,0-1 0,0 1 0,0-4 0,0 0 0</inkml:trace>
@@ -1009,7 +1009,7 @@
     <inkml:brush xml:id="br0">
       <inkml:brushProperty name="width" value="0.1" units="cm"/>
       <inkml:brushProperty name="height" value="0.1" units="cm"/>
-      <inkml:brushProperty name="color" value="#66CC00"/>
+      <inkml:brushProperty name="color" value="#7D943C"/>
     </inkml:brush>
   </inkml:definitions>
   <inkml:trace contextRef="#ctx0" brushRef="#br0">1 1 24575,'0'16'0,"0"-4"0,0 0 0,0 0 0,0 1 0,0 9 0,0 4 0,0 3 0,0 28 0,0-23 0,0 26 0,0-25 0,0 1 0,0 4 0,0-5 0,0 7 0,0-1 0,0 0 0,0 0 0,0 7 0,0 1 0,0 7 0,0 25 0,0-19 0,0 18 0,0-17 0,0-11 0,0 9 0,0-18 0,0 11 0,0-11 0,0 5 0,0-7 0,0 7 0,0-5 0,0 4 0,0-5 0,0-1 0,0 0 0,4-5 0,-3-2 0,3-6 0,0 1 0,-2-1 0,6 1 0,-7-1 0,7 13 0,-2-9 0,3 9 0,-4-13 0,4 1 0,-4-1 0,0 1 0,4-1 0,-8 1 0,8 5 0,-8-4 0,3 4 0,1-6 0,-4 1 0,3-6 0,-4 4 0,4-8 0,-3 3 0,3 0 0,-4-3 0,0 11 0,0-11 0,0 6 0,0-3 0,0-3 0,0-1 0,0 3 0,0-7 0,0 8 0,0-4 0,0-1 0,0 0 0,0 6 0,0-5 0,0 4 0,0-4 0,0-1 0,0 5 0,0-3 0,0 3 0,0-5 0,0 5 0,0-3 0,0 3 0,0-4 0,0-1 0,0 5 0,0-3 0,0 6 0,3-11 0,-2 6 0,2-11 0,-3 7 0,0-7 0,4 7 0,-3-3 0,3 4 0,0 1 0,-3 4 0,3-3 0,-1 3 0,-2 0 0,3 2 0,-4-1 0,4 4 0,-2-3 0,2 4 0,-4 1 0,0-1 0,0 0 0,0 1 0,0-6 0,0 3 0,0-12 0,0 2 0,0-9 0,0 1 0,0 4 0,0 1 0,0 9 0,0-3 0,0 3 0,0 0 0,0-3 0,0 3 0,0-5 0,0-4 0,0 3 0,0-7 0,0 8 0,0-9 0,0 4 0,0-4 0,0 4 0,0-3 0,11 81 0,-4-62 0,5 62 0,-9-82 0,-3 14 0,0-12 0,0 11 0,0-8 0,0 0 0,0-1 0,0-4 0,0 0 0,0 0 0,4-4 0,-4 3 0,4-3 0,-4 3 0,0 0 0,3-3 0,-2 3 0,2-4 0,-3 5 0,0-1 0,0 0 0,3-3 0,1 0 0,4-4 0,-4 0 0,-1 0 0</inkml:trace>
@@ -1037,7 +1037,7 @@
     <inkml:brush xml:id="br0">
       <inkml:brushProperty name="width" value="0.1" units="cm"/>
       <inkml:brushProperty name="height" value="0.1" units="cm"/>
-      <inkml:brushProperty name="color" value="#66CC00"/>
+      <inkml:brushProperty name="color" value="#7D943C"/>
     </inkml:brush>
   </inkml:definitions>
   <inkml:trace contextRef="#ctx0" brushRef="#br0">1 1 24575,'0'15'0,"0"-3"0,0 9 0,0-7 0,0 13 0,0-8 0,0 14 0,0-8 0,0 22 0,0-10 0,0 36 0,0-36 0,0 27 0,0-39 0,0 4 0,0 4 0,0-8 0,0 4 0,0 4 0,4-8 0,1 9 0,5 0 0,0 4 0,-5-2 0,3-5 0,-3-4 0,0-8 0,3 3 0,-7-4 0,3-1 0,0 5 0,-3-3 0,7 3 0,-7-5 0,7 5 0,-7-3 0,3 3 0,0-5 0,-3 1 0,3-1 0,-4-4 0,0 3 0,0-7 0,0 7 0,0-3 0,0 5 0,4 7 0,-3-6 0,3 6 0,-4-8 0,0 0 0,0 1 0,3-1 0,-2-4 0,3 3 0,-4-3 0,0 5 0,4-1 0,-3 0 0,3 0 0,-4 6 0,4-5 0,-3 9 0,2-8 0,-3 8 0,4-8 0,-3 8 0,3-9 0,-4 10 0,0-5 0,4 13 0,-3-5 0,8 5 0,-8-8 0,3 1 0,0-1 0,-3 1 0,4-1 0,-5 0 0,0-4 0,0 3 0,3-8 0,-2 8 0,3-9 0,-4 0 0,0-1 0,0-4 0,0 0 0,0 3 0,0-7 0,0 7 0,0-3 0,0 4 0,4 1 0,-3 12 0,3-10 0,-4 15 0,0-16 0,0 8 0,0-4 0,0 6 0,0-6 0,0 4 0,0-3 0,0 4 0,0 3 0,0-6 0,0 0 0,0 0 0,0-6 0,0 6 0,0-8 0,0 0 0,0 1 0,0 7 0,0-10 0,0 8 0,0-9 0,0 3 0,0-4 0,0 3 0,0-3 0,0 0 0,0 3 0,0-2 0,0 3 0,0 0 0,0 0 0,0 1 0,0-1 0,0 5 0,0 2 0,0 4 0,0 6 0,0-4 0,0 4 0,0-5 0,0-6 0,0 7 0,0-15 0,0 5 0,0-12 0,0-1 0,0 1 0,0 0 0,0-1 0,0 13 0,0-5 0,0 10 0,0-8 0,0-4 0,0-1 0,0-4 0,0 0 0,0 0 0,0-1 0,0 1 0,0 0 0,0 0 0,0 4 0,0 6 0,0 5 0,0 11 0,0 2 0,0-1 0,0-6 0,0-2 0,0-12 0,0 6 0,0-12 0,0 7 0,0-3 0,0 4 0,0 1 0,0-1 0,0 5 0,0 2 0,0-1 0,0 4 0,0-8 0,0 8 0,0-8 0,0 3 0,0-5 0,0 0 0,0 1 0,0-1 0,0 0 0,0 13 0,0-9 0,0 14 0,0-17 0,0 4 0,0-9 0,0 4 0,0-4 0,0 0 0,0-1 0,0 0 0,0-3 0,0 3 0,0 0 0,0-3 0,0 3 0,0 0 0,0-4 0,0 9 0,0-4 0,0 12 0,0-6 0,0 2 0,0-5 0,0-3 0,0 0 0,0 3 0,0-7 0,0 7 0,0-7 0,0 7 0,0-7 0,0 8 0,0-9 0,0 4 0,0 0 0,0-3 0,0 3 0,0-4 0,0 0 0,0 3 0,0-2 0,0 6 0,0-6 0,3 3 0,-2-4 0,3 4 0,-4-3 0,0 3 0,0 0 0,0-3 0,0 3 0,0 0 0,0-3 0,0 3 0,0-5 0,0 1 0,0-1 0,0 1 0,0 0 0,0 0 0,3-1 0,-2 1 0,2-1 0,-3 0 0,0 1 0,0-1 0,0 1 0,0 0 0,0 4 0,4-3 0,-4 3 0,4-4 0,-4-1 0,0 1 0,0-1 0,3 1 0,-2 0 0,6 0 0,-6-1 0,2 1 0,-3 0 0,4 0 0,-3-1 0,2 1 0,-3-1 0,0 1 0,0 0 0,0 0 0,4 0 0,0-1 0,0 1 0,0 0 0,0 4 0,-3-3 0,3 3 0,-4-4 0,0-1 0,0 0 0,0 1 0,0-1 0,0 1 0,0 0 0,0 0 0,0-1 0,0 1 0,0-4 0,0-1 0</inkml:trace>
@@ -1092,7 +1092,7 @@
     <inkml:brush xml:id="br0">
       <inkml:brushProperty name="width" value="0.1" units="cm"/>
       <inkml:brushProperty name="height" value="0.1" units="cm"/>
-      <inkml:brushProperty name="color" value="#66CC00"/>
+      <inkml:brushProperty name="color" value="#7D943C"/>
     </inkml:brush>
   </inkml:definitions>
   <inkml:trace contextRef="#ctx0" brushRef="#br0">0 1 24575,'0'32'0,"0"-5"0,0 0 0,0-4 0,0 6 0,0-1 0,0-5 0,0 30 0,0-18 0,0 39 0,0-35 0,0 7 0,0-11 0,0 31 0,0-17 0,0 24 0,0-32 0,0 0 0,0 0 0,0-5 0,0 4 0,0 2 0,0-4 0,0 3 0,0-18 0,0 4 0,0-8 0,4 8 0,2-3 0,-1 4 0,-1 1 0,0-1 0,-3 0 0,3 1 0,1-1 0,-4 1 0,3-6 0,0-1 0,-3 1 0,3-5 0,-4 9 0,4-3 0,-3-1 0,3 10 0,-4-8 0,0 28 0,5-15 0,-4 16 0,8-12 0,-8-1 0,8-6 0,-8 5 0,8-4 0,-8-1 0,8 0 0,-8-7 0,3 1 0,-4-6 0,4 4 0,-3-3 0,3 4 0,-4 1 0,0-1 0,0 0 0,0 1 0,0-6 0,0 5 0,0-6 0,0 1 0,0-3 0,0-2 0,0-1 0,0-4 0,0 3 0,0-3 0,0 5 0,0-1 0,0 0 0,0 0 0,0-3 0,0-2 0,0-5 0,0 10 0,0 2 0,0 10 0,0-1 0,0 1 0,0-1 0,0 6 0,0 2 0,0 12 0,0 1 0,0 0 0,0-1 0,0-7 0,0-5 0,5-2 0,-4-6 0,3-4 0,-4-2 0,4 0 0,-3-3 0,3 3 0,-4-5 0,0 1 0,0-1 0,0 0 0,0 1 0,0-1 0,4 0 0,-3 0 0,3 1 0,-4-5 0,4 3 0,-3-3 0,3 4 0,-4-4 0,0 4 0,0-4 0,0 4 0,0-4 0,0 3 0,0-3 0,0 4 0,0-3 0,0 2 0,0-3 0,0 4 0,0 0 0,0 1 0,0-1 0,3 0 0,-2 1 0,3 4 0,-4-4 0,0 5 0,0-1 0,0 1 0,0 13 0,0-5 0,0 0 0,0-9 0,0 3 0,0-6 0,0 6 0,0-2 0,0-5 0,0 9 0,0-3 0,0-1 0,0 4 0,0 3 0,0 0 0,0 4 0,0-11 0,0 4 0,-4 0 0,3 2 0,-2-3 0,-2 1 0,4-3 0,-7 4 0,7 1 0,-8 5 0,8-4 0,-8 4 0,8-6 0,-3 1 0,4-6 0,-4-1 0,3 1 0,-3-5 0,4 4 0,-4-4 0,3-1 0,-2 5 0,3-3 0,0 3 0,0-5 0,0 0 0,0 8 0,0 0 0,0 1 0,0-4 0,0-5 0,0 1 0,0-1 0,0 0 0,0 0 0,0-3 0,0 2 0,0 0 0,0 2 0,0 3 0,0 0 0,0-7 0,0 6 0,0-12 0,0 4 0,0 0 0,0 1 0,0 4 0,0-5 0,0 4 0,0-2 0,0-1 0,0 3 0,0-3 0,0 0 0,0 3 0,0-3 0,0 5 0,0-1 0,0 0 0,0 0 0,0 1 0,0-1 0,0-4 0,0 3 0,0-7 0,0 7 0,0-7 0,0 3 0,0 0 0,0 5 0,0-3 0,0 1 0,0-3 0,0-3 0,3 3 0,-2 0 0,2-3 0,1 3 0,-3-4 0,2 0 0,-3-1 0,0 1 0,0 0 0,0 0 0,0-1 0,0 0 0,0 1 0,0-1 0,0 0 0,0 0 0,0 1 0,0-1 0,0 0 0,0 0 0,0 0 0,0 1 0,3-4 0,6-1 0,3-3 0,-2 0 0,-2 0 0</inkml:trace>
@@ -1120,7 +1120,7 @@
     <inkml:brush xml:id="br0">
       <inkml:brushProperty name="width" value="0.1" units="cm"/>
       <inkml:brushProperty name="height" value="0.1" units="cm"/>
-      <inkml:brushProperty name="color" value="#66CC00"/>
+      <inkml:brushProperty name="color" value="#7D943C"/>
     </inkml:brush>
   </inkml:definitions>
   <inkml:trace contextRef="#ctx0" brushRef="#br0">36 0 24575,'0'21'0,"0"5"0,0-3 0,0 6 0,0 5 0,0-4 0,0 16 0,0-7 0,0 16 0,0-3 0,0-7 0,0 1 0,0-10 0,0-1 0,0 5 0,0 2 0,0 1 0,0 11 0,0-16 0,0 8 0,0-16 0,0 17 0,0-25 0,0 12 0,0-25 0,0 3 0,0-5 0,0 1 0,0 0 0,0 0 0,0-1 0,0 1 0,0 0 0,0 0 0,0-1 0,0 1 0,0-1 0,0 1 0,0-1 0,0 1 0,0 4 0,0 1 0,0 4 0,0 1 0,0-5 0,0 3 0,0-7 0,0 3 0,0-4 0,0-1 0,0 1 0,-3-3 0,-11-2 0,8 6 0,-7 12 0,13 11 0,0 10 0,0-1 0,0 7 0,0 1 0,0 7 0,0 0 0,0-7 0,0-1 0,0-13 0,0-5 0,0-3 0,0-9 0,0 5 0,0-10 0,0 3 0,0-7 0,0 3 0,0-4 0,0-1 0,0 1 0,0 4 0,0-3 0,0 7 0,0-7 0,0 3 0,0 0 0,4-3 0,-3 7 0,6-7 0,-7 7 0,4-3 0,-1 0 0,-2 4 0,3-4 0,-1 0 0,-2 3 0,7 2 0,-7 1 0,7 3 0,-3 0 0,0-3 0,3 8 0,-7-4 0,4 6 0,-5-1 0,0 1 0,4-1 0,-3-5 0,3 5 0,0-5 0,-3 1 0,8 3 0,-8-9 0,7 17 0,-3-9 0,1 10 0,-2-13 0,0 0 0,-3-1 0,3-4 0,-4 5 0,4-1 0,-3-4 0,7 5 0,-7-1 0,3 1 0,0 6 0,-3-1 0,3 1 0,0-1 0,-3 0 0,4 1 0,-5-1 0,4 1 0,-3-6 0,7 12 0,-2-9 0,-1 5 0,3-4 0,-7-4 0,4 6 0,-1-1 0,-3 1 0,7-1 0,-2 1 0,-1-1 0,4 6 0,-4-4 0,1 10 0,2-10 0,-3 4 0,5-6 0,-5 1 0,3-6 0,-7 5 0,7-10 0,-7 4 0,3 0 0,-1-3 0,-2-1 0,3-2 0,-4 5 0,0-2 0,4 6 0,-3-3 0,3-3 0,-4 3 0,0 0 0,0 2 0,0 4 0,0 1 0,0-1 0,0 1 0,0-1 0,0 6 0,0-4 0,0 10 0,0-4 0,0-1 0,0 5 0,0-4 0,0 5 0,0 0 0,0 0 0,0 1 0,0-1 0,0-6 0,0 5 0,0-10 0,0-1 0,0-6 0,0-10 0,0 5 0,0 0 0,-4 7 0,-2 4 0,1-1 0,-4 6 0,4 2 0,-6 5 0,6 0 0,-5 0 0,9 7 0,-8-5 0,8 5 0,-4 0 0,5-11 0,-4 3 0,3-11 0,-3-6 0,4 0 0,0-6 0,0-4 0,0-1 0,0 0 0,0-3 0,0 7 0,0-7 0,0 7 0,0-3 0,0 0 0,0 4 0,0-9 0,0 4 0,0-4 0,0 0 0,0 0 0,0 0 0,0-1 0,0 1 0,0 0 0,0 0 0,0-1 0,0 1 0,3-4 0,-2 3 0,6-3 0,-7 4 0,7 0 0,-6-1 0,7 5 0,-7-3 0,6 7 0,-6-2 0,6-1 0,-6 3 0,3-7 0,-4 3 0,0-4 0,3-1 0,-2 5 0,3-3 0,-4 7 0,0-7 0,3 3 0,-2-4 0,2 0 0,-3 0 0,0 0 0,0-1 0,0 1 0,0 0 0,0-4 0,0-1 0</inkml:trace>
@@ -1148,7 +1148,7 @@
     <inkml:brush xml:id="br0">
       <inkml:brushProperty name="width" value="0.1" units="cm"/>
       <inkml:brushProperty name="height" value="0.1" units="cm"/>
-      <inkml:brushProperty name="color" value="#E71224"/>
+      <inkml:brushProperty name="color" value="#C93431"/>
     </inkml:brush>
   </inkml:definitions>
   <inkml:trace contextRef="#ctx0" brushRef="#br0">0 1 24575,'0'11'0,"0"0"0,0-4 0,0 0 0,0 1 0,0 0 0,0-1 0,0 1 0,0-1 0,0 0 0,0 1 0,0-1 0,0 0 0,0 1 0,0-1 0,0 0 0,0 1 0,0-1 0,0-3 0,0-1 0</inkml:trace>
@@ -1176,7 +1176,7 @@
     <inkml:brush xml:id="br0">
       <inkml:brushProperty name="width" value="0.1" units="cm"/>
       <inkml:brushProperty name="height" value="0.1" units="cm"/>
-      <inkml:brushProperty name="color" value="#E71224"/>
+      <inkml:brushProperty name="color" value="#C93431"/>
     </inkml:brush>
   </inkml:definitions>
   <inkml:trace contextRef="#ctx0" brushRef="#br0">0 0 24575,'0'21'0,"0"-5"0,0-5 0,0-4 0,0 1 0,0-4 0,0-1 0</inkml:trace>
@@ -1204,7 +1204,7 @@
     <inkml:brush xml:id="br0">
       <inkml:brushProperty name="width" value="0.1" units="cm"/>
       <inkml:brushProperty name="height" value="0.1" units="cm"/>
-      <inkml:brushProperty name="color" value="#E71224"/>
+      <inkml:brushProperty name="color" value="#C93431"/>
     </inkml:brush>
   </inkml:definitions>
   <inkml:trace contextRef="#ctx0" brushRef="#br0">1 0 24575,'0'12'0,"0"2"0,0-5 0,0 3 0,0 0 0,0-3 0,0 7 0,0 13 0,0-3 0,0 11 0,0-18 0,0 1 0,0-11 0,0 3 0,0-11 0,0-2 0</inkml:trace>
@@ -1232,7 +1232,7 @@
     <inkml:brush xml:id="br0">
       <inkml:brushProperty name="width" value="0.1" units="cm"/>
       <inkml:brushProperty name="height" value="0.1" units="cm"/>
-      <inkml:brushProperty name="color" value="#E71224"/>
+      <inkml:brushProperty name="color" value="#C93431"/>
     </inkml:brush>
   </inkml:definitions>
   <inkml:trace contextRef="#ctx0" brushRef="#br0">1 1 24575,'4'7'0,"-1"5"0,-3 0 0,0 6 0,0-1 0,0 0 0,0-4 0,0-1 0,0-5 0,0 5 0,0-4 0,0 4 0,0-4 0,0-4 0,0 0 0</inkml:trace>
@@ -1260,7 +1260,7 @@
     <inkml:brush xml:id="br0">
       <inkml:brushProperty name="width" value="0.1" units="cm"/>
       <inkml:brushProperty name="height" value="0.1" units="cm"/>
-      <inkml:brushProperty name="color" value="#E71224"/>
+      <inkml:brushProperty name="color" value="#C93431"/>
     </inkml:brush>
   </inkml:definitions>
   <inkml:trace contextRef="#ctx0" brushRef="#br0">1 1 24575,'0'21'0,"0"-5"0,0 0 0,0-7 0,0-1 0,0-4 0</inkml:trace>
@@ -1288,7 +1288,7 @@
     <inkml:brush xml:id="br0">
       <inkml:brushProperty name="width" value="0.1" units="cm"/>
       <inkml:brushProperty name="height" value="0.1" units="cm"/>
-      <inkml:brushProperty name="color" value="#E71224"/>
+      <inkml:brushProperty name="color" value="#C93431"/>
     </inkml:brush>
   </inkml:definitions>
   <inkml:trace contextRef="#ctx0" brushRef="#br0">1 0 24575,'0'16'0,"0"-5"0,0 1 0,0-4 0,0-1 0,0 1 0,0-1 0,0 1 0,0 0 0,0 0 0,0-1 0,0 1 0,0 0 0,0-1 0,0 1 0,0 0 0,0 4 0,0-4 0,0 5 0,0-1 0,0-4 0,0 4 0,0-4 0,0 0 0,0 4 0,0-3 0,0 3 0,0-4 0,0 0 0,0-1 0,0-2 0,0-2 0</inkml:trace>
@@ -1316,7 +1316,7 @@
     <inkml:brush xml:id="br0">
       <inkml:brushProperty name="width" value="0.1" units="cm"/>
       <inkml:brushProperty name="height" value="0.1" units="cm"/>
-      <inkml:brushProperty name="color" value="#E71224"/>
+      <inkml:brushProperty name="color" value="#C93431"/>
     </inkml:brush>
   </inkml:definitions>
   <inkml:trace contextRef="#ctx0" brushRef="#br0">1 0 24575,'0'17'0,"0"-4"0,0 3 0,0-7 0,0 3 0,0-4 0,0-1 0,0 1 0,0-1 0,0 0 0,0 0 0,0 1 0,0-1 0,0 0 0,0 1 0,0-1 0,0 0 0,0 1 0,0-1 0,0 0 0,0 0 0,3-3 0,-2 2 0,3-2 0,-1 0 0,-2 3 0,2-3 0,0 0 0,1-1 0,0-3 0,-1 0 0</inkml:trace>
@@ -1344,7 +1344,7 @@
     <inkml:brush xml:id="br0">
       <inkml:brushProperty name="width" value="0.1" units="cm"/>
       <inkml:brushProperty name="height" value="0.1" units="cm"/>
-      <inkml:brushProperty name="color" value="#E71224"/>
+      <inkml:brushProperty name="color" value="#C93431"/>
     </inkml:brush>
   </inkml:definitions>
   <inkml:trace contextRef="#ctx0" brushRef="#br0">1 0 24575,'0'21'0,"0"-5"0,0-4 0,0-4 0,0 0 0,0 0 0,0 0 0,0 3 0,0 5 0,0 2 0,0 9 0,0-12 0,0 4 0,0-11 0,0-4 0,0 0 0</inkml:trace>
@@ -1399,7 +1399,7 @@
     <inkml:brush xml:id="br0">
       <inkml:brushProperty name="width" value="0.1" units="cm"/>
       <inkml:brushProperty name="height" value="0.1" units="cm"/>
-      <inkml:brushProperty name="color" value="#E71224"/>
+      <inkml:brushProperty name="color" value="#C93431"/>
     </inkml:brush>
   </inkml:definitions>
   <inkml:trace contextRef="#ctx0" brushRef="#br0">1 1 24575,'0'14'0,"0"-2"0,0-1 0,0-3 0,0-1 0,0 1 0,0-1 0,0 1 0,0 4 0,0-3 0,0 3 0,0-5 0,0 1 0,0-1 0,0 1 0,0 0 0,0 0 0,0-1 0,0 1 0,0-1 0,0 5 0,0 6 0,0 1 0,0 8 0,0 4 0,0-10 0,0 8 0,0-20 0,0 3 0,0-4 0,0-4 0,0 0 0</inkml:trace>
@@ -1427,7 +1427,7 @@
     <inkml:brush xml:id="br0">
       <inkml:brushProperty name="width" value="0.1" units="cm"/>
       <inkml:brushProperty name="height" value="0.1" units="cm"/>
-      <inkml:brushProperty name="color" value="#E71224"/>
+      <inkml:brushProperty name="color" value="#C93431"/>
     </inkml:brush>
   </inkml:definitions>
   <inkml:trace contextRef="#ctx0" brushRef="#br0">0 0 24575,'0'12'0,"0"-1"0,0-4 0,0 1 0,0-1 0,0 1 0,0 0 0,0-1 0,0 1 0,0 0 0,0 0 0,0-1 0,0 1 0,0 0 0,0-4 0,0-1 0</inkml:trace>
@@ -1455,7 +1455,7 @@
     <inkml:brush xml:id="br0">
       <inkml:brushProperty name="width" value="0.1" units="cm"/>
       <inkml:brushProperty name="height" value="0.1" units="cm"/>
-      <inkml:brushProperty name="color" value="#E71224"/>
+      <inkml:brushProperty name="color" value="#C93431"/>
     </inkml:brush>
   </inkml:definitions>
   <inkml:trace contextRef="#ctx0" brushRef="#br0">1 1 24575,'0'11'0,"0"0"0,0-3 0,0-1 0,0 1 0,0 0 0,0-1 0,0 1 0,0 0 0,0 0 0,0-1 0,0 1 0,0 0 0,0-4 0,0-1 0</inkml:trace>
@@ -1483,7 +1483,7 @@
     <inkml:brush xml:id="br0">
       <inkml:brushProperty name="width" value="0.1" units="cm"/>
       <inkml:brushProperty name="height" value="0.1" units="cm"/>
-      <inkml:brushProperty name="color" value="#E71224"/>
+      <inkml:brushProperty name="color" value="#C93431"/>
     </inkml:brush>
   </inkml:definitions>
   <inkml:trace contextRef="#ctx0" brushRef="#br0">1 0 24575,'0'12'0,"0"-1"0,0 1 0,0 1 0,0 0 0,0-1 0,0-4 0,0 7 0,0-5 0,0 5 0,0-8 0,0 1 0,0-1 0,0 5 0,0-3 0,0 3 0,0-4 0,0 0 0,0 0 0,0-1 0,0-2 0,0-2 0</inkml:trace>
@@ -1511,7 +1511,7 @@
     <inkml:brush xml:id="br0">
       <inkml:brushProperty name="width" value="0.1" units="cm"/>
       <inkml:brushProperty name="height" value="0.1" units="cm"/>
-      <inkml:brushProperty name="color" value="#E71224"/>
+      <inkml:brushProperty name="color" value="#C93431"/>
     </inkml:brush>
   </inkml:definitions>
   <inkml:trace contextRef="#ctx0" brushRef="#br0">25 0 24575,'0'20'0,"0"-1"0,0-3 0,0-4 0,0 5 0,0-4 0,0 4 0,0 0 0,0-4 0,0-1 0,0-4 0,0 0 0,0 0 0,0 4 0,-4 1 0,3 4 0,-3 0 0,4 1 0,0 4 0,0-3 0,0-1 0,0 1 0,0-9 0,0 5 0,-7-10 0,5-2 0,-5-3 0</inkml:trace>
@@ -1539,7 +1539,7 @@
     <inkml:brush xml:id="br0">
       <inkml:brushProperty name="width" value="0.1" units="cm"/>
       <inkml:brushProperty name="height" value="0.1" units="cm"/>
-      <inkml:brushProperty name="color" value="#E71224"/>
+      <inkml:brushProperty name="color" value="#C93431"/>
     </inkml:brush>
   </inkml:definitions>
   <inkml:trace contextRef="#ctx0" brushRef="#br0">1 0 24575,'0'11'0,"0"4"0,0-6 0,0 7 0,0-7 0,0 3 0,0-4 0,0-1 0,0 0 0,0-3 0,0 0 0</inkml:trace>
@@ -1567,7 +1567,7 @@
     <inkml:brush xml:id="br0">
       <inkml:brushProperty name="width" value="0.1" units="cm"/>
       <inkml:brushProperty name="height" value="0.1" units="cm"/>
-      <inkml:brushProperty name="color" value="#E71224"/>
+      <inkml:brushProperty name="color" value="#C93431"/>
     </inkml:brush>
   </inkml:definitions>
   <inkml:trace contextRef="#ctx0" brushRef="#br0">0 1 24575,'0'11'0,"0"-1"0,0 3 0,0 0 0,0 4 0,0 0 0,0-4 0,0 10 0,0-13 0,0 8 0,0-13 0,0-2 0</inkml:trace>
@@ -1595,7 +1595,7 @@
     <inkml:brush xml:id="br0">
       <inkml:brushProperty name="width" value="0.1" units="cm"/>
       <inkml:brushProperty name="height" value="0.1" units="cm"/>
-      <inkml:brushProperty name="color" value="#E71224"/>
+      <inkml:brushProperty name="color" value="#C93431"/>
     </inkml:brush>
   </inkml:definitions>
   <inkml:trace contextRef="#ctx0" brushRef="#br0">0 0 24575,'0'12'0,"0"-2"0,0-2 0,0 0 0,0 0 0,0-1 0,0 1 0,0-1 0,0 1 0,0-1 0,0 1 0,0-1 0,0 1 0,0-1 0,0 1 0,0-1 0,0 1 0,0 0 0,0-1 0,0 1 0,0 0 0,0 0 0,0 0 0,0-1 0,0 1 0,0-1 0,0 1 0</inkml:trace>
@@ -1623,7 +1623,7 @@
     <inkml:brush xml:id="br0">
       <inkml:brushProperty name="width" value="0.1" units="cm"/>
       <inkml:brushProperty name="height" value="0.1" units="cm"/>
-      <inkml:brushProperty name="color" value="#E71224"/>
+      <inkml:brushProperty name="color" value="#C93431"/>
     </inkml:brush>
   </inkml:definitions>
   <inkml:trace contextRef="#ctx0" brushRef="#br0">9 1 24575,'0'15'0,"0"1"0,0 6 0,0-3 0,0 8 0,0-8 0,-4 6 0,3-11 0,-3 9 0,4-14 0,0 2 0,0-8 0</inkml:trace>
@@ -1651,7 +1651,7 @@
     <inkml:brush xml:id="br0">
       <inkml:brushProperty name="width" value="0.1" units="cm"/>
       <inkml:brushProperty name="height" value="0.1" units="cm"/>
-      <inkml:brushProperty name="color" value="#E71224"/>
+      <inkml:brushProperty name="color" value="#C93431"/>
     </inkml:brush>
   </inkml:definitions>
   <inkml:trace contextRef="#ctx0" brushRef="#br0">0 0 24575,'0'12'0,"0"-1"0,0-3 0,0 0 0,0-1 0,0 1 0,0 0 0,0-1 0,0 0 0,0-3 0,0-1 0</inkml:trace>
@@ -1706,7 +1706,7 @@
     <inkml:brush xml:id="br0">
       <inkml:brushProperty name="width" value="0.1" units="cm"/>
       <inkml:brushProperty name="height" value="0.1" units="cm"/>
-      <inkml:brushProperty name="color" value="#E71224"/>
+      <inkml:brushProperty name="color" value="#C93431"/>
     </inkml:brush>
   </inkml:definitions>
   <inkml:trace contextRef="#ctx0" brushRef="#br0">1 1 24575,'0'21'0,"0"-1"0,0-3 0,0-5 0,0 4 0,0-7 0,0 8 0,0-9 0,0 4 0,0-4 0,0 0 0,0 0 0,0 0 0,0-1 0,0 1 0,0-1 0,0 1 0,0-1 0,0 0 0,0-3 0,0-1 0</inkml:trace>
@@ -1734,7 +1734,7 @@
     <inkml:brush xml:id="br0">
       <inkml:brushProperty name="width" value="0.1" units="cm"/>
       <inkml:brushProperty name="height" value="0.1" units="cm"/>
-      <inkml:brushProperty name="color" value="#E71224"/>
+      <inkml:brushProperty name="color" value="#C93431"/>
     </inkml:brush>
   </inkml:definitions>
   <inkml:trace contextRef="#ctx0" brushRef="#br0">1 1 24575,'0'8'0,"0"-2"0</inkml:trace>
@@ -1762,7 +1762,7 @@
     <inkml:brush xml:id="br0">
       <inkml:brushProperty name="width" value="0.1" units="cm"/>
       <inkml:brushProperty name="height" value="0.1" units="cm"/>
-      <inkml:brushProperty name="color" value="#E71224"/>
+      <inkml:brushProperty name="color" value="#C93431"/>
     </inkml:brush>
   </inkml:definitions>
   <inkml:trace contextRef="#ctx0" brushRef="#br0">0 0 24575,'0'11'0,"0"0"0,0-4 0,0 1 0,0-1 0,0 1 0,0-4 0,0-1 0</inkml:trace>
@@ -1790,7 +1790,7 @@
     <inkml:brush xml:id="br0">
       <inkml:brushProperty name="width" value="0.1" units="cm"/>
       <inkml:brushProperty name="height" value="0.1" units="cm"/>
-      <inkml:brushProperty name="color" value="#E71224"/>
+      <inkml:brushProperty name="color" value="#C93431"/>
     </inkml:brush>
   </inkml:definitions>
   <inkml:trace contextRef="#ctx0" brushRef="#br0">1 0 24575,'0'12'0,"0"-1"0,0-4 0,0 5 0,0 2 0,0 3 0,0 5 0,0-3 0,0 23 0,0-20 0,0 15 0,0-24 0,0-2 0,0-7 0,0 0 0</inkml:trace>
@@ -1818,7 +1818,7 @@
     <inkml:brush xml:id="br0">
       <inkml:brushProperty name="width" value="0.1" units="cm"/>
       <inkml:brushProperty name="height" value="0.1" units="cm"/>
-      <inkml:brushProperty name="color" value="#E71224"/>
+      <inkml:brushProperty name="color" value="#C93431"/>
     </inkml:brush>
   </inkml:definitions>
   <inkml:trace contextRef="#ctx0" brushRef="#br0">0 1 24575,'0'11'0,"0"0"0,0-4 0,0 1 0,0-1 0,0 1 0,0 3 0,0-2 0,0 12 0,0-6 0,0 7 0,0-9 0,0-4 0,0-6 0</inkml:trace>
@@ -1846,7 +1846,7 @@
     <inkml:brush xml:id="br0">
       <inkml:brushProperty name="width" value="0.1" units="cm"/>
       <inkml:brushProperty name="height" value="0.1" units="cm"/>
-      <inkml:brushProperty name="color" value="#E71224"/>
+      <inkml:brushProperty name="color" value="#C93431"/>
     </inkml:brush>
   </inkml:definitions>
   <inkml:trace contextRef="#ctx0" brushRef="#br0">1 1 24575,'0'11'0,"0"0"0,0-3 0,0 0 0,0-1 0,0 1 0,0 4 0,0-3 0,0 12 0,0-11 0,0 7 0,0-13 0,0 0 0</inkml:trace>
@@ -1874,7 +1874,7 @@
     <inkml:brush xml:id="br0">
       <inkml:brushProperty name="width" value="0.1" units="cm"/>
       <inkml:brushProperty name="height" value="0.1" units="cm"/>
-      <inkml:brushProperty name="color" value="#E71224"/>
+      <inkml:brushProperty name="color" value="#C93431"/>
     </inkml:brush>
   </inkml:definitions>
   <inkml:trace contextRef="#ctx0" brushRef="#br0">1 1 24575,'0'14'0,"0"2"0,0-4 0,0 0 0,0-4 0,0 0 0,0-1 0,0 1 0,0-4 0,0 0 0</inkml:trace>
@@ -1902,7 +1902,7 @@
     <inkml:brush xml:id="br0">
       <inkml:brushProperty name="width" value="0.1" units="cm"/>
       <inkml:brushProperty name="height" value="0.1" units="cm"/>
-      <inkml:brushProperty name="color" value="#E71224"/>
+      <inkml:brushProperty name="color" value="#C93431"/>
     </inkml:brush>
   </inkml:definitions>
   <inkml:trace contextRef="#ctx0" brushRef="#br0">0 0 24575,'0'12'0,"0"-2"0,0 1 0,0-3 0,0 3 0,0-7 0,0-1 0</inkml:trace>
@@ -1930,7 +1930,7 @@
     <inkml:brush xml:id="br0">
       <inkml:brushProperty name="width" value="0.1" units="cm"/>
       <inkml:brushProperty name="height" value="0.1" units="cm"/>
-      <inkml:brushProperty name="color" value="#E71224"/>
+      <inkml:brushProperty name="color" value="#C93431"/>
     </inkml:brush>
   </inkml:definitions>
   <inkml:trace contextRef="#ctx0" brushRef="#br0">0 1 24575,'0'11'0,"0"0"0,0-3 0,0-1 0,0 1 0,0 0 0,0-1 0,0 1 0,0 0 0,0-1 0,0 1 0,0 0 0,0-1 0,0 1 0,0-1 0,0 1 0,0-1 0,0 1 0,3-4 0,-2 3 0,6-7 0,-6 7 0,2-2 0,-3 2 0,0 1 0,0-1 0,3-3 0,-2 3 0,3-3 0,-4 4 0,0-4 0,0-1 0</inkml:trace>
@@ -1958,7 +1958,7 @@
     <inkml:brush xml:id="br0">
       <inkml:brushProperty name="width" value="0.1" units="cm"/>
       <inkml:brushProperty name="height" value="0.1" units="cm"/>
-      <inkml:brushProperty name="color" value="#E71224"/>
+      <inkml:brushProperty name="color" value="#C93431"/>
     </inkml:brush>
   </inkml:definitions>
   <inkml:trace contextRef="#ctx0" brushRef="#br0">31 1 24575,'0'11'0,"0"-1"0,0-3 0,0 1 0,0 0 0,0-1 0,0 1 0,0 0 0,0-1 0,0 5 0,0-3 0,0 7 0,0-7 0,0 3 0,0-4 0,0 0 0,0 0 0,0-1 0,0 1 0,0 0 0,0-1 0,0 1 0,0-1 0,0 1 0,0 0 0,-4 0 0,3 0 0,-2-1 0,0 1 0,2 0 0,-6 0 0,6 0 0,-3-1 0,1-2 0,2-2 0,-2-3 0</inkml:trace>
@@ -2013,7 +2013,7 @@
     <inkml:brush xml:id="br0">
       <inkml:brushProperty name="width" value="0.1" units="cm"/>
       <inkml:brushProperty name="height" value="0.1" units="cm"/>
-      <inkml:brushProperty name="color" value="#E71224"/>
+      <inkml:brushProperty name="color" value="#C93431"/>
     </inkml:brush>
   </inkml:definitions>
   <inkml:trace contextRef="#ctx0" brushRef="#br0">0 1 24575,'0'16'0,"0"-4"0,0 4 0,0-7 0,0 7 0,0 2 0,0 12 0,0-10 0,0 8 0,0-19 0,0 7 0,0-7 0,0 3 0,0-11 0,0-2 0</inkml:trace>
@@ -2041,7 +2041,7 @@
     <inkml:brush xml:id="br0">
       <inkml:brushProperty name="width" value="0.1" units="cm"/>
       <inkml:brushProperty name="height" value="0.1" units="cm"/>
-      <inkml:brushProperty name="color" value="#E71224"/>
+      <inkml:brushProperty name="color" value="#C93431"/>
     </inkml:brush>
   </inkml:definitions>
   <inkml:trace contextRef="#ctx0" brushRef="#br0">55 0 24575,'0'12'0,"0"-1"0,0-4 0,0 1 0,0-1 0,0 4 0,0-3 0,0 7 0,0-2 0,0 4 0,0-4 0,-8 3 0,6-7 0,-5 3 0,7-4 0,0 0 0,0-1 0,0 1 0,-4-1 0,4 1 0,-4-1 0,1-2 0,-1-2 0,-3-3 0,-1 0 0,4 0 0,1 0 0</inkml:trace>
@@ -2069,7 +2069,7 @@
     <inkml:brush xml:id="br0">
       <inkml:brushProperty name="width" value="0.1" units="cm"/>
       <inkml:brushProperty name="height" value="0.1" units="cm"/>
-      <inkml:brushProperty name="color" value="#E71224"/>
+      <inkml:brushProperty name="color" value="#C93431"/>
     </inkml:brush>
   </inkml:definitions>
   <inkml:trace contextRef="#ctx0" brushRef="#br0">0 1 24575,'0'11'0,"0"4"0,0-3 0,0 1 0,0-2 0,0-7 0,0 0 0</inkml:trace>
@@ -2097,7 +2097,7 @@
     <inkml:brush xml:id="br0">
       <inkml:brushProperty name="width" value="0.1" units="cm"/>
       <inkml:brushProperty name="height" value="0.1" units="cm"/>
-      <inkml:brushProperty name="color" value="#E71224"/>
+      <inkml:brushProperty name="color" value="#C93431"/>
     </inkml:brush>
   </inkml:definitions>
   <inkml:trace contextRef="#ctx0" brushRef="#br0">1 0 24575,'0'12'0,"0"-1"0,0-4 0,0 1 0,0 0 0,0 0 0,0-1 0,0 1 0,0-1 0,0 1 0,0 0 0,0 4 0,0-3 0,0 7 0,0-7 0,0 3 0,0-4 0,0-1 0,0 1 0,0 0 0,0-1 0,0 1 0,0-1 0,0 1 0,0-4 0,0-1 0</inkml:trace>
@@ -2125,7 +2125,7 @@
     <inkml:brush xml:id="br0">
       <inkml:brushProperty name="width" value="0.1" units="cm"/>
       <inkml:brushProperty name="height" value="0.1" units="cm"/>
-      <inkml:brushProperty name="color" value="#E71224"/>
+      <inkml:brushProperty name="color" value="#C93431"/>
     </inkml:brush>
   </inkml:definitions>
   <inkml:trace contextRef="#ctx0" brushRef="#br0">1 1 24575,'0'12'0,"0"3"0,0-2 0,0 0 0,0-1 0,0-4 0,0 0 0,0 3 0,0-3 0,0 3 0,0-3 0,0-1 0,0 1 0,0 0 0,0 0 0,0-4 0,0-1 0</inkml:trace>
@@ -2153,7 +2153,7 @@
     <inkml:brush xml:id="br0">
       <inkml:brushProperty name="width" value="0.1" units="cm"/>
       <inkml:brushProperty name="height" value="0.1" units="cm"/>
-      <inkml:brushProperty name="color" value="#E71224"/>
+      <inkml:brushProperty name="color" value="#C93431"/>
     </inkml:brush>
   </inkml:definitions>
   <inkml:trace contextRef="#ctx0" brushRef="#br0">16 1 24575,'0'11'0,"0"-1"0,0-2 0,0-1 0,0 0 0,0 0 0,0 1 0,0-1 0,0 0 0,0 0 0,0 1 0,0-1 0,0 0 0,0 0 0,0 0 0,0 1 0,0-1 0,0 0 0,-3 1 0,2 0 0,-2 0 0,3-1 0,0 1 0,-4 0 0,3 0 0,-2-1 0,3 0 0,0-3 0,0 0 0</inkml:trace>
@@ -2181,7 +2181,7 @@
     <inkml:brush xml:id="br0">
       <inkml:brushProperty name="width" value="0.1" units="cm"/>
       <inkml:brushProperty name="height" value="0.1" units="cm"/>
-      <inkml:brushProperty name="color" value="#E71224"/>
+      <inkml:brushProperty name="color" value="#C93431"/>
     </inkml:brush>
   </inkml:definitions>
   <inkml:trace contextRef="#ctx0" brushRef="#br0">1 0 24575,'0'0'0</inkml:trace>
@@ -2209,7 +2209,7 @@
     <inkml:brush xml:id="br0">
       <inkml:brushProperty name="width" value="0.1" units="cm"/>
       <inkml:brushProperty name="height" value="0.1" units="cm"/>
-      <inkml:brushProperty name="color" value="#0070C0"/>
+      <inkml:brushProperty name="color" value="#347FB5"/>
     </inkml:brush>
   </inkml:definitions>
   <inkml:trace contextRef="#ctx0" brushRef="#br0">0 1 24575,'0'11'0,"0"9"0,0-10 0,0 7 0,0-10 0,0 5 0,0-3 0,0 6 0,0-3 0,0 4 0,0-3 0,0-1 0,0-4 0,0 4 0,0-3 0,0 3 0,0-5 0,0 1 0,0 0 0,0 0 0,0 0 0,0-1 0,0 1 0,0 0 0,0 0 0,0-1 0,0 1 0,0 0 0,0 0 0,0-1 0,0 1 0,0 0 0,0 0 0,0 0 0,0-1 0,0 1 0,0 0 0,0 0 0,0-1 0,0 1 0,0 0 0,0 0 0,0-1 0,0 1 0,0 0 0,0-1 0,0 1 0,0-4 0,0-1 0</inkml:trace>
@@ -2237,7 +2237,7 @@
     <inkml:brush xml:id="br0">
       <inkml:brushProperty name="width" value="0.1" units="cm"/>
       <inkml:brushProperty name="height" value="0.1" units="cm"/>
-      <inkml:brushProperty name="color" value="#0070C0"/>
+      <inkml:brushProperty name="color" value="#347FB5"/>
     </inkml:brush>
   </inkml:definitions>
   <inkml:trace contextRef="#ctx0" brushRef="#br0">1 23 24575,'27'0'0,"2"0"0,-6 0 0,4 0 0,6 0 0,-9 0 0,2 0 0,-4 0 0,-3 0 0,3 0 0,-5 0 0,0 0 0,5 0 0,-8 0 0,11 0 0,-6 0 0,4 0 0,4 0 0,-8 0 0,3 0 0,0 0 0,-8 0 0,7 0 0,-8 0 0,4 0 0,1 0 0,-5 0 0,3 0 0,-4 0 0,1 0 0,-1 0 0,0 0 0,1 0 0,-1 0 0,0 0 0,0 0 0,-3 0 0,7 0 0,-7 0 0,7 0 0,-7 0 0,7 0 0,-7 4 0,2-3 0,1 2 0,-3-3 0,3 0 0,0 0 0,-3 0 0,7 0 0,-3 0 0,4 0 0,0 0 0,0 0 0,0 0 0,0 0 0,0 0 0,5 0 0,-4 0 0,4 0 0,-5 0 0,0 0 0,5 0 0,-3 0 0,7 0 0,-8 0 0,3 0 0,-3 0 0,-1 0 0,0 0 0,0 0 0,-4 0 0,3 0 0,-3 0 0,4 0 0,4 0 0,3 0 0,3 0 0,2 0 0,-1 0 0,-5 0 0,3 0 0,-7 0 0,2 0 0,-8 0 0,-1 0 0,-4 0 0,0 0 0,-1 0 0,5 0 0,-3 0 0,7 0 0,-7 0 0,2-3 0,1 2 0,-3-3 0,3 1 0,-4 2 0,-1-6 0,1 6 0,-1-2 0,1 0 0,4 2 0,1-3 0,3 4 0,2 0 0,-1 0 0,0 0 0,0 0 0,-4 0 0,3 0 0,-3 0 0,0 0 0,3 0 0,-7 0 0,3 0 0,-4 0 0,-1 0 0,1 4 0,0-3 0,-1 2 0,1-3 0,-1 0 0,1 0 0,-1 0 0,1 0 0,0 0 0,0 0 0,-1-3 0,-2 2 0,-2-2 0</inkml:trace>
@@ -2265,7 +2265,7 @@
     <inkml:brush xml:id="br0">
       <inkml:brushProperty name="width" value="0.1" units="cm"/>
       <inkml:brushProperty name="height" value="0.1" units="cm"/>
-      <inkml:brushProperty name="color" value="#0070C0"/>
+      <inkml:brushProperty name="color" value="#347FB5"/>
     </inkml:brush>
   </inkml:definitions>
   <inkml:trace contextRef="#ctx0" brushRef="#br0">1 0 24575,'0'21'0,"0"-5"0,0 1 0,0-9 0,0 9 0,0-9 0,0 9 0,0-4 0,0 0 0,0 3 0,0-3 0,0 0 0,0-1 0,0 0 0,0 1 0,0 0 0,0 2 0,0-2 0,0 0 0,0 3 0,0-3 0,0 0 0,0 4 0,0-4 0,0 3 0,0 2 0,0-2 0,0 2 0,0-5 0,0 3 0,0-7 0,0 3 0,0-5 0,0 1 0,0 0 0,0 0 0,0-1 0,0 1 0,0 0 0,0-1 0,0 1 0,0-1 0,0 1 0,0 0 0,0-1 0,0-3 0,0-1 0</inkml:trace>
@@ -2320,7 +2320,7 @@
     <inkml:brush xml:id="br0">
       <inkml:brushProperty name="width" value="0.1" units="cm"/>
       <inkml:brushProperty name="height" value="0.1" units="cm"/>
-      <inkml:brushProperty name="color" value="#0070C0"/>
+      <inkml:brushProperty name="color" value="#347FB5"/>
     </inkml:brush>
   </inkml:definitions>
   <inkml:trace contextRef="#ctx0" brushRef="#br0">0 1 24575,'0'11'0,"0"9"0,0-10 0,0 7 0,0-10 0,0 5 0,0-3 0,0 6 0,0-3 0,0 4 0,0-3 0,0-1 0,0-4 0,0 4 0,0-3 0,0 3 0,0-5 0,0 1 0,0 0 0,0 0 0,0 0 0,0-1 0,0 1 0,0 0 0,0 0 0,0-1 0,0 1 0,0 0 0,0 0 0,0-1 0,0 1 0,0 0 0,0 0 0,0 0 0,0-1 0,0 1 0,0 0 0,0 0 0,0-1 0,0 1 0,0 0 0,0 0 0,0-1 0,0 1 0,0 0 0,0-1 0,0 1 0,0-4 0,0-1 0</inkml:trace>
@@ -2348,7 +2348,7 @@
     <inkml:brush xml:id="br0">
       <inkml:brushProperty name="width" value="0.1" units="cm"/>
       <inkml:brushProperty name="height" value="0.1" units="cm"/>
-      <inkml:brushProperty name="color" value="#0070C0"/>
+      <inkml:brushProperty name="color" value="#347FB5"/>
     </inkml:brush>
   </inkml:definitions>
   <inkml:trace contextRef="#ctx0" brushRef="#br0">1 23 24575,'27'0'0,"2"0"0,-6 0 0,4 0 0,6 0 0,-9 0 0,2 0 0,-4 0 0,-3 0 0,3 0 0,-5 0 0,0 0 0,5 0 0,-8 0 0,11 0 0,-6 0 0,4 0 0,4 0 0,-8 0 0,3 0 0,0 0 0,-8 0 0,7 0 0,-8 0 0,4 0 0,1 0 0,-5 0 0,3 0 0,-4 0 0,1 0 0,-1 0 0,0 0 0,1 0 0,-1 0 0,0 0 0,0 0 0,-3 0 0,7 0 0,-7 0 0,7 0 0,-7 0 0,7 0 0,-7 4 0,2-3 0,1 2 0,-3-3 0,3 0 0,0 0 0,-3 0 0,7 0 0,-3 0 0,4 0 0,0 0 0,0 0 0,0 0 0,0 0 0,0 0 0,5 0 0,-4 0 0,4 0 0,-5 0 0,0 0 0,5 0 0,-3 0 0,7 0 0,-8 0 0,3 0 0,-3 0 0,-1 0 0,0 0 0,0 0 0,-4 0 0,3 0 0,-3 0 0,4 0 0,4 0 0,3 0 0,3 0 0,2 0 0,-1 0 0,-5 0 0,3 0 0,-7 0 0,2 0 0,-8 0 0,-1 0 0,-4 0 0,0 0 0,-1 0 0,5 0 0,-3 0 0,7 0 0,-7 0 0,2-3 0,1 2 0,-3-3 0,3 1 0,-4 2 0,-1-6 0,1 6 0,-1-2 0,1 0 0,4 2 0,1-3 0,3 4 0,2 0 0,-1 0 0,0 0 0,0 0 0,-4 0 0,3 0 0,-3 0 0,0 0 0,3 0 0,-7 0 0,3 0 0,-4 0 0,-1 0 0,1 4 0,0-3 0,-1 2 0,1-3 0,-1 0 0,1 0 0,-1 0 0,1 0 0,0 0 0,0 0 0,-1-3 0,-2 2 0,-2-2 0</inkml:trace>
@@ -2376,7 +2376,7 @@
     <inkml:brush xml:id="br0">
       <inkml:brushProperty name="width" value="0.1" units="cm"/>
       <inkml:brushProperty name="height" value="0.1" units="cm"/>
-      <inkml:brushProperty name="color" value="#0070C0"/>
+      <inkml:brushProperty name="color" value="#347FB5"/>
     </inkml:brush>
   </inkml:definitions>
   <inkml:trace contextRef="#ctx0" brushRef="#br0">1 0 24575,'0'21'0,"0"-5"0,0 1 0,0-9 0,0 9 0,0-9 0,0 9 0,0-4 0,0 0 0,0 3 0,0-3 0,0 0 0,0-1 0,0 0 0,0 1 0,0 0 0,0 2 0,0-2 0,0 0 0,0 3 0,0-3 0,0 0 0,0 4 0,0-4 0,0 3 0,0 2 0,0-2 0,0 2 0,0-5 0,0 3 0,0-7 0,0 3 0,0-5 0,0 1 0,0 0 0,0 0 0,0-1 0,0 1 0,0 0 0,0-1 0,0 1 0,0-1 0,0 1 0,0 0 0,0-1 0,0-3 0,0-1 0</inkml:trace>
@@ -2998,7 +2998,7 @@
     <inkml:brush xml:id="br0">
       <inkml:brushProperty name="width" value="0.1" units="cm"/>
       <inkml:brushProperty name="height" value="0.1" units="cm"/>
-      <inkml:brushProperty name="color" value="#FF9300"/>
+      <inkml:brushProperty name="color" value="#A88333"/>
     </inkml:brush>
   </inkml:definitions>
   <inkml:trace contextRef="#ctx0" brushRef="#br0">0 0 24575,'0'16'0,"0"-4"0,0 4 0,0-1 0,0 2 0,0 6 0,0-1 0,0 17 0,0-13 0,0 29 0,0-29 0,0 14 0,0-23 0,0-2 0,0-5 0,0 0 0,0 0 0,0 0 0,0 0 0,0 0 0,0 0 0,0 0 0,0 1 0,0-1 0,0 0 0,0 0 0,0-1 0,0 1 0,0 0 0,0 0 0,0 0 0,0 1 0,0-1 0,0 6 0,0-5 0,0 5 0,0-6 0,0 0 0,0 0 0,0-1 0,0 0 0,0 1 0,0-1 0,0-3 0,0-2 0</inkml:trace>
@@ -3026,7 +3026,7 @@
     <inkml:brush xml:id="br0">
       <inkml:brushProperty name="width" value="0.1" units="cm"/>
       <inkml:brushProperty name="height" value="0.1" units="cm"/>
-      <inkml:brushProperty name="color" value="#FF9300"/>
+      <inkml:brushProperty name="color" value="#A88333"/>
     </inkml:brush>
   </inkml:definitions>
   <inkml:trace contextRef="#ctx0" brushRef="#br0">1 1 24575,'0'21'0,"0"-1"0,0 3 0,0-1 0,0 0 0,0 0 0,0 7 0,0 10 0,0-12 0,0 8 0,0-18 0,0 0 0,0-1 0,0-6 0,0 0 0,0-1 0,0 1 0,0-1 0,0-4 0,0-1 0</inkml:trace>
@@ -3054,7 +3054,7 @@
     <inkml:brush xml:id="br0">
       <inkml:brushProperty name="width" value="0.1" units="cm"/>
       <inkml:brushProperty name="height" value="0.1" units="cm"/>
-      <inkml:brushProperty name="color" value="#FF9300"/>
+      <inkml:brushProperty name="color" value="#A88333"/>
     </inkml:brush>
   </inkml:definitions>
   <inkml:trace contextRef="#ctx0" brushRef="#br0">1 1 24575,'0'28'0,"0"-2"0,0 3 0,0-6 0,0 12 0,0-5 0,0 6 0,0-5 0,0 4 0,0-11 0,0 10 0,0-9 0,0 10 0,0-11 0,0 5 0,0-8 0,0-4 0,0-2 0,0-5 0,0 0 0,0 0 0,0 0 0,0-1 0,0 1 0,0 0 0,0-4 0,0-2 0</inkml:trace>
@@ -3082,7 +3082,7 @@
     <inkml:brush xml:id="br0">
       <inkml:brushProperty name="width" value="0.1" units="cm"/>
       <inkml:brushProperty name="height" value="0.1" units="cm"/>
-      <inkml:brushProperty name="color" value="#FF9300"/>
+      <inkml:brushProperty name="color" value="#A88333"/>
     </inkml:brush>
   </inkml:definitions>
   <inkml:trace contextRef="#ctx0" brushRef="#br0">0 1 24575,'0'15'0,"0"-2"0,0-3 0,0 0 0,0 0 0,0-1 0,0 1 0,0 0 0,0-1 0,0 0 0,0 1 0,0-1 0,0 1 0,0-1 0,0 0 0,0 1 0,0-1 0,0 0 0,5-3 0,-4-2 0,3-4 0</inkml:trace>
@@ -3110,7 +3110,7 @@
     <inkml:brush xml:id="br0">
       <inkml:brushProperty name="width" value="0.1" units="cm"/>
       <inkml:brushProperty name="height" value="0.1" units="cm"/>
-      <inkml:brushProperty name="color" value="#FF9300"/>
+      <inkml:brushProperty name="color" value="#A88333"/>
     </inkml:brush>
   </inkml:definitions>
   <inkml:trace contextRef="#ctx0" brushRef="#br0">1 1 24575,'0'15'0,"0"-1"0,0-5 0,0 1 0,0-1 0,0 0 0,0 1 0,0 0 0,0-1 0,0 1 0,0-1 0,4-4 0,-3-1 0,3-4 0</inkml:trace>
@@ -3165,7 +3165,7 @@
     <inkml:brush xml:id="br0">
       <inkml:brushProperty name="width" value="0.1" units="cm"/>
       <inkml:brushProperty name="height" value="0.1" units="cm"/>
-      <inkml:brushProperty name="color" value="#FF9300"/>
+      <inkml:brushProperty name="color" value="#A88333"/>
     </inkml:brush>
   </inkml:definitions>
   <inkml:trace contextRef="#ctx0" brushRef="#br0">1 0 24575,'0'15'0,"0"-1"0,0-5 0,0 1 0,0 0 0,0 0 0,0 0 0,0-5 0,0-1 0</inkml:trace>
@@ -3193,7 +3193,7 @@
     <inkml:brush xml:id="br0">
       <inkml:brushProperty name="width" value="0.1" units="cm"/>
       <inkml:brushProperty name="height" value="0.1" units="cm"/>
-      <inkml:brushProperty name="color" value="#E71224"/>
+      <inkml:brushProperty name="color" value="#C93431"/>
     </inkml:brush>
   </inkml:definitions>
   <inkml:trace contextRef="#ctx0" brushRef="#br0">0 1 24575,'0'11'0,"0"0"0,0-4 0,0 0 0,0 1 0,0 0 0,0-1 0,0 1 0,0-1 0,0 0 0,0 1 0,0-1 0,0 0 0,0 1 0,0-1 0,0 0 0,0 1 0,0-1 0,0-3 0,0-1 0</inkml:trace>
@@ -3221,7 +3221,7 @@
     <inkml:brush xml:id="br0">
       <inkml:brushProperty name="width" value="0.1" units="cm"/>
       <inkml:brushProperty name="height" value="0.1" units="cm"/>
-      <inkml:brushProperty name="color" value="#E71224"/>
+      <inkml:brushProperty name="color" value="#C93431"/>
     </inkml:brush>
   </inkml:definitions>
   <inkml:trace contextRef="#ctx0" brushRef="#br0">0 0 24575,'0'21'0,"0"-5"0,0-5 0,0-4 0,0 1 0,0-4 0,0-1 0</inkml:trace>
@@ -3249,7 +3249,7 @@
     <inkml:brush xml:id="br0">
       <inkml:brushProperty name="width" value="0.1" units="cm"/>
       <inkml:brushProperty name="height" value="0.1" units="cm"/>
-      <inkml:brushProperty name="color" value="#E71224"/>
+      <inkml:brushProperty name="color" value="#C93431"/>
     </inkml:brush>
   </inkml:definitions>
   <inkml:trace contextRef="#ctx0" brushRef="#br0">1 0 24575,'0'12'0,"0"2"0,0-5 0,0 3 0,0 0 0,0-3 0,0 7 0,0 13 0,0-3 0,0 11 0,0-18 0,0 1 0,0-11 0,0 3 0,0-11 0,0-2 0</inkml:trace>
@@ -3277,7 +3277,7 @@
     <inkml:brush xml:id="br0">
       <inkml:brushProperty name="width" value="0.1" units="cm"/>
       <inkml:brushProperty name="height" value="0.1" units="cm"/>
-      <inkml:brushProperty name="color" value="#E71224"/>
+      <inkml:brushProperty name="color" value="#C93431"/>
     </inkml:brush>
   </inkml:definitions>
   <inkml:trace contextRef="#ctx0" brushRef="#br0">1 1 24575,'4'7'0,"-1"5"0,-3 0 0,0 6 0,0-1 0,0 0 0,0-4 0,0-1 0,0-5 0,0 5 0,0-4 0,0 4 0,0-4 0,0-4 0,0 0 0</inkml:trace>
@@ -3305,7 +3305,7 @@
     <inkml:brush xml:id="br0">
       <inkml:brushProperty name="width" value="0.1" units="cm"/>
       <inkml:brushProperty name="height" value="0.1" units="cm"/>
-      <inkml:brushProperty name="color" value="#E71224"/>
+      <inkml:brushProperty name="color" value="#C93431"/>
     </inkml:brush>
   </inkml:definitions>
   <inkml:trace contextRef="#ctx0" brushRef="#br0">1 1 24575,'0'21'0,"0"-5"0,0 0 0,0-7 0,0-1 0,0-4 0</inkml:trace>
@@ -3333,7 +3333,7 @@
     <inkml:brush xml:id="br0">
       <inkml:brushProperty name="width" value="0.1" units="cm"/>
       <inkml:brushProperty name="height" value="0.1" units="cm"/>
-      <inkml:brushProperty name="color" value="#E71224"/>
+      <inkml:brushProperty name="color" value="#C93431"/>
     </inkml:brush>
   </inkml:definitions>
   <inkml:trace contextRef="#ctx0" brushRef="#br0">1 0 24575,'0'16'0,"0"-5"0,0 1 0,0-4 0,0-1 0,0 1 0,0-1 0,0 1 0,0 0 0,0 0 0,0-1 0,0 1 0,0 0 0,0-1 0,0 1 0,0 0 0,0 4 0,0-4 0,0 5 0,0-1 0,0-4 0,0 4 0,0-4 0,0 0 0,0 4 0,0-3 0,0 3 0,0-4 0,0 0 0,0-1 0,0-2 0,0-2 0</inkml:trace>
@@ -3361,7 +3361,7 @@
     <inkml:brush xml:id="br0">
       <inkml:brushProperty name="width" value="0.1" units="cm"/>
       <inkml:brushProperty name="height" value="0.1" units="cm"/>
-      <inkml:brushProperty name="color" value="#E71224"/>
+      <inkml:brushProperty name="color" value="#C93431"/>
     </inkml:brush>
   </inkml:definitions>
   <inkml:trace contextRef="#ctx0" brushRef="#br0">1 0 24575,'0'17'0,"0"-4"0,0 3 0,0-7 0,0 3 0,0-4 0,0-1 0,0 1 0,0-1 0,0 0 0,0 0 0,0 1 0,0-1 0,0 0 0,0 1 0,0-1 0,0 0 0,0 1 0,0-1 0,0 0 0,0 0 0,3-3 0,-2 2 0,3-2 0,-1 0 0,-2 3 0,2-3 0,0 0 0,1-1 0,0-3 0,-1 0 0</inkml:trace>
@@ -3389,7 +3389,7 @@
     <inkml:brush xml:id="br0">
       <inkml:brushProperty name="width" value="0.1" units="cm"/>
       <inkml:brushProperty name="height" value="0.1" units="cm"/>
-      <inkml:brushProperty name="color" value="#E71224"/>
+      <inkml:brushProperty name="color" value="#C93431"/>
     </inkml:brush>
   </inkml:definitions>
   <inkml:trace contextRef="#ctx0" brushRef="#br0">1 0 24575,'0'21'0,"0"-5"0,0-4 0,0-4 0,0 0 0,0 0 0,0 0 0,0 3 0,0 5 0,0 2 0,0 9 0,0-12 0,0 4 0,0-11 0,0-4 0,0 0 0</inkml:trace>
@@ -3417,7 +3417,7 @@
     <inkml:brush xml:id="br0">
       <inkml:brushProperty name="width" value="0.1" units="cm"/>
       <inkml:brushProperty name="height" value="0.1" units="cm"/>
-      <inkml:brushProperty name="color" value="#E71224"/>
+      <inkml:brushProperty name="color" value="#C93431"/>
     </inkml:brush>
   </inkml:definitions>
   <inkml:trace contextRef="#ctx0" brushRef="#br0">1 1 24575,'0'14'0,"0"-2"0,0-1 0,0-3 0,0-1 0,0 1 0,0-1 0,0 1 0,0 4 0,0-3 0,0 3 0,0-5 0,0 1 0,0-1 0,0 1 0,0 0 0,0 0 0,0-1 0,0 1 0,0-1 0,0 5 0,0 6 0,0 1 0,0 8 0,0 4 0,0-10 0,0 8 0,0-20 0,0 3 0,0-4 0,0-4 0,0 0 0</inkml:trace>
@@ -3472,7 +3472,7 @@
     <inkml:brush xml:id="br0">
       <inkml:brushProperty name="width" value="0.1" units="cm"/>
       <inkml:brushProperty name="height" value="0.1" units="cm"/>
-      <inkml:brushProperty name="color" value="#E71224"/>
+      <inkml:brushProperty name="color" value="#C93431"/>
     </inkml:brush>
   </inkml:definitions>
   <inkml:trace contextRef="#ctx0" brushRef="#br0">0 0 24575,'0'12'0,"0"-1"0,0-4 0,0 1 0,0-1 0,0 1 0,0 0 0,0-1 0,0 1 0,0 0 0,0 0 0,0-1 0,0 1 0,0 0 0,0-4 0,0-1 0</inkml:trace>
@@ -3500,7 +3500,7 @@
     <inkml:brush xml:id="br0">
       <inkml:brushProperty name="width" value="0.1" units="cm"/>
       <inkml:brushProperty name="height" value="0.1" units="cm"/>
-      <inkml:brushProperty name="color" value="#E71224"/>
+      <inkml:brushProperty name="color" value="#C93431"/>
     </inkml:brush>
   </inkml:definitions>
   <inkml:trace contextRef="#ctx0" brushRef="#br0">1 1 24575,'0'11'0,"0"0"0,0-3 0,0-1 0,0 1 0,0 0 0,0-1 0,0 1 0,0 0 0,0 0 0,0-1 0,0 1 0,0 0 0,0-4 0,0-1 0</inkml:trace>
@@ -3528,7 +3528,7 @@
     <inkml:brush xml:id="br0">
       <inkml:brushProperty name="width" value="0.1" units="cm"/>
       <inkml:brushProperty name="height" value="0.1" units="cm"/>
-      <inkml:brushProperty name="color" value="#E71224"/>
+      <inkml:brushProperty name="color" value="#C93431"/>
     </inkml:brush>
   </inkml:definitions>
   <inkml:trace contextRef="#ctx0" brushRef="#br0">1 0 24575,'0'12'0,"0"-1"0,0 1 0,0 1 0,0 0 0,0-1 0,0-4 0,0 7 0,0-5 0,0 5 0,0-8 0,0 1 0,0-1 0,0 5 0,0-3 0,0 3 0,0-4 0,0 0 0,0 0 0,0-1 0,0-2 0,0-2 0</inkml:trace>
@@ -3556,7 +3556,7 @@
     <inkml:brush xml:id="br0">
       <inkml:brushProperty name="width" value="0.1" units="cm"/>
       <inkml:brushProperty name="height" value="0.1" units="cm"/>
-      <inkml:brushProperty name="color" value="#E71224"/>
+      <inkml:brushProperty name="color" value="#C93431"/>
     </inkml:brush>
   </inkml:definitions>
   <inkml:trace contextRef="#ctx0" brushRef="#br0">25 0 24575,'0'20'0,"0"-1"0,0-3 0,0-4 0,0 5 0,0-4 0,0 4 0,0 0 0,0-4 0,0-1 0,0-4 0,0 0 0,0 0 0,0 4 0,-4 1 0,3 4 0,-3 0 0,4 1 0,0 4 0,0-3 0,0-1 0,0 1 0,0-9 0,0 5 0,-7-10 0,5-2 0,-5-3 0</inkml:trace>
@@ -3584,7 +3584,7 @@
     <inkml:brush xml:id="br0">
       <inkml:brushProperty name="width" value="0.1" units="cm"/>
       <inkml:brushProperty name="height" value="0.1" units="cm"/>
-      <inkml:brushProperty name="color" value="#E71224"/>
+      <inkml:brushProperty name="color" value="#C93431"/>
     </inkml:brush>
   </inkml:definitions>
   <inkml:trace contextRef="#ctx0" brushRef="#br0">1 0 24575,'0'11'0,"0"4"0,0-6 0,0 7 0,0-7 0,0 3 0,0-4 0,0-1 0,0 0 0,0-3 0,0 0 0</inkml:trace>
@@ -3612,7 +3612,7 @@
     <inkml:brush xml:id="br0">
       <inkml:brushProperty name="width" value="0.1" units="cm"/>
       <inkml:brushProperty name="height" value="0.1" units="cm"/>
-      <inkml:brushProperty name="color" value="#E71224"/>
+      <inkml:brushProperty name="color" value="#C93431"/>
     </inkml:brush>
   </inkml:definitions>
   <inkml:trace contextRef="#ctx0" brushRef="#br0">0 1 24575,'0'11'0,"0"-1"0,0 3 0,0 0 0,0 4 0,0 0 0,0-4 0,0 10 0,0-13 0,0 8 0,0-13 0,0-2 0</inkml:trace>
@@ -3640,7 +3640,7 @@
     <inkml:brush xml:id="br0">
       <inkml:brushProperty name="width" value="0.1" units="cm"/>
       <inkml:brushProperty name="height" value="0.1" units="cm"/>
-      <inkml:brushProperty name="color" value="#E71224"/>
+      <inkml:brushProperty name="color" value="#C93431"/>
     </inkml:brush>
   </inkml:definitions>
   <inkml:trace contextRef="#ctx0" brushRef="#br0">0 0 24575,'0'12'0,"0"-2"0,0-2 0,0 0 0,0 0 0,0-1 0,0 1 0,0-1 0,0 1 0,0-1 0,0 1 0,0-1 0,0 1 0,0-1 0,0 1 0,0-1 0,0 1 0,0 0 0,0-1 0,0 1 0,0 0 0,0 0 0,0 0 0,0-1 0,0 1 0,0-1 0,0 1 0</inkml:trace>
@@ -3668,7 +3668,7 @@
     <inkml:brush xml:id="br0">
       <inkml:brushProperty name="width" value="0.1" units="cm"/>
       <inkml:brushProperty name="height" value="0.1" units="cm"/>
-      <inkml:brushProperty name="color" value="#E71224"/>
+      <inkml:brushProperty name="color" value="#C93431"/>
     </inkml:brush>
   </inkml:definitions>
   <inkml:trace contextRef="#ctx0" brushRef="#br0">9 1 24575,'0'15'0,"0"1"0,0 6 0,0-3 0,0 8 0,0-8 0,-4 6 0,3-11 0,-3 9 0,4-14 0,0 2 0,0-8 0</inkml:trace>
@@ -3696,7 +3696,7 @@
     <inkml:brush xml:id="br0">
       <inkml:brushProperty name="width" value="0.1" units="cm"/>
       <inkml:brushProperty name="height" value="0.1" units="cm"/>
-      <inkml:brushProperty name="color" value="#E71224"/>
+      <inkml:brushProperty name="color" value="#C93431"/>
     </inkml:brush>
   </inkml:definitions>
   <inkml:trace contextRef="#ctx0" brushRef="#br0">0 0 24575,'0'12'0,"0"-1"0,0-3 0,0 0 0,0-1 0,0 1 0,0 0 0,0-1 0,0 0 0,0-3 0,0-1 0</inkml:trace>
@@ -3724,7 +3724,7 @@
     <inkml:brush xml:id="br0">
       <inkml:brushProperty name="width" value="0.1" units="cm"/>
       <inkml:brushProperty name="height" value="0.1" units="cm"/>
-      <inkml:brushProperty name="color" value="#E71224"/>
+      <inkml:brushProperty name="color" value="#C93431"/>
     </inkml:brush>
   </inkml:definitions>
   <inkml:trace contextRef="#ctx0" brushRef="#br0">1 1 24575,'0'21'0,"0"-1"0,0-3 0,0-5 0,0 4 0,0-7 0,0 8 0,0-9 0,0 4 0,0-4 0,0 0 0,0 0 0,0 0 0,0-1 0,0 1 0,0-1 0,0 1 0,0-1 0,0 0 0,0-3 0,0-1 0</inkml:trace>
@@ -3779,7 +3779,7 @@
     <inkml:brush xml:id="br0">
       <inkml:brushProperty name="width" value="0.1" units="cm"/>
       <inkml:brushProperty name="height" value="0.1" units="cm"/>
-      <inkml:brushProperty name="color" value="#E71224"/>
+      <inkml:brushProperty name="color" value="#C93431"/>
     </inkml:brush>
   </inkml:definitions>
   <inkml:trace contextRef="#ctx0" brushRef="#br0">1 1 24575,'0'8'0,"0"-2"0</inkml:trace>
@@ -3807,7 +3807,7 @@
     <inkml:brush xml:id="br0">
       <inkml:brushProperty name="width" value="0.1" units="cm"/>
       <inkml:brushProperty name="height" value="0.1" units="cm"/>
-      <inkml:brushProperty name="color" value="#E71224"/>
+      <inkml:brushProperty name="color" value="#C93431"/>
     </inkml:brush>
   </inkml:definitions>
   <inkml:trace contextRef="#ctx0" brushRef="#br0">0 0 24575,'0'11'0,"0"0"0,0-4 0,0 1 0,0-1 0,0 1 0,0-4 0,0-1 0</inkml:trace>
@@ -3835,7 +3835,7 @@
     <inkml:brush xml:id="br0">
       <inkml:brushProperty name="width" value="0.1" units="cm"/>
       <inkml:brushProperty name="height" value="0.1" units="cm"/>
-      <inkml:brushProperty name="color" value="#E71224"/>
+      <inkml:brushProperty name="color" value="#C93431"/>
     </inkml:brush>
   </inkml:definitions>
   <inkml:trace contextRef="#ctx0" brushRef="#br0">1 0 24575,'0'12'0,"0"-1"0,0-4 0,0 5 0,0 2 0,0 3 0,0 5 0,0-3 0,0 23 0,0-20 0,0 15 0,0-24 0,0-2 0,0-7 0,0 0 0</inkml:trace>
@@ -3863,7 +3863,7 @@
     <inkml:brush xml:id="br0">
       <inkml:brushProperty name="width" value="0.1" units="cm"/>
       <inkml:brushProperty name="height" value="0.1" units="cm"/>
-      <inkml:brushProperty name="color" value="#E71224"/>
+      <inkml:brushProperty name="color" value="#C93431"/>
     </inkml:brush>
   </inkml:definitions>
   <inkml:trace contextRef="#ctx0" brushRef="#br0">0 1 24575,'0'11'0,"0"0"0,0-4 0,0 1 0,0-1 0,0 1 0,0 3 0,0-2 0,0 12 0,0-6 0,0 7 0,0-9 0,0-4 0,0-6 0</inkml:trace>
@@ -3891,7 +3891,7 @@
     <inkml:brush xml:id="br0">
       <inkml:brushProperty name="width" value="0.1" units="cm"/>
       <inkml:brushProperty name="height" value="0.1" units="cm"/>
-      <inkml:brushProperty name="color" value="#E71224"/>
+      <inkml:brushProperty name="color" value="#C93431"/>
     </inkml:brush>
   </inkml:definitions>
   <inkml:trace contextRef="#ctx0" brushRef="#br0">1 1 24575,'0'11'0,"0"0"0,0-3 0,0 0 0,0-1 0,0 1 0,0 4 0,0-3 0,0 12 0,0-11 0,0 7 0,0-13 0,0 0 0</inkml:trace>
@@ -3919,7 +3919,7 @@
     <inkml:brush xml:id="br0">
       <inkml:brushProperty name="width" value="0.1" units="cm"/>
       <inkml:brushProperty name="height" value="0.1" units="cm"/>
-      <inkml:brushProperty name="color" value="#E71224"/>
+      <inkml:brushProperty name="color" value="#C93431"/>
     </inkml:brush>
   </inkml:definitions>
   <inkml:trace contextRef="#ctx0" brushRef="#br0">1 1 24575,'0'14'0,"0"2"0,0-4 0,0 0 0,0-4 0,0 0 0,0-1 0,0 1 0,0-4 0,0 0 0</inkml:trace>
@@ -3947,7 +3947,7 @@
     <inkml:brush xml:id="br0">
       <inkml:brushProperty name="width" value="0.1" units="cm"/>
       <inkml:brushProperty name="height" value="0.1" units="cm"/>
-      <inkml:brushProperty name="color" value="#E71224"/>
+      <inkml:brushProperty name="color" value="#C93431"/>
     </inkml:brush>
   </inkml:definitions>
   <inkml:trace contextRef="#ctx0" brushRef="#br0">0 0 24575,'0'12'0,"0"-2"0,0 1 0,0-3 0,0 3 0,0-7 0,0-1 0</inkml:trace>
@@ -3975,7 +3975,7 @@
     <inkml:brush xml:id="br0">
       <inkml:brushProperty name="width" value="0.1" units="cm"/>
       <inkml:brushProperty name="height" value="0.1" units="cm"/>
-      <inkml:brushProperty name="color" value="#E71224"/>
+      <inkml:brushProperty name="color" value="#C93431"/>
     </inkml:brush>
   </inkml:definitions>
   <inkml:trace contextRef="#ctx0" brushRef="#br0">0 1 24575,'0'11'0,"0"0"0,0-3 0,0-1 0,0 1 0,0 0 0,0-1 0,0 1 0,0 0 0,0-1 0,0 1 0,0 0 0,0-1 0,0 1 0,0-1 0,0 1 0,0-1 0,0 1 0,3-4 0,-2 3 0,6-7 0,-6 7 0,2-2 0,-3 2 0,0 1 0,0-1 0,3-3 0,-2 3 0,3-3 0,-4 4 0,0-4 0,0-1 0</inkml:trace>
@@ -4003,7 +4003,7 @@
     <inkml:brush xml:id="br0">
       <inkml:brushProperty name="width" value="0.1" units="cm"/>
       <inkml:brushProperty name="height" value="0.1" units="cm"/>
-      <inkml:brushProperty name="color" value="#E71224"/>
+      <inkml:brushProperty name="color" value="#C93431"/>
     </inkml:brush>
   </inkml:definitions>
   <inkml:trace contextRef="#ctx0" brushRef="#br0">31 1 24575,'0'11'0,"0"-1"0,0-3 0,0 1 0,0 0 0,0-1 0,0 1 0,0 0 0,0-1 0,0 5 0,0-3 0,0 7 0,0-7 0,0 3 0,0-4 0,0 0 0,0 0 0,0-1 0,0 1 0,0 0 0,0-1 0,0 1 0,0-1 0,0 1 0,0 0 0,-4 0 0,3 0 0,-2-1 0,0 1 0,2 0 0,-6 0 0,6 0 0,-3-1 0,1-2 0,2-2 0,-2-3 0</inkml:trace>
@@ -4031,7 +4031,7 @@
     <inkml:brush xml:id="br0">
       <inkml:brushProperty name="width" value="0.1" units="cm"/>
       <inkml:brushProperty name="height" value="0.1" units="cm"/>
-      <inkml:brushProperty name="color" value="#E71224"/>
+      <inkml:brushProperty name="color" value="#C93431"/>
     </inkml:brush>
   </inkml:definitions>
   <inkml:trace contextRef="#ctx0" brushRef="#br0">0 1 24575,'0'16'0,"0"-4"0,0 4 0,0-7 0,0 7 0,0 2 0,0 12 0,0-10 0,0 8 0,0-19 0,0 7 0,0-7 0,0 3 0,0-11 0,0-2 0</inkml:trace>
@@ -4086,7 +4086,7 @@
     <inkml:brush xml:id="br0">
       <inkml:brushProperty name="width" value="0.1" units="cm"/>
       <inkml:brushProperty name="height" value="0.1" units="cm"/>
-      <inkml:brushProperty name="color" value="#E71224"/>
+      <inkml:brushProperty name="color" value="#C93431"/>
     </inkml:brush>
   </inkml:definitions>
   <inkml:trace contextRef="#ctx0" brushRef="#br0">55 0 24575,'0'12'0,"0"-1"0,0-4 0,0 1 0,0-1 0,0 4 0,0-3 0,0 7 0,0-2 0,0 4 0,0-4 0,-8 3 0,6-7 0,-5 3 0,7-4 0,0 0 0,0-1 0,0 1 0,-4-1 0,4 1 0,-4-1 0,1-2 0,-1-2 0,-3-3 0,-1 0 0,4 0 0,1 0 0</inkml:trace>
@@ -4114,7 +4114,7 @@
     <inkml:brush xml:id="br0">
       <inkml:brushProperty name="width" value="0.1" units="cm"/>
       <inkml:brushProperty name="height" value="0.1" units="cm"/>
-      <inkml:brushProperty name="color" value="#E71224"/>
+      <inkml:brushProperty name="color" value="#C93431"/>
     </inkml:brush>
   </inkml:definitions>
   <inkml:trace contextRef="#ctx0" brushRef="#br0">0 1 24575,'0'11'0,"0"4"0,0-3 0,0 1 0,0-2 0,0-7 0,0 0 0</inkml:trace>
@@ -4142,7 +4142,7 @@
     <inkml:brush xml:id="br0">
       <inkml:brushProperty name="width" value="0.1" units="cm"/>
       <inkml:brushProperty name="height" value="0.1" units="cm"/>
-      <inkml:brushProperty name="color" value="#E71224"/>
+      <inkml:brushProperty name="color" value="#C93431"/>
     </inkml:brush>
   </inkml:definitions>
   <inkml:trace contextRef="#ctx0" brushRef="#br0">1 0 24575,'0'12'0,"0"-1"0,0-4 0,0 1 0,0 0 0,0 0 0,0-1 0,0 1 0,0-1 0,0 1 0,0 0 0,0 4 0,0-3 0,0 7 0,0-7 0,0 3 0,0-4 0,0-1 0,0 1 0,0 0 0,0-1 0,0 1 0,0-1 0,0 1 0,0-4 0,0-1 0</inkml:trace>
@@ -4170,7 +4170,7 @@
     <inkml:brush xml:id="br0">
       <inkml:brushProperty name="width" value="0.1" units="cm"/>
       <inkml:brushProperty name="height" value="0.1" units="cm"/>
-      <inkml:brushProperty name="color" value="#E71224"/>
+      <inkml:brushProperty name="color" value="#C93431"/>
     </inkml:brush>
   </inkml:definitions>
   <inkml:trace contextRef="#ctx0" brushRef="#br0">1 1 24575,'0'12'0,"0"3"0,0-2 0,0 0 0,0-1 0,0-4 0,0 0 0,0 3 0,0-3 0,0 3 0,0-3 0,0-1 0,0 1 0,0 0 0,0 0 0,0-4 0,0-1 0</inkml:trace>
@@ -4198,7 +4198,7 @@
     <inkml:brush xml:id="br0">
       <inkml:brushProperty name="width" value="0.1" units="cm"/>
       <inkml:brushProperty name="height" value="0.1" units="cm"/>
-      <inkml:brushProperty name="color" value="#E71224"/>
+      <inkml:brushProperty name="color" value="#C93431"/>
     </inkml:brush>
   </inkml:definitions>
   <inkml:trace contextRef="#ctx0" brushRef="#br0">16 1 24575,'0'11'0,"0"-1"0,0-2 0,0-1 0,0 0 0,0 0 0,0 1 0,0-1 0,0 0 0,0 0 0,0 1 0,0-1 0,0 0 0,0 0 0,0 0 0,0 1 0,0-1 0,0 0 0,-3 1 0,2 0 0,-2 0 0,3-1 0,0 1 0,-4 0 0,3 0 0,-2-1 0,3 0 0,0-3 0,0 0 0</inkml:trace>
@@ -4226,7 +4226,7 @@
     <inkml:brush xml:id="br0">
       <inkml:brushProperty name="width" value="0.1" units="cm"/>
       <inkml:brushProperty name="height" value="0.1" units="cm"/>
-      <inkml:brushProperty name="color" value="#E71224"/>
+      <inkml:brushProperty name="color" value="#C93431"/>
     </inkml:brush>
   </inkml:definitions>
   <inkml:trace contextRef="#ctx0" brushRef="#br0">1 0 24575,'0'0'0</inkml:trace>
@@ -4254,7 +4254,7 @@
     <inkml:brush xml:id="br0">
       <inkml:brushProperty name="width" value="0.1" units="cm"/>
       <inkml:brushProperty name="height" value="0.1" units="cm"/>
-      <inkml:brushProperty name="color" value="#66CC00"/>
+      <inkml:brushProperty name="color" value="#7D943C"/>
     </inkml:brush>
   </inkml:definitions>
   <inkml:trace contextRef="#ctx0" brushRef="#br0">1 1 24575,'0'10'0,"0"1"0,0-4 0,0 0 0,0 1 0,0-1 0,0 1 0,0-1 0,0 1 0,0 0 0,0-1 0,0 1 0,0-4 0,0-1 0</inkml:trace>
@@ -4282,7 +4282,7 @@
     <inkml:brush xml:id="br0">
       <inkml:brushProperty name="width" value="0.1" units="cm"/>
       <inkml:brushProperty name="height" value="0.1" units="cm"/>
-      <inkml:brushProperty name="color" value="#66CC00"/>
+      <inkml:brushProperty name="color" value="#7D943C"/>
     </inkml:brush>
   </inkml:definitions>
   <inkml:trace contextRef="#ctx0" brushRef="#br0">1 1 24575,'0'15'0,"0"1"0,0 2 0,0-1 0,0-4 0,0 3 0,0-3 0,0 15 0,0-12 0,0 6 0,0-14 0,0-1 0,0 0 0,0 1 0,0 0 0,0-1 0,0 1 0,0-1 0,0 1 0,0-1 0,0-3 0,0-1 0</inkml:trace>
@@ -4310,7 +4310,7 @@
     <inkml:brush xml:id="br0">
       <inkml:brushProperty name="width" value="0.1" units="cm"/>
       <inkml:brushProperty name="height" value="0.1" units="cm"/>
-      <inkml:brushProperty name="color" value="#66CC00"/>
+      <inkml:brushProperty name="color" value="#7D943C"/>
     </inkml:brush>
   </inkml:definitions>
   <inkml:trace contextRef="#ctx0" brushRef="#br0">14 0 24575,'0'20'0,"0"0"0,0-3 0,0 0 0,0-1 0,0 2 0,0 14 0,0-15 0,0 20 0,0-23 0,0 4 0,0-2 0,0-7 0,0 3 0,0 0 0,0-4 0,0 3 0,0-3 0,0-1 0,0 1 0,0 4 0,0-3 0,0 3 0,0-4 0,0-1 0,0 1 0,0 0 0,-6-4 0,4 3 0,-4-3 0,6 3 0,0 1 0,0 0 0,0-1 0,0 1 0,0 0 0,0-1 0,0 1 0,0-1 0,0 0 0,0 1 0,0-1 0,0 0 0,0 1 0,0-1 0,0 0 0,0 0 0,0 1 0,0-4 0,0-1 0</inkml:trace>
@@ -4338,7 +4338,7 @@
     <inkml:brush xml:id="br0">
       <inkml:brushProperty name="width" value="0.1" units="cm"/>
       <inkml:brushProperty name="height" value="0.1" units="cm"/>
-      <inkml:brushProperty name="color" value="#66CC00"/>
+      <inkml:brushProperty name="color" value="#7D943C"/>
     </inkml:brush>
   </inkml:definitions>
   <inkml:trace contextRef="#ctx0" brushRef="#br0">1 0 24575,'0'16'0,"0"-5"0,0 10 0,0-6 0,0 7 0,0-5 0,0 18 0,0-13 0,0 18 0,0-22 0,0 4 0,0-4 0,0-1 0,0 0 0,0 0 0,0 1 0,0-1 0,0 8 0,0-6 0,0 6 0,4-8 0,-3 6 0,3-5 0,-1 4 0,-2 1 0,7 8 0,-7-6 0,3 5 0,-4-17 0,0 3 0,0-7 0,0 3 0,0-4 0,0 0 0,0-1 0,0 1 0,0 0 0,3 0 0,-2-1 0,3 1 0,-4 0 0,3 0 0,-2 0 0,2-1 0,-3 1 0,0-1 0,0 1 0,0 0 0,0 0 0,0-1 0,0 1 0,0 0 0,0 0 0,4 0 0,-3-1 0,2 1 0,-3-1 0,0 1 0,0-1 0,4 1 0,-4-1 0,4 1 0,-4-1 0,0 1 0,3-1 0,-2 1 0,2 0 0,-3-1 0,0 1 0,0-1 0,0 0 0,0 1 0,0-4 0,0-1 0</inkml:trace>
@@ -4393,7 +4393,7 @@
     <inkml:brush xml:id="br0">
       <inkml:brushProperty name="width" value="0.1" units="cm"/>
       <inkml:brushProperty name="height" value="0.1" units="cm"/>
-      <inkml:brushProperty name="color" value="#66CC00"/>
+      <inkml:brushProperty name="color" value="#7D943C"/>
     </inkml:brush>
   </inkml:definitions>
   <inkml:trace contextRef="#ctx0" brushRef="#br0">1 0 24575,'0'16'0,"0"0"0,0 1 0,0 1 0,0-1 0,0 5 0,0-3 0,0 34 0,0-23 0,0 32 0,0-31 0,0 0 0,0-4 0,0-9 0,0 5 0,0-1 0,0-4 0,0 10 0,0-5 0,4 6 0,1-1 0,1 6 0,2-4 0,-7 10 0,3-10 0,1 10 0,-4-5 0,4 7 0,-5-7 0,4-1 0,-3-5 0,7-6 0,-7-1 0,3-4 0,-4-1 0,3-4 0,-2-1 0,2-4 0,1 0 0,-3 0 0,2-1 0,-3 0 0,3-3 0,-2 3 0,2-3 0,-3 3 0,4 1 0,-3-1 0,2 1 0,-3 4 0,4 1 0,-3 4 0,3 6 0,-4 0 0,0 1 0,0-2 0,0 0 0,3-8 0,-2 8 0,3-14 0,-4 4 0,0-4 0,0 0 0,3 0 0,-2 0 0,3-1 0,-4 1 0,3 0 0,-2-1 0,5 0 0,-5 0 0,2-3 0,-3 0 0</inkml:trace>
@@ -4421,7 +4421,7 @@
     <inkml:brush xml:id="br0">
       <inkml:brushProperty name="width" value="0.1" units="cm"/>
       <inkml:brushProperty name="height" value="0.1" units="cm"/>
-      <inkml:brushProperty name="color" value="#66CC00"/>
+      <inkml:brushProperty name="color" value="#7D943C"/>
     </inkml:brush>
   </inkml:definitions>
   <inkml:trace contextRef="#ctx0" brushRef="#br0">1 1 24575,'0'25'0,"0"0"0,0 4 0,0 11 0,0-3 0,0 17 0,0-4 0,0 18 0,0-9 0,0-3 0,0 0 0,0 4 0,0 31 0,0-43 0,0 13 0,0-9 0,0 20 0,0-27 0,0 21 0,0-21 0,0 15 0,0-23 0,0 16 0,4-16 0,-2 42 0,6-36 0,-7 18 0,4-39 0,-1 10 0,0-10 0,1 10 0,3-14 0,-7-5 0,3 3 0,-1-3 0,-2 4 0,7-4 0,-7-1 0,6 4 0,-3-6 0,1 5 0,-1-3 0,-4-3 0,3 7 0,-2-7 0,3 3 0,-4-4 0,4 0 0,-3-1 0,2 1 0,-3 0 0,0 0 0,3-4 0,-2 2 0,3-5 0,-4 2 0</inkml:trace>
@@ -4449,7 +4449,7 @@
     <inkml:brush xml:id="br0">
       <inkml:brushProperty name="width" value="0.1" units="cm"/>
       <inkml:brushProperty name="height" value="0.1" units="cm"/>
-      <inkml:brushProperty name="color" value="#66CC00"/>
+      <inkml:brushProperty name="color" value="#7D943C"/>
     </inkml:brush>
   </inkml:definitions>
   <inkml:trace contextRef="#ctx0" brushRef="#br0">0 1 24575,'0'21'0,"0"-4"0,0 10 0,0-4 0,0 6 0,0-1 0,0 13 0,0 4 0,0 5 0,0-8 0,0-2 0,0-5 0,0 13 0,0-5 0,0 11 0,0-11 0,0 19 0,0-23 0,0 21 0,0-23 0,0 11 0,0-7 0,0 0 0,0 8 0,0-6 0,0 1 0,5-10 0,0-6 0,0-4 0,4 3 0,-8-9 0,7 5 0,-3-1 0,0-4 0,3 5 0,-7-6 0,3 0 0,0 5 0,-3-3 0,3 3 0,0 0 0,-3-3 0,4 3 0,-1 0 0,-3 2 0,3-1 0,-4 5 0,4-10 0,-3 9 0,3 5 0,-4-7 0,4 10 0,-3-17 0,3 10 0,-4-10 0,4 9 0,-3-8 0,8 23 0,-4-19 0,0 14 0,-1-19 0,0 7 0,-3-10 0,2 4 0,-3-7 0,0-3 0,4 3 0,-3-4 0,2-1 0,-3 1 0,0-1 0,0 9 0,0-2 0,0 7 0,0-4 0,0 0 0,0 0 0,0 6 0,0-5 0,0 4 0,0 1 0,0-5 0,0 4 0,0-4 0,0-5 0,4 11 0,-3-14 0,3 14 0,-4-11 0,0 0 0,0 4 0,0-4 0,0 0 0,0-1 0,0-4 0,0-1 0,0 1 0,3-3 0,-2 2 0,2-3 0,-3 3 0,0 1 0,0 0 0,4 0 0,-3-1 0,2 1 0,-3 0 0,3-4 0,1-1 0</inkml:trace>
@@ -4477,7 +4477,7 @@
     <inkml:brush xml:id="br0">
       <inkml:brushProperty name="width" value="0.1" units="cm"/>
       <inkml:brushProperty name="height" value="0.1" units="cm"/>
-      <inkml:brushProperty name="color" value="#66CC00"/>
+      <inkml:brushProperty name="color" value="#7D943C"/>
     </inkml:brush>
   </inkml:definitions>
   <inkml:trace contextRef="#ctx0" brushRef="#br0">0 0 24575,'0'22'0,"0"-2"0,0-3 0,0 6 0,0 6 0,0 6 0,0 1 0,6 62 0,1-26 0,-1 23 0,0 0 0,1-16 0,-2 12 0,1-3 0,0-32 0,-3-5 0,0 1 0,2-3 0,-5 5 0,0-17 0,5 10 0,-4-12 0,8 25 0,-8-14 0,4 13 0,0-17 0,-4-7 0,8-1 0,-8-5 0,7-1 0,-3-4 0,0 3 0,3-9 0,-3 10 0,0-10 0,-1 9 0,0-3 0,-3 4 0,8 1 0,-8-1 0,7 1 0,-7-6 0,7-1 0,-7-4 0,7-1 0,-7 0 0,7 8 0,-7-6 0,6 2 0,-6-5 0,2-2 0,1 3 0,-3 0 0,3 0 0,-4 1 0,0-1 0,4 0 0,-3-4 0,3-1 0,-4-4 0,0 0 0,0 0 0,0 0 0,0-1 0,0 1 0,0 4 0,0 1 0,0 5 0,0-1 0,0 0 0,3 8 0,-2-6 0,3 6 0,0-7 0,-3 4 0,3-4 0,0 5 0,-3-6 0,3 5 0,-4-3 0,3 3 0,-2-5 0,3 0 0,0 1 0,-3-1 0,7 0 0,-7 1 0,6-1 0,-2 5 0,0-3 0,3 3 0,-3-5 0,4 8 0,-4-10 0,2 9 0,-6-15 0,3 3 0,-4-4 0,0-1 0,0 1 0,0-1 0,0 1 0,0 0 0,0 4 0,0 1 0,0 0 0,0 3 0,0-7 0,0 7 0,0-7 0,0 3 0,0-4 0,0 4 0,0-3 0,0 7 0,0-3 0,0 4 0,0 1 0,0-1 0,0-4 0,0-1 0,0-4 0,0 0 0,0-1 0,0 1 0,0 0 0,0-1 0,-3-3 0,-6 0 0,4-4 0,-2 0 0</inkml:trace>
@@ -4505,7 +4505,7 @@
     <inkml:brush xml:id="br0">
       <inkml:brushProperty name="width" value="0.1" units="cm"/>
       <inkml:brushProperty name="height" value="0.1" units="cm"/>
-      <inkml:brushProperty name="color" value="#66CC00"/>
+      <inkml:brushProperty name="color" value="#7D943C"/>
     </inkml:brush>
   </inkml:definitions>
   <inkml:trace contextRef="#ctx0" brushRef="#br0">1 0 24575,'0'32'0,"0"-4"0,0 6 0,0 0 0,0 8 0,0 8 0,0 5 0,0 13 0,0-14 0,0 1 0,0 19 0,0 24 0,0-62 0,0 10 0,0-14 0,0 20 0,0-20 0,0 14 0,0-4 0,0 7 0,0 7 0,0 0 0,0 7 0,0-6 0,0 0 0,0-3 0,0-11 0,0 29 0,0-30 0,0 22 0,0-34 0,5 10 0,-4-10 0,8 10 0,-3-5 0,-1 1 0,4 4 0,-3-11 0,0 6 0,2-7 0,-7 0 0,7-4 0,-3-2 0,0-5 0,2 1 0,-2-1 0,0 0 0,3 6 0,-3-5 0,4 9 0,-4-3 0,4 4 0,-8 1 0,11 7 0,-10-6 0,10 1 0,-11-3 0,6-14 0,-6 12 0,6-12 0,-6 9 0,7-6 0,-7 5 0,7-3 0,-7 8 0,6-9 0,-6 10 0,3-5 0,0 5 0,-3 1 0,8-1 0,-8 1 0,8 5 0,-8-4 0,8 4 0,-5-11 0,2 10 0,1-13 0,-2 13 0,0-9 0,4 4 0,-8 1 0,3-1 0,0 1 0,-3-1 0,4-5 0,-5 5 0,3-10 0,-2 4 0,3-4 0,-4-1 0,4 0 0,-3-4 0,3 4 0,0-4 0,-3 4 0,2 0 0,1 1 0,1 11 0,0-8 0,3 9 0,-7-8 0,7-8 0,-7 8 0,2-14 0,0 4 0,-2-4 0,3 0 0,-4 0 0,0 3 0,0 7 0,0 6 0,0 4 0,0 1 0,0-1 0,0 0 0,0-4 0,0-2 0,0-5 0,0 1 0,0-1 0,0 0 0,0 1 0,0 4 0,0 1 0,0 1 0,0 3 0,0-8 0,0-1 0,0-2 0,0-7 0,0 3 0,0-4 0,0-1 0,0 1 0,0-1 0,0 0 0,0 1 0,3 0 0,2 0 0,-1 0 0,-1 0 0,-3-1 0,0-2 0,0-2 0</inkml:trace>
@@ -4533,7 +4533,7 @@
     <inkml:brush xml:id="br0">
       <inkml:brushProperty name="width" value="0.1" units="cm"/>
       <inkml:brushProperty name="height" value="0.1" units="cm"/>
-      <inkml:brushProperty name="color" value="#66CC00"/>
+      <inkml:brushProperty name="color" value="#7D943C"/>
     </inkml:brush>
   </inkml:definitions>
   <inkml:trace contextRef="#ctx0" brushRef="#br0">1 1 24575,'0'21'0,"0"-1"0,0 2 0,0 8 0,0-1 0,0 18 0,0-16 0,0 23 0,0-17 0,0 11 0,0-12 0,0 3 0,0-9 0,0 10 0,0 2 0,0-5 0,0 10 0,5-12 0,-4-4 0,3 8 0,1-9 0,-4 6 0,8 4 0,-3 14 0,4-9 0,-4 15 0,3-19 0,-8 1 0,8-7 0,-8 5 0,3-10 0,1 4 0,-4-6 0,7-4 0,-7-2 0,6-5 0,-6 1 0,7-5 0,-8 3 0,8-3 0,-3 9 0,0-3 0,3 3 0,-7 0 0,7-3 0,-8 3 0,4 0 0,0 4 0,1-2 0,0 1 0,2-7 0,-2-1 0,0 5 0,3 2 0,-7 4 0,7-5 0,-7 10 0,7-13 0,-7 13 0,3-10 0,-4 1 0,4 3 0,-3-8 0,3 3 0,-4 0 0,0 2 0,0 4 0,0 0 0,0-4 0,0 16 0,0-14 0,0 15 0,4-17 0,-3 3 0,3-8 0,0 8 0,-3-4 0,3 6 0,-4-1 0,4 1 0,-3-1 0,4 1 0,-5-1 0,0 0 0,0 1 0,4-6 0,-3 5 0,2-10 0,-3 9 0,4-8 0,-3 3 0,3 0 0,-4-3 0,0 16 0,0-10 0,0 6 0,0-4 0,0-3 0,0-1 0,0 0 0,0-6 0,0 0 0,0-4 0,0 4 0,3-9 0,-2 4 0,3 0 0,-4 2 0,0 3 0,0 0 0,0 0 0,0 1 0,0 4 0,4-4 0,-3 5 0,2 2 0,-3-10 0,4 4 0,-3-11 0,2 0 0,-3 0 0,0 0 0,0-1 0,0 1 0,0 0 0,0 0 0,0 9 0,0-3 0,0 8 0,0-4 0,4-1 0,-3 0 0,3 0 0,0 1 0,-3-5 0,3-1 0,-1 0 0,-2 1 0,3 0 0,0 11 0,-3-9 0,3 10 0,0-8 0,-3-4 0,2 3 0,-3-7 0,0 3 0,4-4 0,-3 0 0,2 0 0,-3-1 0,0 1 0,0 0 0,0 0 0,4-1 0,-3 9 0,2-2 0,-3 11 0,0-6 0,4 3 0,-3 0 0,7-3 0,-8 3 0,4 3 0,0-10 0,-3 9 0,2-15 0,1 7 0,-3-3 0,3 0 0,0 3 0,-3-2 0,2 3 0,1 0 0,-3 0 0,3 1 0,-4-1 0,4 0 0,-3-4 0,3 4 0,0-4 0,-3 4 0,6 0 0,-6 0 0,3 1 0,-4-5 0,4 3 0,-3 5 0,3-6 0,-4 9 0,0-11 0,0 4 0,0 0 0,0-4 0,0 3 0,0-2 0,0-1 0,0 3 0,0-7 0,0 3 0,0-5 0,0 1 0,0 0 0,0-1 0,0 0 0,0 1 0,0 0 0,0-1 0,0 5 0,0 1 0,0 1 0,0 2 0,0-7 0,0 3 0,0-5 0,0 1 0,0 0 0,0 0 0,0-1 0,0 1 0,0 0 0,0-1 0,0 1 0,0 0 0,0 0 0,0 0 0,0-1 0,-7-9 0,6 4 0,-6-8 0</inkml:trace>
@@ -4561,7 +4561,7 @@
     <inkml:brush xml:id="br0">
       <inkml:brushProperty name="width" value="0.1" units="cm"/>
       <inkml:brushProperty name="height" value="0.1" units="cm"/>
-      <inkml:brushProperty name="color" value="#66CC00"/>
+      <inkml:brushProperty name="color" value="#7D943C"/>
     </inkml:brush>
   </inkml:definitions>
   <inkml:trace contextRef="#ctx0" brushRef="#br0">0 1 24575,'0'11'0,"0"0"0,0-3 0,0 0 0,0-1 0,0 5 0,0 1 0,0-1 0,0 4 0,0-7 0,0 14 0,0-8 0,0 5 0,0-4 0,4-3 0,-3 4 0,10 4 0,-5-3 0,6 3 0,-7-8 0,2 10 0,-2-8 0,0 5 0,-1-8 0,-4-4 0,3 0 0,-2-1 0,2 1 0,1 0 0,-3 0 0,2-1 0,-3 1 0,0-1 0,0 1 0,0 3 0,0-2 0,0 6 0,0-6 0,0 7 0,0-7 0,0 7 0,0-7 0,0 3 0,0-4 0,0 0 0,0-1 0,0 1 0,0 0 0,0-1 0,0 1 0,0-1 0,4 5 0,-3 6 0,3 1 0,-4 3 0,0-4 0,3-5 0,-2 3 0,3-3 0,-4 0 0,0 3 0,0-7 0,0 7 0,0-7 0,0 3 0,0 0 0,0-3 0,0 3 0,0 0 0,0-3 0,0 3 0,0 0 0,0-3 0,0 3 0,0-5 0,0 1 0,0 4 0,0-3 0,0 3 0,0-4 0,0 0 0,0 0 0,0-1 0,0 1 0,0 0 0,0 0 0,0-4 0,0-1 0</inkml:trace>
@@ -5021,7 +5021,7 @@
     <inkml:brush xml:id="br0">
       <inkml:brushProperty name="width" value="0.1" units="cm"/>
       <inkml:brushProperty name="height" value="0.1" units="cm"/>
-      <inkml:brushProperty name="color" value="#66CC00"/>
+      <inkml:brushProperty name="color" value="#7D943C"/>
     </inkml:brush>
   </inkml:definitions>
   <inkml:trace contextRef="#ctx0" brushRef="#br0">3577 396 24575,'-19'0'0,"0"-4"0,-3-5 0,3-5 0,-8-1 0,3-2 0,-10 2 0,-13-2 0,-3 0 0,-6-3 0,-8 4 0,0 3 0,10 7 0,-38-3 0,38 3 0,-37-9 0,49-1 0,-35-13 0,49 8 0,-18 2 0,28 3 0,-5 11 0,6-8 0,0 1 0,-5 2 0,-2-3 0,-4 3 0,-7 0 0,6 1 0,-24-1 0,15 5 0,-10 1 0,13 4 0,7 0 0,-1 0 0,1 0 0,-6 0 0,4 0 0,-10 0 0,11 0 0,-11 0 0,-2 0 0,0 0 0,-6 0 0,7 0 0,-6 0 0,4 4 0,-18 8 0,-6 7 0,1 4 0,1 0 0,4 0 0,3 5 0,10-9 0,0 2 0,-23 16 0,-17 2 0,38-8 0,8-9 0,0 10 0,12-12 0,-6 6 0,7-2 0,5-4 0,-5 4 0,6-6 0,-7 6 0,2-4 0,-7 5 0,-2 1 0,1-5 0,-5 5 0,4-1 0,-4-3 0,5 3 0,-4-4 0,10-2 0,-4 0 0,-7 5 0,14-5 0,-8-1 0,18-5 0,4-1 0,-4-2 0,8 2 0,-7-4 0,3 1 0,0 3 0,-4-2 0,4 2 0,-4 0 0,4-2 0,-3 6 0,7-7 0,-3 3 0,4-5 0,4 1 0,-3-3 0,6-5 0,-2-4 0,3-4 0,0-4 0,0-1 0,3-4 0,-2-5 0,7 3 0,-7-8 0,7 9 0,-7-10 0,3 10 0,-4-9 0,3 8 0,3-8 0,2 9 0,1-5 0,0 6 0,0 0 0,-1 4 0,0 1 0,0 4 0,-4 10 0,-1 4 0,-3 10 0,0 6 0,0-3 0,-4 8 0,-1-9 0,-4 10 0,0-5 0,-1 6 0,-4-1 0,4 0 0,-8 1 0,7 5 0,-7-4 0,8-1 0,-4-7 0,10-4 0,-4-5 0,3 3 0,1-7 0,0 3 0,7-8 0,6 0 0,4-4 0,9 4 0,1 1 0,6 5 0,-1 3 0,-4-3 0,-2 8 0,0-4 0,-8-1 0,8 0 0,-13-5 0,3 0 0,-5 0 0,1 0 0,0 0 0,0-4 0,-1-1 0,-2-3 0,-2 0 0</inkml:trace>
@@ -5049,7 +5049,7 @@
     <inkml:brush xml:id="br0">
       <inkml:brushProperty name="width" value="0.1" units="cm"/>
       <inkml:brushProperty name="height" value="0.1" units="cm"/>
-      <inkml:brushProperty name="color" value="#F6630D"/>
+      <inkml:brushProperty name="color" value="#A88333"/>
     </inkml:brush>
   </inkml:definitions>
   <inkml:trace contextRef="#ctx0" brushRef="#br0">260 0 24575,'0'16'0,"0"4"0,0-1 0,0 8 0,0-3 0,0 4 0,0 37 0,0-22 0,0 30 0,0-32 0,0 0 0,0-5 0,0 4 0,0-5 0,0 1 0,0 4 0,0 26 0,4-4 0,-3 13 0,8-21 0,-3-13 0,-1-10 0,0 8 0,-5-14 0,0 21 0,0-14 0,0 9 0,0-13 0,0 4 0,0-3 0,0-7 0,0 4 0,0-12 0,0 8 0,0 1 0,0 0 0,0 1 0,0 3 0,0-4 0,0 6 0,0-6 0,0 4 0,0-8 0,0 3 0,0-5 0,0-3 0,0-2 0,0 0 0,0 1 0,0 4 0,0 13 0,0-5 0,0 6 0,0-9 0,0-4 0,0-5 0,0-1 0,0-4 0,0-1 0,0 1 0,0 0 0,0-1 0,0 1 0,0-1 0,0 1 0,0 0 0,0 0 0,0 0 0,-4-1 0,4 1 0,-4-1 0,4 1 0,0 0 0,-3 0 0,2-1 0,-3 1 0,4 0 0,0 0 0,0 0 0,-3-1 0,2 1 0,-2 0 0,3 0 0,0-1 0,-4-2 0,0-2 0,-4-3 0,-3 0 0,-2-4 0,-5-1 0,1-7 0,0-2 0,0 1 0,-1-3 0,1 2 0,0 1 0,-1-4 0,5 8 0,-3-3 0,3 3 0,0 1 0,1 0 0,4 4 0,0-3 0,4 3 0,4 3 0,12 9 0,-3 6 0,11 7 0,-11-8 0,4 3 0,-1-7 0,-3 7 0,4-2 0,-5-1 0,1 3 0,-1-7 0,0 3 0,0-4 0,-1 0 0,1-1 0,-3 1 0,1 0 0,-5 0 0,6-4 0,-6 3 0,5-6 0,-2 2 0,4-3 0,0 0 0,-1 0 0,1 0 0,0 0 0,4-4 0,1-4 0,4-6 0,0-3 0,1 0 0,-1 0 0,0-1 0,0 5 0,1-4 0,-5 8 0,-1-3 0,0 4 0,-3 0 0,3 3 0,-5-1 0,5 1 0,1-3 0,0 0 0,-2 3 0,-3-1 0,-1 5 0,1-3 0,0 4 0,0 0 0,-1-3 0,1 2 0,-4-6 0,3 6 0,-3-6 0,4 6 0,0-5 0,-4 5 0,-1-3 0</inkml:trace>
@@ -5077,7 +5077,7 @@
     <inkml:brush xml:id="br0">
       <inkml:brushProperty name="width" value="0.1" units="cm"/>
       <inkml:brushProperty name="height" value="0.1" units="cm"/>
-      <inkml:brushProperty name="color" value="#F6630D"/>
+      <inkml:brushProperty name="color" value="#A88333"/>
     </inkml:brush>
   </inkml:definitions>
   <inkml:trace contextRef="#ctx0" brushRef="#br0">4799 1 24575,'0'20'0,"0"-3"0,0 6 0,0-1 0,0-4 0,0 9 0,-8 4 0,1 0 0,-10 5 0,6-8 0,-3 6 0,5-9 0,-1 8 0,1-9 0,-1 10 0,1-5 0,-5 5 0,-2 0 0,-4 2 0,0 5 0,-1 1 0,0-1 0,-14 14 0,12-16 0,-10 5 0,15-22 0,1-9 0,4 0 0,-4-5 0,8 0 0,-7 1 0,3-1 0,0 0 0,-3 4 0,3-2 0,0 2 0,-3 0 0,2-3 0,-3 8 0,0-8 0,0 8 0,-1-8 0,1 8 0,-5-7 0,-2 7 0,-4-2 0,-13 12 0,3-5 0,-10 6 0,7-7 0,0-1 0,-2 7 0,7-6 0,0 0 0,8-3 0,-1-3 0,-5 5 0,4-1 0,-5 6 0,1-4 0,-9 10 0,0-9 0,-12 10 0,6-4 0,-7 0 0,0-1 0,-24 6 0,24-14 0,-23 12 0,30-19 0,0 4 0,-6 0 0,6-4 0,-7 4 0,-15 2 0,5 0 0,-1 1 0,-18 5 0,36-12 0,-36 12 0,27-6 0,-14 6 0,0 0 0,7-1 0,-6 1 0,14-2 0,-6 2 0,7-2 0,-7 1 0,5-1 0,-19 8 0,11-5 0,1-1 0,-4-2 0,18-9 0,-19 4 0,-12-1 0,13-3 0,-5 2 0,20-4 0,11-5 0,1 3 0,2-7 0,10 6 0,-4-7 0,6 7 0,0-7 0,-1 8 0,1-8 0,-1 7 0,1-2 0,0-1 0,-1 3 0,1-3 0,0 1 0,0 2 0,4-7 0,2 7 0,9-7 0,1 3 0,-4 0 0,3 1 0,-8 3 0,-1 1 0,3 0 0,-8 0 0,9 0 0,-4 0 0,4-4 0,5 2 0,1-6 0,5 2 0,2 1 0,-1-3 0,1 2 0,-2-3 0,-1 3 0,-4-2 0,-1 7 0,0-8 0,-3 4 0,7 0 0,-3-3 0,5 2 0,-5 1 0,3-3 0,-7 7 0,-2-3 0,-6 4 0,1 0 0,-4-4 0,8 3 0,-3-3 0,5-1 0,3 0 0,2-4 0,5 0 0,3-3 0,0-5 0,4 0 0,0-7 0,0-3 0,0-1 0,4-3 0,1 5 0,3 4 0,1-3 0,-1 10 0,0-5 0,-1 10 0,-2-6 0,2 7 0,-3-4 0,3 1 0,1-2 0,0-3 0,0 4 0,-1-3 0,-2 3 0,2 0 0,-6-3 0,5 6 0,-5 0 0,2 10 0,-6 4 0,-2 4 0,-8 0 0,4 0 0,-8 6 0,7-5 0,-7 4 0,8-8 0,-3-2 0,4-5 0,3 1 0,-2 0 0,7 0 0,-1-4 0,10 3 0,3-2 0,11 4 0,0 0 0,6 1 0,-1-5 0,6 4 0,-4-4 0,4 1 0,-5 2 0,-6-7 0,4 4 0,-8-5 0,3 0 0,-5 0 0,1 0 0,-1 0 0,0 0 0,-4 0 0,-1 0 0,-4 0 0,-1 0 0,1 0 0,-3 0 0,-2 0 0</inkml:trace>
@@ -5377,7 +5377,7 @@
           <a:p>
             <a:fld id="{8E842220-9CEC-7C4F-8BB6-EB2701504776}" type="datetimeFigureOut">
               <a:rPr lang="en-US" smtClean="0"/>
-              <a:t>11/1/22</a:t>
+              <a:t>12/20/23</a:t>
             </a:fld>
             <a:endParaRPr lang="en-US"/>
           </a:p>
@@ -5547,7 +5547,7 @@
           <a:p>
             <a:fld id="{8E842220-9CEC-7C4F-8BB6-EB2701504776}" type="datetimeFigureOut">
               <a:rPr lang="en-US" smtClean="0"/>
-              <a:t>11/1/22</a:t>
+              <a:t>12/20/23</a:t>
             </a:fld>
             <a:endParaRPr lang="en-US"/>
           </a:p>
@@ -5727,7 +5727,7 @@
           <a:p>
             <a:fld id="{8E842220-9CEC-7C4F-8BB6-EB2701504776}" type="datetimeFigureOut">
               <a:rPr lang="en-US" smtClean="0"/>
-              <a:t>11/1/22</a:t>
+              <a:t>12/20/23</a:t>
             </a:fld>
             <a:endParaRPr lang="en-US"/>
           </a:p>
@@ -5897,7 +5897,7 @@
           <a:p>
             <a:fld id="{8E842220-9CEC-7C4F-8BB6-EB2701504776}" type="datetimeFigureOut">
               <a:rPr lang="en-US" smtClean="0"/>
-              <a:t>11/1/22</a:t>
+              <a:t>12/20/23</a:t>
             </a:fld>
             <a:endParaRPr lang="en-US"/>
           </a:p>
@@ -6141,7 +6141,7 @@
           <a:p>
             <a:fld id="{8E842220-9CEC-7C4F-8BB6-EB2701504776}" type="datetimeFigureOut">
               <a:rPr lang="en-US" smtClean="0"/>
-              <a:t>11/1/22</a:t>
+              <a:t>12/20/23</a:t>
             </a:fld>
             <a:endParaRPr lang="en-US"/>
           </a:p>
@@ -6373,7 +6373,7 @@
           <a:p>
             <a:fld id="{8E842220-9CEC-7C4F-8BB6-EB2701504776}" type="datetimeFigureOut">
               <a:rPr lang="en-US" smtClean="0"/>
-              <a:t>11/1/22</a:t>
+              <a:t>12/20/23</a:t>
             </a:fld>
             <a:endParaRPr lang="en-US"/>
           </a:p>
@@ -6740,7 +6740,7 @@
           <a:p>
             <a:fld id="{8E842220-9CEC-7C4F-8BB6-EB2701504776}" type="datetimeFigureOut">
               <a:rPr lang="en-US" smtClean="0"/>
-              <a:t>11/1/22</a:t>
+              <a:t>12/20/23</a:t>
             </a:fld>
             <a:endParaRPr lang="en-US"/>
           </a:p>
@@ -6858,7 +6858,7 @@
           <a:p>
             <a:fld id="{8E842220-9CEC-7C4F-8BB6-EB2701504776}" type="datetimeFigureOut">
               <a:rPr lang="en-US" smtClean="0"/>
-              <a:t>11/1/22</a:t>
+              <a:t>12/20/23</a:t>
             </a:fld>
             <a:endParaRPr lang="en-US"/>
           </a:p>
@@ -6953,7 +6953,7 @@
           <a:p>
             <a:fld id="{8E842220-9CEC-7C4F-8BB6-EB2701504776}" type="datetimeFigureOut">
               <a:rPr lang="en-US" smtClean="0"/>
-              <a:t>11/1/22</a:t>
+              <a:t>12/20/23</a:t>
             </a:fld>
             <a:endParaRPr lang="en-US"/>
           </a:p>
@@ -7230,7 +7230,7 @@
           <a:p>
             <a:fld id="{8E842220-9CEC-7C4F-8BB6-EB2701504776}" type="datetimeFigureOut">
               <a:rPr lang="en-US" smtClean="0"/>
-              <a:t>11/1/22</a:t>
+              <a:t>12/20/23</a:t>
             </a:fld>
             <a:endParaRPr lang="en-US"/>
           </a:p>
@@ -7487,7 +7487,7 @@
           <a:p>
             <a:fld id="{8E842220-9CEC-7C4F-8BB6-EB2701504776}" type="datetimeFigureOut">
               <a:rPr lang="en-US" smtClean="0"/>
-              <a:t>11/1/22</a:t>
+              <a:t>12/20/23</a:t>
             </a:fld>
             <a:endParaRPr lang="en-US"/>
           </a:p>
@@ -7700,7 +7700,7 @@
           <a:p>
             <a:fld id="{8E842220-9CEC-7C4F-8BB6-EB2701504776}" type="datetimeFigureOut">
               <a:rPr lang="en-US" smtClean="0"/>
-              <a:t>11/1/22</a:t>
+              <a:t>12/20/23</a:t>
             </a:fld>
             <a:endParaRPr lang="en-US"/>
           </a:p>
@@ -9380,15 +9380,24 @@
           <a:p>
             <a:pPr algn="ctr"/>
             <a:r>
-              <a:rPr lang="en-US" dirty="0"/>
+              <a:rPr lang="en-US" dirty="0">
+                <a:latin typeface="Source Sans Pro" panose="020B0503030403020204" pitchFamily="34" charset="0"/>
+                <a:ea typeface="Source Sans Pro" panose="020B0503030403020204" pitchFamily="34" charset="0"/>
+              </a:rPr>
               <a:t>Distribution under null (H</a:t>
             </a:r>
             <a:r>
-              <a:rPr lang="en-US" baseline="-25000" dirty="0"/>
+              <a:rPr lang="en-US" baseline="-25000" dirty="0">
+                <a:latin typeface="Source Sans Pro" panose="020B0503030403020204" pitchFamily="34" charset="0"/>
+                <a:ea typeface="Source Sans Pro" panose="020B0503030403020204" pitchFamily="34" charset="0"/>
+              </a:rPr>
               <a:t>0</a:t>
             </a:r>
             <a:r>
-              <a:rPr lang="en-US" dirty="0"/>
+              <a:rPr lang="en-US" dirty="0">
+                <a:latin typeface="Source Sans Pro" panose="020B0503030403020204" pitchFamily="34" charset="0"/>
+                <a:ea typeface="Source Sans Pro" panose="020B0503030403020204" pitchFamily="34" charset="0"/>
+              </a:rPr>
               <a:t>)</a:t>
             </a:r>
           </a:p>
@@ -9424,15 +9433,24 @@
           <a:p>
             <a:pPr algn="ctr"/>
             <a:r>
-              <a:rPr lang="en-US" dirty="0"/>
+              <a:rPr lang="en-US" dirty="0">
+                <a:latin typeface="Source Sans Pro" panose="020B0503030403020204" pitchFamily="34" charset="0"/>
+                <a:ea typeface="Source Sans Pro" panose="020B0503030403020204" pitchFamily="34" charset="0"/>
+              </a:rPr>
               <a:t>Distribution under alternative (H</a:t>
             </a:r>
             <a:r>
-              <a:rPr lang="en-US" baseline="-25000" dirty="0"/>
+              <a:rPr lang="en-US" baseline="-25000" dirty="0">
+                <a:latin typeface="Source Sans Pro" panose="020B0503030403020204" pitchFamily="34" charset="0"/>
+                <a:ea typeface="Source Sans Pro" panose="020B0503030403020204" pitchFamily="34" charset="0"/>
+              </a:rPr>
               <a:t>1</a:t>
             </a:r>
             <a:r>
-              <a:rPr lang="en-US" dirty="0"/>
+              <a:rPr lang="en-US" dirty="0">
+                <a:latin typeface="Source Sans Pro" panose="020B0503030403020204" pitchFamily="34" charset="0"/>
+                <a:ea typeface="Source Sans Pro" panose="020B0503030403020204" pitchFamily="34" charset="0"/>
+              </a:rPr>
               <a:t>)</a:t>
             </a:r>
           </a:p>
@@ -9813,7 +9831,7 @@
           </a:solidFill>
           <a:ln w="36000">
             <a:solidFill>
-              <a:srgbClr val="FF9300"/>
+              <a:srgbClr val="A88333"/>
             </a:solidFill>
           </a:ln>
         </p:spPr>
@@ -9839,12 +9857,14 @@
               <a:solidFill>
                 <a:srgbClr val="E71224"/>
               </a:solidFill>
+              <a:latin typeface="Source Sans Pro" panose="020B0503030403020204" pitchFamily="34" charset="0"/>
+              <a:ea typeface="Source Sans Pro" panose="020B0503030403020204" pitchFamily="34" charset="0"/>
             </a:endParaRPr>
           </a:p>
         </p:txBody>
       </p:sp>
-      <mc:AlternateContent xmlns:mc="http://schemas.openxmlformats.org/markup-compatibility/2006" xmlns:p14="http://schemas.microsoft.com/office/powerpoint/2010/main">
-        <mc:Choice Requires="p14">
+      <mc:AlternateContent xmlns:mc="http://schemas.openxmlformats.org/markup-compatibility/2006">
+        <mc:Choice xmlns:p14="http://schemas.microsoft.com/office/powerpoint/2010/main" Requires="p14">
           <p:contentPart p14:bwMode="auto" r:id="rId59">
             <p14:nvContentPartPr>
               <p14:cNvPr id="112" name="Ink 111">
@@ -9863,7 +9883,7 @@
             </p14:xfrm>
           </p:contentPart>
         </mc:Choice>
-        <mc:Fallback xmlns="">
+        <mc:Fallback>
           <p:pic>
             <p:nvPicPr>
               <p:cNvPr id="112" name="Ink 111">
@@ -9884,7 +9904,7 @@
             </p:blipFill>
             <p:spPr>
               <a:xfrm>
-                <a:off x="2302474" y="1849801"/>
+                <a:off x="2302474" y="1849441"/>
                 <a:ext cx="36000" cy="88920"/>
               </a:xfrm>
               <a:prstGeom prst="rect">
@@ -9894,8 +9914,8 @@
           </p:pic>
         </mc:Fallback>
       </mc:AlternateContent>
-      <mc:AlternateContent xmlns:mc="http://schemas.openxmlformats.org/markup-compatibility/2006" xmlns:p14="http://schemas.microsoft.com/office/powerpoint/2010/main">
-        <mc:Choice Requires="p14">
+      <mc:AlternateContent xmlns:mc="http://schemas.openxmlformats.org/markup-compatibility/2006">
+        <mc:Choice xmlns:p14="http://schemas.microsoft.com/office/powerpoint/2010/main" Requires="p14">
           <p:contentPart p14:bwMode="auto" r:id="rId61">
             <p14:nvContentPartPr>
               <p14:cNvPr id="113" name="Ink 112">
@@ -9914,7 +9934,7 @@
             </p14:xfrm>
           </p:contentPart>
         </mc:Choice>
-        <mc:Fallback xmlns="">
+        <mc:Fallback>
           <p:pic>
             <p:nvPicPr>
               <p:cNvPr id="113" name="Ink 112">
@@ -9945,8 +9965,8 @@
           </p:pic>
         </mc:Fallback>
       </mc:AlternateContent>
-      <mc:AlternateContent xmlns:mc="http://schemas.openxmlformats.org/markup-compatibility/2006" xmlns:p14="http://schemas.microsoft.com/office/powerpoint/2010/main">
-        <mc:Choice Requires="p14">
+      <mc:AlternateContent xmlns:mc="http://schemas.openxmlformats.org/markup-compatibility/2006">
+        <mc:Choice xmlns:p14="http://schemas.microsoft.com/office/powerpoint/2010/main" Requires="p14">
           <p:contentPart p14:bwMode="auto" r:id="rId63">
             <p14:nvContentPartPr>
               <p14:cNvPr id="115" name="Ink 114">
@@ -9965,7 +9985,7 @@
             </p14:xfrm>
           </p:contentPart>
         </mc:Choice>
-        <mc:Fallback xmlns="">
+        <mc:Fallback>
           <p:pic>
             <p:nvPicPr>
               <p:cNvPr id="115" name="Ink 114">
@@ -9986,7 +10006,7 @@
             </p:blipFill>
             <p:spPr>
               <a:xfrm>
-                <a:off x="2307874" y="2111881"/>
+                <a:off x="2307514" y="2111881"/>
                 <a:ext cx="36000" cy="121320"/>
               </a:xfrm>
               <a:prstGeom prst="rect">
@@ -9996,8 +10016,8 @@
           </p:pic>
         </mc:Fallback>
       </mc:AlternateContent>
-      <mc:AlternateContent xmlns:mc="http://schemas.openxmlformats.org/markup-compatibility/2006" xmlns:p14="http://schemas.microsoft.com/office/powerpoint/2010/main">
-        <mc:Choice Requires="p14">
+      <mc:AlternateContent xmlns:mc="http://schemas.openxmlformats.org/markup-compatibility/2006">
+        <mc:Choice xmlns:p14="http://schemas.microsoft.com/office/powerpoint/2010/main" Requires="p14">
           <p:contentPart p14:bwMode="auto" r:id="rId65">
             <p14:nvContentPartPr>
               <p14:cNvPr id="117" name="Ink 116">
@@ -10016,7 +10036,7 @@
             </p14:xfrm>
           </p:contentPart>
         </mc:Choice>
-        <mc:Fallback xmlns="">
+        <mc:Fallback>
           <p:pic>
             <p:nvPicPr>
               <p:cNvPr id="117" name="Ink 116">
@@ -10037,7 +10057,7 @@
             </p:blipFill>
             <p:spPr>
               <a:xfrm>
-                <a:off x="2310394" y="2302681"/>
+                <a:off x="2310034" y="2302321"/>
                 <a:ext cx="38520" cy="94680"/>
               </a:xfrm>
               <a:prstGeom prst="rect">
@@ -10047,8 +10067,8 @@
           </p:pic>
         </mc:Fallback>
       </mc:AlternateContent>
-      <mc:AlternateContent xmlns:mc="http://schemas.openxmlformats.org/markup-compatibility/2006" xmlns:p14="http://schemas.microsoft.com/office/powerpoint/2010/main">
-        <mc:Choice Requires="p14">
+      <mc:AlternateContent xmlns:mc="http://schemas.openxmlformats.org/markup-compatibility/2006">
+        <mc:Choice xmlns:p14="http://schemas.microsoft.com/office/powerpoint/2010/main" Requires="p14">
           <p:contentPart p14:bwMode="auto" r:id="rId67">
             <p14:nvContentPartPr>
               <p14:cNvPr id="119" name="Ink 118">
@@ -10067,7 +10087,7 @@
             </p14:xfrm>
           </p:contentPart>
         </mc:Choice>
-        <mc:Fallback xmlns="">
+        <mc:Fallback>
           <p:pic>
             <p:nvPicPr>
               <p:cNvPr id="119" name="Ink 118">
@@ -10081,14 +10101,14 @@
               <p:nvPr/>
             </p:nvPicPr>
             <p:blipFill>
-              <a:blip r:embed="rId62"/>
+              <a:blip r:embed="rId68"/>
               <a:stretch>
                 <a:fillRect/>
               </a:stretch>
             </p:blipFill>
             <p:spPr>
               <a:xfrm>
-                <a:off x="2318674" y="2496001"/>
+                <a:off x="2318314" y="2495641"/>
                 <a:ext cx="36000" cy="62640"/>
               </a:xfrm>
               <a:prstGeom prst="rect">
@@ -10098,9 +10118,9 @@
           </p:pic>
         </mc:Fallback>
       </mc:AlternateContent>
-      <mc:AlternateContent xmlns:mc="http://schemas.openxmlformats.org/markup-compatibility/2006" xmlns:p14="http://schemas.microsoft.com/office/powerpoint/2010/main">
-        <mc:Choice Requires="p14">
-          <p:contentPart p14:bwMode="auto" r:id="rId68">
+      <mc:AlternateContent xmlns:mc="http://schemas.openxmlformats.org/markup-compatibility/2006">
+        <mc:Choice xmlns:p14="http://schemas.microsoft.com/office/powerpoint/2010/main" Requires="p14">
+          <p:contentPart p14:bwMode="auto" r:id="rId69">
             <p14:nvContentPartPr>
               <p14:cNvPr id="121" name="Ink 120">
                 <a:extLst>
@@ -10118,7 +10138,7 @@
             </p14:xfrm>
           </p:contentPart>
         </mc:Choice>
-        <mc:Fallback xmlns="">
+        <mc:Fallback>
           <p:pic>
             <p:nvPicPr>
               <p:cNvPr id="121" name="Ink 120">
@@ -10132,14 +10152,14 @@
               <p:nvPr/>
             </p:nvPicPr>
             <p:blipFill>
-              <a:blip r:embed="rId69"/>
+              <a:blip r:embed="rId70"/>
               <a:stretch>
                 <a:fillRect/>
               </a:stretch>
             </p:blipFill>
             <p:spPr>
               <a:xfrm>
-                <a:off x="2323714" y="2626321"/>
+                <a:off x="2323354" y="2626321"/>
                 <a:ext cx="36000" cy="138240"/>
               </a:xfrm>
               <a:prstGeom prst="rect">
@@ -10149,9 +10169,9 @@
           </p:pic>
         </mc:Fallback>
       </mc:AlternateContent>
-      <mc:AlternateContent xmlns:mc="http://schemas.openxmlformats.org/markup-compatibility/2006" xmlns:p14="http://schemas.microsoft.com/office/powerpoint/2010/main">
-        <mc:Choice Requires="p14">
-          <p:contentPart p14:bwMode="auto" r:id="rId70">
+      <mc:AlternateContent xmlns:mc="http://schemas.openxmlformats.org/markup-compatibility/2006">
+        <mc:Choice xmlns:p14="http://schemas.microsoft.com/office/powerpoint/2010/main" Requires="p14">
+          <p:contentPart p14:bwMode="auto" r:id="rId71">
             <p14:nvContentPartPr>
               <p14:cNvPr id="123" name="Ink 122">
                 <a:extLst>
@@ -10169,7 +10189,7 @@
             </p14:xfrm>
           </p:contentPart>
         </mc:Choice>
-        <mc:Fallback xmlns="">
+        <mc:Fallback>
           <p:pic>
             <p:nvPicPr>
               <p:cNvPr id="123" name="Ink 122">
@@ -10183,15 +10203,15 @@
               <p:nvPr/>
             </p:nvPicPr>
             <p:blipFill>
-              <a:blip r:embed="rId71"/>
+              <a:blip r:embed="rId72"/>
               <a:stretch>
                 <a:fillRect/>
               </a:stretch>
             </p:blipFill>
             <p:spPr>
               <a:xfrm>
-                <a:off x="2323714" y="2857441"/>
-                <a:ext cx="46800" cy="115200"/>
+                <a:off x="2322754" y="2857441"/>
+                <a:ext cx="47988" cy="115200"/>
               </a:xfrm>
               <a:prstGeom prst="rect">
                 <a:avLst/>
@@ -10200,9 +10220,9 @@
           </p:pic>
         </mc:Fallback>
       </mc:AlternateContent>
-      <mc:AlternateContent xmlns:mc="http://schemas.openxmlformats.org/markup-compatibility/2006" xmlns:p14="http://schemas.microsoft.com/office/powerpoint/2010/main">
-        <mc:Choice Requires="p14">
-          <p:contentPart p14:bwMode="auto" r:id="rId72">
+      <mc:AlternateContent xmlns:mc="http://schemas.openxmlformats.org/markup-compatibility/2006">
+        <mc:Choice xmlns:p14="http://schemas.microsoft.com/office/powerpoint/2010/main" Requires="p14">
+          <p:contentPart p14:bwMode="auto" r:id="rId73">
             <p14:nvContentPartPr>
               <p14:cNvPr id="125" name="Ink 124">
                 <a:extLst>
@@ -10220,7 +10240,7 @@
             </p14:xfrm>
           </p:contentPart>
         </mc:Choice>
-        <mc:Fallback xmlns="">
+        <mc:Fallback>
           <p:pic>
             <p:nvPicPr>
               <p:cNvPr id="125" name="Ink 124">
@@ -10234,14 +10254,14 @@
               <p:nvPr/>
             </p:nvPicPr>
             <p:blipFill>
-              <a:blip r:embed="rId73"/>
+              <a:blip r:embed="rId74"/>
               <a:stretch>
                 <a:fillRect/>
               </a:stretch>
             </p:blipFill>
             <p:spPr>
               <a:xfrm>
-                <a:off x="2339914" y="3003601"/>
+                <a:off x="2339554" y="3003601"/>
                 <a:ext cx="36000" cy="109080"/>
               </a:xfrm>
               <a:prstGeom prst="rect">
@@ -10273,7 +10293,7 @@
         </p:grpSpPr>
         <mc:AlternateContent xmlns:mc="http://schemas.openxmlformats.org/markup-compatibility/2006" xmlns:p14="http://schemas.microsoft.com/office/powerpoint/2010/main">
           <mc:Choice Requires="p14">
-            <p:contentPart p14:bwMode="auto" r:id="rId74">
+            <p:contentPart p14:bwMode="auto" r:id="rId75">
               <p14:nvContentPartPr>
                 <p14:cNvPr id="127" name="Ink 126">
                   <a:extLst>
@@ -10305,7 +10325,7 @@
                 <p:nvPr/>
               </p:nvPicPr>
               <p:blipFill>
-                <a:blip r:embed="rId75"/>
+                <a:blip r:embed="rId76"/>
                 <a:stretch>
                   <a:fillRect/>
                 </a:stretch>
@@ -10324,7 +10344,7 @@
         </mc:AlternateContent>
         <mc:AlternateContent xmlns:mc="http://schemas.openxmlformats.org/markup-compatibility/2006" xmlns:p14="http://schemas.microsoft.com/office/powerpoint/2010/main">
           <mc:Choice Requires="p14">
-            <p:contentPart p14:bwMode="auto" r:id="rId76">
+            <p:contentPart p14:bwMode="auto" r:id="rId77">
               <p14:nvContentPartPr>
                 <p14:cNvPr id="129" name="Ink 128">
                   <a:extLst>
@@ -10356,7 +10376,7 @@
                 <p:nvPr/>
               </p:nvPicPr>
               <p:blipFill>
-                <a:blip r:embed="rId77"/>
+                <a:blip r:embed="rId78"/>
                 <a:stretch>
                   <a:fillRect/>
                 </a:stretch>
@@ -10375,7 +10395,7 @@
         </mc:AlternateContent>
         <mc:AlternateContent xmlns:mc="http://schemas.openxmlformats.org/markup-compatibility/2006" xmlns:p14="http://schemas.microsoft.com/office/powerpoint/2010/main">
           <mc:Choice Requires="p14">
-            <p:contentPart p14:bwMode="auto" r:id="rId78">
+            <p:contentPart p14:bwMode="auto" r:id="rId79">
               <p14:nvContentPartPr>
                 <p14:cNvPr id="131" name="Ink 130">
                   <a:extLst>
@@ -10407,7 +10427,7 @@
                 <p:nvPr/>
               </p:nvPicPr>
               <p:blipFill>
-                <a:blip r:embed="rId77"/>
+                <a:blip r:embed="rId78"/>
                 <a:stretch>
                   <a:fillRect/>
                 </a:stretch>
@@ -10426,7 +10446,7 @@
         </mc:AlternateContent>
         <mc:AlternateContent xmlns:mc="http://schemas.openxmlformats.org/markup-compatibility/2006" xmlns:p14="http://schemas.microsoft.com/office/powerpoint/2010/main">
           <mc:Choice Requires="p14">
-            <p:contentPart p14:bwMode="auto" r:id="rId79">
+            <p:contentPart p14:bwMode="auto" r:id="rId80">
               <p14:nvContentPartPr>
                 <p14:cNvPr id="133" name="Ink 132">
                   <a:extLst>
@@ -10458,7 +10478,7 @@
                 <p:nvPr/>
               </p:nvPicPr>
               <p:blipFill>
-                <a:blip r:embed="rId80"/>
+                <a:blip r:embed="rId81"/>
                 <a:stretch>
                   <a:fillRect/>
                 </a:stretch>
@@ -10477,7 +10497,7 @@
         </mc:AlternateContent>
         <mc:AlternateContent xmlns:mc="http://schemas.openxmlformats.org/markup-compatibility/2006" xmlns:p14="http://schemas.microsoft.com/office/powerpoint/2010/main">
           <mc:Choice Requires="p14">
-            <p:contentPart p14:bwMode="auto" r:id="rId81">
+            <p:contentPart p14:bwMode="auto" r:id="rId82">
               <p14:nvContentPartPr>
                 <p14:cNvPr id="135" name="Ink 134">
                   <a:extLst>
@@ -10509,7 +10529,7 @@
                 <p:nvPr/>
               </p:nvPicPr>
               <p:blipFill>
-                <a:blip r:embed="rId82"/>
+                <a:blip r:embed="rId83"/>
                 <a:stretch>
                   <a:fillRect/>
                 </a:stretch>
@@ -10528,7 +10548,7 @@
         </mc:AlternateContent>
         <mc:AlternateContent xmlns:mc="http://schemas.openxmlformats.org/markup-compatibility/2006" xmlns:p14="http://schemas.microsoft.com/office/powerpoint/2010/main">
           <mc:Choice Requires="p14">
-            <p:contentPart p14:bwMode="auto" r:id="rId83">
+            <p:contentPart p14:bwMode="auto" r:id="rId84">
               <p14:nvContentPartPr>
                 <p14:cNvPr id="137" name="Ink 136">
                   <a:extLst>
@@ -10560,7 +10580,7 @@
                 <p:nvPr/>
               </p:nvPicPr>
               <p:blipFill>
-                <a:blip r:embed="rId84"/>
+                <a:blip r:embed="rId85"/>
                 <a:stretch>
                   <a:fillRect/>
                 </a:stretch>
@@ -10579,7 +10599,7 @@
         </mc:AlternateContent>
         <mc:AlternateContent xmlns:mc="http://schemas.openxmlformats.org/markup-compatibility/2006" xmlns:p14="http://schemas.microsoft.com/office/powerpoint/2010/main">
           <mc:Choice Requires="p14">
-            <p:contentPart p14:bwMode="auto" r:id="rId85">
+            <p:contentPart p14:bwMode="auto" r:id="rId86">
               <p14:nvContentPartPr>
                 <p14:cNvPr id="139" name="Ink 138">
                   <a:extLst>
@@ -10611,7 +10631,7 @@
                 <p:nvPr/>
               </p:nvPicPr>
               <p:blipFill>
-                <a:blip r:embed="rId86"/>
+                <a:blip r:embed="rId87"/>
                 <a:stretch>
                   <a:fillRect/>
                 </a:stretch>
@@ -10630,7 +10650,7 @@
         </mc:AlternateContent>
         <mc:AlternateContent xmlns:mc="http://schemas.openxmlformats.org/markup-compatibility/2006" xmlns:p14="http://schemas.microsoft.com/office/powerpoint/2010/main">
           <mc:Choice Requires="p14">
-            <p:contentPart p14:bwMode="auto" r:id="rId87">
+            <p:contentPart p14:bwMode="auto" r:id="rId88">
               <p14:nvContentPartPr>
                 <p14:cNvPr id="141" name="Ink 140">
                   <a:extLst>
@@ -10662,7 +10682,7 @@
                 <p:nvPr/>
               </p:nvPicPr>
               <p:blipFill>
-                <a:blip r:embed="rId88"/>
+                <a:blip r:embed="rId89"/>
                 <a:stretch>
                   <a:fillRect/>
                 </a:stretch>
@@ -10702,7 +10722,7 @@
         </p:grpSpPr>
         <mc:AlternateContent xmlns:mc="http://schemas.openxmlformats.org/markup-compatibility/2006" xmlns:p14="http://schemas.microsoft.com/office/powerpoint/2010/main">
           <mc:Choice Requires="p14">
-            <p:contentPart p14:bwMode="auto" r:id="rId89">
+            <p:contentPart p14:bwMode="auto" r:id="rId90">
               <p14:nvContentPartPr>
                 <p14:cNvPr id="143" name="Ink 142">
                   <a:extLst>
@@ -10734,7 +10754,7 @@
                 <p:nvPr/>
               </p:nvPicPr>
               <p:blipFill>
-                <a:blip r:embed="rId90"/>
+                <a:blip r:embed="rId91"/>
                 <a:stretch>
                   <a:fillRect/>
                 </a:stretch>
@@ -10753,7 +10773,7 @@
         </mc:AlternateContent>
         <mc:AlternateContent xmlns:mc="http://schemas.openxmlformats.org/markup-compatibility/2006" xmlns:p14="http://schemas.microsoft.com/office/powerpoint/2010/main">
           <mc:Choice Requires="p14">
-            <p:contentPart p14:bwMode="auto" r:id="rId91">
+            <p:contentPart p14:bwMode="auto" r:id="rId92">
               <p14:nvContentPartPr>
                 <p14:cNvPr id="144" name="Ink 143">
                   <a:extLst>
@@ -10785,7 +10805,7 @@
                 <p:nvPr/>
               </p:nvPicPr>
               <p:blipFill>
-                <a:blip r:embed="rId92"/>
+                <a:blip r:embed="rId93"/>
                 <a:stretch>
                   <a:fillRect/>
                 </a:stretch>
@@ -10804,7 +10824,7 @@
         </mc:AlternateContent>
         <mc:AlternateContent xmlns:mc="http://schemas.openxmlformats.org/markup-compatibility/2006" xmlns:p14="http://schemas.microsoft.com/office/powerpoint/2010/main">
           <mc:Choice Requires="p14">
-            <p:contentPart p14:bwMode="auto" r:id="rId93">
+            <p:contentPart p14:bwMode="auto" r:id="rId94">
               <p14:nvContentPartPr>
                 <p14:cNvPr id="146" name="Ink 145">
                   <a:extLst>
@@ -10836,7 +10856,7 @@
                 <p:nvPr/>
               </p:nvPicPr>
               <p:blipFill>
-                <a:blip r:embed="rId94"/>
+                <a:blip r:embed="rId95"/>
                 <a:stretch>
                   <a:fillRect/>
                 </a:stretch>
@@ -10876,7 +10896,7 @@
         </p:grpSpPr>
         <mc:AlternateContent xmlns:mc="http://schemas.openxmlformats.org/markup-compatibility/2006" xmlns:p14="http://schemas.microsoft.com/office/powerpoint/2010/main">
           <mc:Choice Requires="p14">
-            <p:contentPart p14:bwMode="auto" r:id="rId95">
+            <p:contentPart p14:bwMode="auto" r:id="rId96">
               <p14:nvContentPartPr>
                 <p14:cNvPr id="148" name="Ink 147">
                   <a:extLst>
@@ -10908,7 +10928,7 @@
                 <p:nvPr/>
               </p:nvPicPr>
               <p:blipFill>
-                <a:blip r:embed="rId96"/>
+                <a:blip r:embed="rId97"/>
                 <a:stretch>
                   <a:fillRect/>
                 </a:stretch>
@@ -10927,7 +10947,7 @@
         </mc:AlternateContent>
         <mc:AlternateContent xmlns:mc="http://schemas.openxmlformats.org/markup-compatibility/2006" xmlns:p14="http://schemas.microsoft.com/office/powerpoint/2010/main">
           <mc:Choice Requires="p14">
-            <p:contentPart p14:bwMode="auto" r:id="rId97">
+            <p:contentPart p14:bwMode="auto" r:id="rId98">
               <p14:nvContentPartPr>
                 <p14:cNvPr id="149" name="Ink 148">
                   <a:extLst>
@@ -10959,7 +10979,7 @@
                 <p:nvPr/>
               </p:nvPicPr>
               <p:blipFill>
-                <a:blip r:embed="rId98"/>
+                <a:blip r:embed="rId99"/>
                 <a:stretch>
                   <a:fillRect/>
                 </a:stretch>
@@ -10977,9 +10997,9 @@
           </mc:Fallback>
         </mc:AlternateContent>
       </p:grpSp>
-      <mc:AlternateContent xmlns:mc="http://schemas.openxmlformats.org/markup-compatibility/2006" xmlns:p14="http://schemas.microsoft.com/office/powerpoint/2010/main">
-        <mc:Choice Requires="p14">
-          <p:contentPart p14:bwMode="auto" r:id="rId99">
+      <mc:AlternateContent xmlns:mc="http://schemas.openxmlformats.org/markup-compatibility/2006">
+        <mc:Choice xmlns:p14="http://schemas.microsoft.com/office/powerpoint/2010/main" Requires="p14">
+          <p:contentPart p14:bwMode="auto" r:id="rId100">
             <p14:nvContentPartPr>
               <p14:cNvPr id="151" name="Ink 150">
                 <a:extLst>
@@ -10997,7 +11017,7 @@
             </p14:xfrm>
           </p:contentPart>
         </mc:Choice>
-        <mc:Fallback xmlns="">
+        <mc:Fallback>
           <p:pic>
             <p:nvPicPr>
               <p:cNvPr id="151" name="Ink 150">
@@ -11011,15 +11031,15 @@
               <p:nvPr/>
             </p:nvPicPr>
             <p:blipFill>
-              <a:blip r:embed="rId100"/>
+              <a:blip r:embed="rId64"/>
               <a:stretch>
                 <a:fillRect/>
               </a:stretch>
             </p:blipFill>
             <p:spPr>
               <a:xfrm>
-                <a:off x="2360074" y="5585161"/>
-                <a:ext cx="36000" cy="124560"/>
+                <a:off x="2359714" y="5585234"/>
+                <a:ext cx="36000" cy="124416"/>
               </a:xfrm>
               <a:prstGeom prst="rect">
                 <a:avLst/>
@@ -11028,8 +11048,8 @@
           </p:pic>
         </mc:Fallback>
       </mc:AlternateContent>
-      <mc:AlternateContent xmlns:mc="http://schemas.openxmlformats.org/markup-compatibility/2006" xmlns:p14="http://schemas.microsoft.com/office/powerpoint/2010/main">
-        <mc:Choice Requires="p14">
+      <mc:AlternateContent xmlns:mc="http://schemas.openxmlformats.org/markup-compatibility/2006">
+        <mc:Choice xmlns:p14="http://schemas.microsoft.com/office/powerpoint/2010/main" Requires="p14">
           <p:contentPart p14:bwMode="auto" r:id="rId101">
             <p14:nvContentPartPr>
               <p14:cNvPr id="152" name="Ink 151">
@@ -11048,7 +11068,7 @@
             </p14:xfrm>
           </p:contentPart>
         </mc:Choice>
-        <mc:Fallback xmlns="">
+        <mc:Fallback>
           <p:pic>
             <p:nvPicPr>
               <p:cNvPr id="152" name="Ink 151">
@@ -11069,7 +11089,7 @@
             </p:blipFill>
             <p:spPr>
               <a:xfrm>
-                <a:off x="2376634" y="5791801"/>
+                <a:off x="2376634" y="5791441"/>
                 <a:ext cx="36000" cy="91800"/>
               </a:xfrm>
               <a:prstGeom prst="rect">
@@ -11184,7 +11204,7 @@
                 <p:nvPr/>
               </p:nvPicPr>
               <p:blipFill>
-                <a:blip r:embed="rId84"/>
+                <a:blip r:embed="rId85"/>
                 <a:stretch>
                   <a:fillRect/>
                 </a:stretch>
@@ -11202,8 +11222,8 @@
           </mc:Fallback>
         </mc:AlternateContent>
       </p:grpSp>
-      <mc:AlternateContent xmlns:mc="http://schemas.openxmlformats.org/markup-compatibility/2006" xmlns:p14="http://schemas.microsoft.com/office/powerpoint/2010/main">
-        <mc:Choice Requires="p14">
+      <mc:AlternateContent xmlns:mc="http://schemas.openxmlformats.org/markup-compatibility/2006">
+        <mc:Choice xmlns:p14="http://schemas.microsoft.com/office/powerpoint/2010/main" Requires="p14">
           <p:contentPart p14:bwMode="auto" r:id="rId106">
             <p14:nvContentPartPr>
               <p14:cNvPr id="156" name="Ink 155">
@@ -11222,7 +11242,7 @@
             </p14:xfrm>
           </p:contentPart>
         </mc:Choice>
-        <mc:Fallback xmlns="">
+        <mc:Fallback>
           <p:pic>
             <p:nvPicPr>
               <p:cNvPr id="156" name="Ink 155">
@@ -11236,7 +11256,7 @@
               <p:nvPr/>
             </p:nvPicPr>
             <p:blipFill>
-              <a:blip r:embed="rId98"/>
+              <a:blip r:embed="rId107"/>
               <a:stretch>
                 <a:fillRect/>
               </a:stretch>
@@ -11275,7 +11295,7 @@
         </p:grpSpPr>
         <mc:AlternateContent xmlns:mc="http://schemas.openxmlformats.org/markup-compatibility/2006" xmlns:p14="http://schemas.microsoft.com/office/powerpoint/2010/main">
           <mc:Choice Requires="p14">
-            <p:contentPart p14:bwMode="auto" r:id="rId107">
+            <p:contentPart p14:bwMode="auto" r:id="rId108">
               <p14:nvContentPartPr>
                 <p14:cNvPr id="159" name="Ink 158">
                   <a:extLst>
@@ -11307,7 +11327,7 @@
                 <p:nvPr/>
               </p:nvPicPr>
               <p:blipFill>
-                <a:blip r:embed="rId108"/>
+                <a:blip r:embed="rId109"/>
                 <a:stretch>
                   <a:fillRect/>
                 </a:stretch>
@@ -11326,7 +11346,7 @@
         </mc:AlternateContent>
         <mc:AlternateContent xmlns:mc="http://schemas.openxmlformats.org/markup-compatibility/2006" xmlns:p14="http://schemas.microsoft.com/office/powerpoint/2010/main">
           <mc:Choice Requires="p14">
-            <p:contentPart p14:bwMode="auto" r:id="rId109">
+            <p:contentPart p14:bwMode="auto" r:id="rId110">
               <p14:nvContentPartPr>
                 <p14:cNvPr id="160" name="Ink 159">
                   <a:extLst>
@@ -11358,7 +11378,7 @@
                 <p:nvPr/>
               </p:nvPicPr>
               <p:blipFill>
-                <a:blip r:embed="rId110"/>
+                <a:blip r:embed="rId111"/>
                 <a:stretch>
                   <a:fillRect/>
                 </a:stretch>
@@ -11377,7 +11397,7 @@
         </mc:AlternateContent>
         <mc:AlternateContent xmlns:mc="http://schemas.openxmlformats.org/markup-compatibility/2006" xmlns:p14="http://schemas.microsoft.com/office/powerpoint/2010/main">
           <mc:Choice Requires="p14">
-            <p:contentPart p14:bwMode="auto" r:id="rId111">
+            <p:contentPart p14:bwMode="auto" r:id="rId112">
               <p14:nvContentPartPr>
                 <p14:cNvPr id="162" name="Ink 161">
                   <a:extLst>
@@ -11409,7 +11429,7 @@
                 <p:nvPr/>
               </p:nvPicPr>
               <p:blipFill>
-                <a:blip r:embed="rId94"/>
+                <a:blip r:embed="rId95"/>
                 <a:stretch>
                   <a:fillRect/>
                 </a:stretch>
@@ -11428,7 +11448,7 @@
         </mc:AlternateContent>
         <mc:AlternateContent xmlns:mc="http://schemas.openxmlformats.org/markup-compatibility/2006" xmlns:p14="http://schemas.microsoft.com/office/powerpoint/2010/main">
           <mc:Choice Requires="p14">
-            <p:contentPart p14:bwMode="auto" r:id="rId112">
+            <p:contentPart p14:bwMode="auto" r:id="rId113">
               <p14:nvContentPartPr>
                 <p14:cNvPr id="164" name="Ink 163">
                   <a:extLst>
@@ -11460,7 +11480,7 @@
                 <p:nvPr/>
               </p:nvPicPr>
               <p:blipFill>
-                <a:blip r:embed="rId113"/>
+                <a:blip r:embed="rId114"/>
                 <a:stretch>
                   <a:fillRect/>
                 </a:stretch>
@@ -11479,7 +11499,7 @@
         </mc:AlternateContent>
         <mc:AlternateContent xmlns:mc="http://schemas.openxmlformats.org/markup-compatibility/2006" xmlns:p14="http://schemas.microsoft.com/office/powerpoint/2010/main">
           <mc:Choice Requires="p14">
-            <p:contentPart p14:bwMode="auto" r:id="rId114">
+            <p:contentPart p14:bwMode="auto" r:id="rId115">
               <p14:nvContentPartPr>
                 <p14:cNvPr id="166" name="Ink 165">
                   <a:extLst>
@@ -11511,7 +11531,7 @@
                 <p:nvPr/>
               </p:nvPicPr>
               <p:blipFill>
-                <a:blip r:embed="rId98"/>
+                <a:blip r:embed="rId99"/>
                 <a:stretch>
                   <a:fillRect/>
                 </a:stretch>
@@ -11551,7 +11571,7 @@
         </p:grpSpPr>
         <mc:AlternateContent xmlns:mc="http://schemas.openxmlformats.org/markup-compatibility/2006" xmlns:p14="http://schemas.microsoft.com/office/powerpoint/2010/main">
           <mc:Choice Requires="p14">
-            <p:contentPart p14:bwMode="auto" r:id="rId115">
+            <p:contentPart p14:bwMode="auto" r:id="rId116">
               <p14:nvContentPartPr>
                 <p14:cNvPr id="168" name="Ink 167">
                   <a:extLst>
@@ -11583,7 +11603,7 @@
                 <p:nvPr/>
               </p:nvPicPr>
               <p:blipFill>
-                <a:blip r:embed="rId116"/>
+                <a:blip r:embed="rId117"/>
                 <a:stretch>
                   <a:fillRect/>
                 </a:stretch>
@@ -11602,7 +11622,7 @@
         </mc:AlternateContent>
         <mc:AlternateContent xmlns:mc="http://schemas.openxmlformats.org/markup-compatibility/2006" xmlns:p14="http://schemas.microsoft.com/office/powerpoint/2010/main">
           <mc:Choice Requires="p14">
-            <p:contentPart p14:bwMode="auto" r:id="rId117">
+            <p:contentPart p14:bwMode="auto" r:id="rId118">
               <p14:nvContentPartPr>
                 <p14:cNvPr id="169" name="Ink 168">
                   <a:extLst>
@@ -11634,7 +11654,7 @@
                 <p:nvPr/>
               </p:nvPicPr>
               <p:blipFill>
-                <a:blip r:embed="rId118"/>
+                <a:blip r:embed="rId119"/>
                 <a:stretch>
                   <a:fillRect/>
                 </a:stretch>
@@ -11652,9 +11672,9 @@
           </mc:Fallback>
         </mc:AlternateContent>
       </p:grpSp>
-      <mc:AlternateContent xmlns:mc="http://schemas.openxmlformats.org/markup-compatibility/2006" xmlns:p14="http://schemas.microsoft.com/office/powerpoint/2010/main">
-        <mc:Choice Requires="p14">
-          <p:contentPart p14:bwMode="auto" r:id="rId119">
+      <mc:AlternateContent xmlns:mc="http://schemas.openxmlformats.org/markup-compatibility/2006">
+        <mc:Choice xmlns:p14="http://schemas.microsoft.com/office/powerpoint/2010/main" Requires="p14">
+          <p:contentPart p14:bwMode="auto" r:id="rId120">
             <p14:nvContentPartPr>
               <p14:cNvPr id="171" name="Ink 170">
                 <a:extLst>
@@ -11672,7 +11692,7 @@
             </p14:xfrm>
           </p:contentPart>
         </mc:Choice>
-        <mc:Fallback xmlns="">
+        <mc:Fallback>
           <p:pic>
             <p:nvPicPr>
               <p:cNvPr id="171" name="Ink 170">
@@ -11686,15 +11706,15 @@
               <p:nvPr/>
             </p:nvPicPr>
             <p:blipFill>
-              <a:blip r:embed="rId120"/>
+              <a:blip r:embed="rId121"/>
               <a:stretch>
                 <a:fillRect/>
               </a:stretch>
             </p:blipFill>
             <p:spPr>
               <a:xfrm>
-                <a:off x="2432074" y="7518361"/>
-                <a:ext cx="41760" cy="113040"/>
+                <a:off x="2430589" y="7518001"/>
+                <a:ext cx="43988" cy="113040"/>
               </a:xfrm>
               <a:prstGeom prst="rect">
                 <a:avLst/>
@@ -11703,9 +11723,9 @@
           </p:pic>
         </mc:Fallback>
       </mc:AlternateContent>
-      <mc:AlternateContent xmlns:mc="http://schemas.openxmlformats.org/markup-compatibility/2006" xmlns:p14="http://schemas.microsoft.com/office/powerpoint/2010/main">
-        <mc:Choice Requires="p14">
-          <p:contentPart p14:bwMode="auto" r:id="rId121">
+      <mc:AlternateContent xmlns:mc="http://schemas.openxmlformats.org/markup-compatibility/2006">
+        <mc:Choice xmlns:p14="http://schemas.microsoft.com/office/powerpoint/2010/main" Requires="p14">
+          <p:contentPart p14:bwMode="auto" r:id="rId122">
             <p14:nvContentPartPr>
               <p14:cNvPr id="172" name="Ink 171">
                 <a:extLst>
@@ -11723,7 +11743,7 @@
             </p14:xfrm>
           </p:contentPart>
         </mc:Choice>
-        <mc:Fallback xmlns="">
+        <mc:Fallback>
           <p:pic>
             <p:nvPicPr>
               <p:cNvPr id="172" name="Ink 171">
@@ -11737,14 +11757,14 @@
               <p:nvPr/>
             </p:nvPicPr>
             <p:blipFill>
-              <a:blip r:embed="rId122"/>
+              <a:blip r:embed="rId123"/>
               <a:stretch>
                 <a:fillRect/>
               </a:stretch>
             </p:blipFill>
             <p:spPr>
               <a:xfrm>
-                <a:off x="2443594" y="7709161"/>
+                <a:off x="2443234" y="7709161"/>
                 <a:ext cx="36000" cy="36000"/>
               </a:xfrm>
               <a:prstGeom prst="rect">
@@ -11776,7 +11796,7 @@
         </p:grpSpPr>
         <mc:AlternateContent xmlns:mc="http://schemas.openxmlformats.org/markup-compatibility/2006" xmlns:p14="http://schemas.microsoft.com/office/powerpoint/2010/main">
           <mc:Choice Requires="p14">
-            <p:contentPart p14:bwMode="auto" r:id="rId123">
+            <p:contentPart p14:bwMode="auto" r:id="rId124">
               <p14:nvContentPartPr>
                 <p14:cNvPr id="173" name="Ink 172">
                   <a:extLst>
@@ -11808,7 +11828,7 @@
                 <p:nvPr/>
               </p:nvPicPr>
               <p:blipFill>
-                <a:blip r:embed="rId124"/>
+                <a:blip r:embed="rId125"/>
                 <a:stretch>
                   <a:fillRect/>
                 </a:stretch>
@@ -11827,7 +11847,7 @@
         </mc:AlternateContent>
         <mc:AlternateContent xmlns:mc="http://schemas.openxmlformats.org/markup-compatibility/2006" xmlns:p14="http://schemas.microsoft.com/office/powerpoint/2010/main">
           <mc:Choice Requires="p14">
-            <p:contentPart p14:bwMode="auto" r:id="rId125">
+            <p:contentPart p14:bwMode="auto" r:id="rId126">
               <p14:nvContentPartPr>
                 <p14:cNvPr id="174" name="Ink 173">
                   <a:extLst>
@@ -11859,7 +11879,7 @@
                 <p:nvPr/>
               </p:nvPicPr>
               <p:blipFill>
-                <a:blip r:embed="rId126"/>
+                <a:blip r:embed="rId127"/>
                 <a:stretch>
                   <a:fillRect/>
                 </a:stretch>
@@ -11878,7 +11898,7 @@
         </mc:AlternateContent>
         <mc:AlternateContent xmlns:mc="http://schemas.openxmlformats.org/markup-compatibility/2006" xmlns:p14="http://schemas.microsoft.com/office/powerpoint/2010/main">
           <mc:Choice Requires="p14">
-            <p:contentPart p14:bwMode="auto" r:id="rId127">
+            <p:contentPart p14:bwMode="auto" r:id="rId128">
               <p14:nvContentPartPr>
                 <p14:cNvPr id="176" name="Ink 175">
                   <a:extLst>
@@ -11910,7 +11930,7 @@
                 <p:nvPr/>
               </p:nvPicPr>
               <p:blipFill>
-                <a:blip r:embed="rId128"/>
+                <a:blip r:embed="rId129"/>
                 <a:stretch>
                   <a:fillRect/>
                 </a:stretch>
@@ -11929,7 +11949,7 @@
         </mc:AlternateContent>
         <mc:AlternateContent xmlns:mc="http://schemas.openxmlformats.org/markup-compatibility/2006" xmlns:p14="http://schemas.microsoft.com/office/powerpoint/2010/main">
           <mc:Choice Requires="p14">
-            <p:contentPart p14:bwMode="auto" r:id="rId129">
+            <p:contentPart p14:bwMode="auto" r:id="rId130">
               <p14:nvContentPartPr>
                 <p14:cNvPr id="177" name="Ink 176">
                   <a:extLst>
@@ -11961,7 +11981,7 @@
                 <p:nvPr/>
               </p:nvPicPr>
               <p:blipFill>
-                <a:blip r:embed="rId130"/>
+                <a:blip r:embed="rId131"/>
                 <a:stretch>
                   <a:fillRect/>
                 </a:stretch>
@@ -11980,7 +12000,7 @@
         </mc:AlternateContent>
         <mc:AlternateContent xmlns:mc="http://schemas.openxmlformats.org/markup-compatibility/2006" xmlns:p14="http://schemas.microsoft.com/office/powerpoint/2010/main">
           <mc:Choice Requires="p14">
-            <p:contentPart p14:bwMode="auto" r:id="rId131">
+            <p:contentPart p14:bwMode="auto" r:id="rId132">
               <p14:nvContentPartPr>
                 <p14:cNvPr id="179" name="Ink 178">
                   <a:extLst>
@@ -12012,7 +12032,7 @@
                 <p:nvPr/>
               </p:nvPicPr>
               <p:blipFill>
-                <a:blip r:embed="rId132"/>
+                <a:blip r:embed="rId133"/>
                 <a:stretch>
                   <a:fillRect/>
                 </a:stretch>
@@ -12031,7 +12051,7 @@
         </mc:AlternateContent>
         <mc:AlternateContent xmlns:mc="http://schemas.openxmlformats.org/markup-compatibility/2006" xmlns:p14="http://schemas.microsoft.com/office/powerpoint/2010/main">
           <mc:Choice Requires="p14">
-            <p:contentPart p14:bwMode="auto" r:id="rId133">
+            <p:contentPart p14:bwMode="auto" r:id="rId134">
               <p14:nvContentPartPr>
                 <p14:cNvPr id="181" name="Ink 180">
                   <a:extLst>
@@ -12063,7 +12083,7 @@
                 <p:nvPr/>
               </p:nvPicPr>
               <p:blipFill>
-                <a:blip r:embed="rId134"/>
+                <a:blip r:embed="rId135"/>
                 <a:stretch>
                   <a:fillRect/>
                 </a:stretch>
@@ -12082,7 +12102,7 @@
         </mc:AlternateContent>
         <mc:AlternateContent xmlns:mc="http://schemas.openxmlformats.org/markup-compatibility/2006" xmlns:p14="http://schemas.microsoft.com/office/powerpoint/2010/main">
           <mc:Choice Requires="p14">
-            <p:contentPart p14:bwMode="auto" r:id="rId135">
+            <p:contentPart p14:bwMode="auto" r:id="rId136">
               <p14:nvContentPartPr>
                 <p14:cNvPr id="183" name="Ink 182">
                   <a:extLst>
@@ -12114,7 +12134,7 @@
                 <p:nvPr/>
               </p:nvPicPr>
               <p:blipFill>
-                <a:blip r:embed="rId136"/>
+                <a:blip r:embed="rId137"/>
                 <a:stretch>
                   <a:fillRect/>
                 </a:stretch>
@@ -12133,7 +12153,7 @@
         </mc:AlternateContent>
         <mc:AlternateContent xmlns:mc="http://schemas.openxmlformats.org/markup-compatibility/2006" xmlns:p14="http://schemas.microsoft.com/office/powerpoint/2010/main">
           <mc:Choice Requires="p14">
-            <p:contentPart p14:bwMode="auto" r:id="rId137">
+            <p:contentPart p14:bwMode="auto" r:id="rId138">
               <p14:nvContentPartPr>
                 <p14:cNvPr id="185" name="Ink 184">
                   <a:extLst>
@@ -12165,7 +12185,7 @@
                 <p:nvPr/>
               </p:nvPicPr>
               <p:blipFill>
-                <a:blip r:embed="rId138"/>
+                <a:blip r:embed="rId139"/>
                 <a:stretch>
                   <a:fillRect/>
                 </a:stretch>
@@ -12184,7 +12204,7 @@
         </mc:AlternateContent>
         <mc:AlternateContent xmlns:mc="http://schemas.openxmlformats.org/markup-compatibility/2006" xmlns:p14="http://schemas.microsoft.com/office/powerpoint/2010/main">
           <mc:Choice Requires="p14">
-            <p:contentPart p14:bwMode="auto" r:id="rId139">
+            <p:contentPart p14:bwMode="auto" r:id="rId140">
               <p14:nvContentPartPr>
                 <p14:cNvPr id="187" name="Ink 186">
                   <a:extLst>
@@ -12216,7 +12236,7 @@
                 <p:nvPr/>
               </p:nvPicPr>
               <p:blipFill>
-                <a:blip r:embed="rId140"/>
+                <a:blip r:embed="rId141"/>
                 <a:stretch>
                   <a:fillRect/>
                 </a:stretch>
@@ -12235,7 +12255,7 @@
         </mc:AlternateContent>
         <mc:AlternateContent xmlns:mc="http://schemas.openxmlformats.org/markup-compatibility/2006" xmlns:p14="http://schemas.microsoft.com/office/powerpoint/2010/main">
           <mc:Choice Requires="p14">
-            <p:contentPart p14:bwMode="auto" r:id="rId141">
+            <p:contentPart p14:bwMode="auto" r:id="rId142">
               <p14:nvContentPartPr>
                 <p14:cNvPr id="189" name="Ink 188">
                   <a:extLst>
@@ -12267,7 +12287,7 @@
                 <p:nvPr/>
               </p:nvPicPr>
               <p:blipFill>
-                <a:blip r:embed="rId142"/>
+                <a:blip r:embed="rId143"/>
                 <a:stretch>
                   <a:fillRect/>
                 </a:stretch>
@@ -12286,7 +12306,7 @@
         </mc:AlternateContent>
         <mc:AlternateContent xmlns:mc="http://schemas.openxmlformats.org/markup-compatibility/2006" xmlns:p14="http://schemas.microsoft.com/office/powerpoint/2010/main">
           <mc:Choice Requires="p14">
-            <p:contentPart p14:bwMode="auto" r:id="rId143">
+            <p:contentPart p14:bwMode="auto" r:id="rId144">
               <p14:nvContentPartPr>
                 <p14:cNvPr id="191" name="Ink 190">
                   <a:extLst>
@@ -12318,7 +12338,7 @@
                 <p:nvPr/>
               </p:nvPicPr>
               <p:blipFill>
-                <a:blip r:embed="rId144"/>
+                <a:blip r:embed="rId145"/>
                 <a:stretch>
                   <a:fillRect/>
                 </a:stretch>
@@ -12358,7 +12378,7 @@
         </p:grpSpPr>
         <mc:AlternateContent xmlns:mc="http://schemas.openxmlformats.org/markup-compatibility/2006" xmlns:p14="http://schemas.microsoft.com/office/powerpoint/2010/main">
           <mc:Choice Requires="p14">
-            <p:contentPart p14:bwMode="auto" r:id="rId145">
+            <p:contentPart p14:bwMode="auto" r:id="rId146">
               <p14:nvContentPartPr>
                 <p14:cNvPr id="194" name="Ink 193">
                   <a:extLst>
@@ -12409,7 +12429,7 @@
         </mc:AlternateContent>
         <mc:AlternateContent xmlns:mc="http://schemas.openxmlformats.org/markup-compatibility/2006" xmlns:p14="http://schemas.microsoft.com/office/powerpoint/2010/main">
           <mc:Choice Requires="p14">
-            <p:contentPart p14:bwMode="auto" r:id="rId146">
+            <p:contentPart p14:bwMode="auto" r:id="rId147">
               <p14:nvContentPartPr>
                 <p14:cNvPr id="195" name="Ink 194">
                   <a:extLst>
@@ -12460,7 +12480,7 @@
         </mc:AlternateContent>
         <mc:AlternateContent xmlns:mc="http://schemas.openxmlformats.org/markup-compatibility/2006" xmlns:p14="http://schemas.microsoft.com/office/powerpoint/2010/main">
           <mc:Choice Requires="p14">
-            <p:contentPart p14:bwMode="auto" r:id="rId147">
+            <p:contentPart p14:bwMode="auto" r:id="rId148">
               <p14:nvContentPartPr>
                 <p14:cNvPr id="196" name="Ink 195">
                   <a:extLst>
@@ -12511,7 +12531,7 @@
         </mc:AlternateContent>
         <mc:AlternateContent xmlns:mc="http://schemas.openxmlformats.org/markup-compatibility/2006" xmlns:p14="http://schemas.microsoft.com/office/powerpoint/2010/main">
           <mc:Choice Requires="p14">
-            <p:contentPart p14:bwMode="auto" r:id="rId148">
+            <p:contentPart p14:bwMode="auto" r:id="rId149">
               <p14:nvContentPartPr>
                 <p14:cNvPr id="197" name="Ink 196">
                   <a:extLst>
@@ -12562,7 +12582,7 @@
         </mc:AlternateContent>
         <mc:AlternateContent xmlns:mc="http://schemas.openxmlformats.org/markup-compatibility/2006" xmlns:p14="http://schemas.microsoft.com/office/powerpoint/2010/main">
           <mc:Choice Requires="p14">
-            <p:contentPart p14:bwMode="auto" r:id="rId149">
+            <p:contentPart p14:bwMode="auto" r:id="rId150">
               <p14:nvContentPartPr>
                 <p14:cNvPr id="198" name="Ink 197">
                   <a:extLst>
@@ -12613,7 +12633,7 @@
         </mc:AlternateContent>
         <mc:AlternateContent xmlns:mc="http://schemas.openxmlformats.org/markup-compatibility/2006" xmlns:p14="http://schemas.microsoft.com/office/powerpoint/2010/main">
           <mc:Choice Requires="p14">
-            <p:contentPart p14:bwMode="auto" r:id="rId150">
+            <p:contentPart p14:bwMode="auto" r:id="rId151">
               <p14:nvContentPartPr>
                 <p14:cNvPr id="199" name="Ink 198">
                   <a:extLst>
@@ -12664,7 +12684,7 @@
         </mc:AlternateContent>
         <mc:AlternateContent xmlns:mc="http://schemas.openxmlformats.org/markup-compatibility/2006" xmlns:p14="http://schemas.microsoft.com/office/powerpoint/2010/main">
           <mc:Choice Requires="p14">
-            <p:contentPart p14:bwMode="auto" r:id="rId151">
+            <p:contentPart p14:bwMode="auto" r:id="rId152">
               <p14:nvContentPartPr>
                 <p14:cNvPr id="200" name="Ink 199">
                   <a:extLst>
@@ -12715,7 +12735,7 @@
         </mc:AlternateContent>
         <mc:AlternateContent xmlns:mc="http://schemas.openxmlformats.org/markup-compatibility/2006" xmlns:p14="http://schemas.microsoft.com/office/powerpoint/2010/main">
           <mc:Choice Requires="p14">
-            <p:contentPart p14:bwMode="auto" r:id="rId152">
+            <p:contentPart p14:bwMode="auto" r:id="rId153">
               <p14:nvContentPartPr>
                 <p14:cNvPr id="201" name="Ink 200">
                   <a:extLst>
@@ -12766,7 +12786,7 @@
         </mc:AlternateContent>
         <mc:AlternateContent xmlns:mc="http://schemas.openxmlformats.org/markup-compatibility/2006" xmlns:p14="http://schemas.microsoft.com/office/powerpoint/2010/main">
           <mc:Choice Requires="p14">
-            <p:contentPart p14:bwMode="auto" r:id="rId153">
+            <p:contentPart p14:bwMode="auto" r:id="rId154">
               <p14:nvContentPartPr>
                 <p14:cNvPr id="202" name="Ink 201">
                   <a:extLst>
@@ -12817,7 +12837,7 @@
         </mc:AlternateContent>
         <mc:AlternateContent xmlns:mc="http://schemas.openxmlformats.org/markup-compatibility/2006" xmlns:p14="http://schemas.microsoft.com/office/powerpoint/2010/main">
           <mc:Choice Requires="p14">
-            <p:contentPart p14:bwMode="auto" r:id="rId154">
+            <p:contentPart p14:bwMode="auto" r:id="rId155">
               <p14:nvContentPartPr>
                 <p14:cNvPr id="203" name="Ink 202">
                   <a:extLst>
@@ -12868,7 +12888,7 @@
         </mc:AlternateContent>
         <mc:AlternateContent xmlns:mc="http://schemas.openxmlformats.org/markup-compatibility/2006" xmlns:p14="http://schemas.microsoft.com/office/powerpoint/2010/main">
           <mc:Choice Requires="p14">
-            <p:contentPart p14:bwMode="auto" r:id="rId155">
+            <p:contentPart p14:bwMode="auto" r:id="rId156">
               <p14:nvContentPartPr>
                 <p14:cNvPr id="204" name="Ink 203">
                   <a:extLst>
@@ -12919,7 +12939,7 @@
         </mc:AlternateContent>
         <mc:AlternateContent xmlns:mc="http://schemas.openxmlformats.org/markup-compatibility/2006" xmlns:p14="http://schemas.microsoft.com/office/powerpoint/2010/main">
           <mc:Choice Requires="p14">
-            <p:contentPart p14:bwMode="auto" r:id="rId156">
+            <p:contentPart p14:bwMode="auto" r:id="rId157">
               <p14:nvContentPartPr>
                 <p14:cNvPr id="205" name="Ink 204">
                   <a:extLst>
@@ -12970,7 +12990,7 @@
         </mc:AlternateContent>
         <mc:AlternateContent xmlns:mc="http://schemas.openxmlformats.org/markup-compatibility/2006" xmlns:p14="http://schemas.microsoft.com/office/powerpoint/2010/main">
           <mc:Choice Requires="p14">
-            <p:contentPart p14:bwMode="auto" r:id="rId157">
+            <p:contentPart p14:bwMode="auto" r:id="rId158">
               <p14:nvContentPartPr>
                 <p14:cNvPr id="206" name="Ink 205">
                   <a:extLst>
@@ -13021,7 +13041,7 @@
         </mc:AlternateContent>
         <mc:AlternateContent xmlns:mc="http://schemas.openxmlformats.org/markup-compatibility/2006" xmlns:p14="http://schemas.microsoft.com/office/powerpoint/2010/main">
           <mc:Choice Requires="p14">
-            <p:contentPart p14:bwMode="auto" r:id="rId158">
+            <p:contentPart p14:bwMode="auto" r:id="rId159">
               <p14:nvContentPartPr>
                 <p14:cNvPr id="207" name="Ink 206">
                   <a:extLst>
@@ -13086,7 +13106,7 @@
         <p:spPr>
           <a:xfrm>
             <a:off x="2494124" y="8194032"/>
-            <a:ext cx="1128707" cy="369332"/>
+            <a:ext cx="1107996" cy="338554"/>
           </a:xfrm>
           <a:prstGeom prst="rect">
             <a:avLst/>
@@ -13100,10 +13120,12 @@
           <a:lstStyle/>
           <a:p>
             <a:r>
-              <a:rPr lang="en-US" b="1" dirty="0">
+              <a:rPr lang="en-US" sz="1600" b="1" dirty="0">
                 <a:solidFill>
-                  <a:srgbClr val="0070C0"/>
+                  <a:srgbClr val="347FB5"/>
                 </a:solidFill>
+                <a:latin typeface="Source Sans Pro" panose="020B0503030403020204" pitchFamily="34" charset="0"/>
+                <a:ea typeface="Source Sans Pro" panose="020B0503030403020204" pitchFamily="34" charset="0"/>
               </a:rPr>
               <a:t>Effect size</a:t>
             </a:r>
@@ -13125,7 +13147,7 @@
         <p:spPr>
           <a:xfrm>
             <a:off x="3890379" y="5624799"/>
-            <a:ext cx="1881008" cy="1477328"/>
+            <a:ext cx="1881008" cy="1323439"/>
           </a:xfrm>
           <a:prstGeom prst="rect">
             <a:avLst/>
@@ -13139,10 +13161,12 @@
           <a:lstStyle/>
           <a:p>
             <a:r>
-              <a:rPr lang="en-US" b="1" dirty="0">
+              <a:rPr lang="en-US" sz="1600" b="1" dirty="0">
                 <a:solidFill>
-                  <a:srgbClr val="92D050"/>
+                  <a:srgbClr val="7D943C"/>
                 </a:solidFill>
+                <a:latin typeface="Source Sans Pro" panose="020B0503030403020204" pitchFamily="34" charset="0"/>
+                <a:ea typeface="Source Sans Pro" panose="020B0503030403020204" pitchFamily="34" charset="0"/>
               </a:rPr>
               <a:t>Power is the proportion of significant effects given a true known effect</a:t>
             </a:r>
@@ -13163,8 +13187,8 @@
         </p:nvSpPr>
         <p:spPr>
           <a:xfrm rot="16200000">
-            <a:off x="173806" y="2775990"/>
-            <a:ext cx="1195648" cy="369332"/>
+            <a:off x="145497" y="2775990"/>
+            <a:ext cx="1252266" cy="369332"/>
           </a:xfrm>
           <a:prstGeom prst="rect">
             <a:avLst/>
@@ -13178,7 +13202,10 @@
           <a:lstStyle/>
           <a:p>
             <a:r>
-              <a:rPr lang="en-US" dirty="0"/>
+              <a:rPr lang="en-US" dirty="0">
+                <a:latin typeface="Source Sans Pro" panose="020B0503030403020204" pitchFamily="34" charset="0"/>
+                <a:ea typeface="Source Sans Pro" panose="020B0503030403020204" pitchFamily="34" charset="0"/>
+              </a:rPr>
               <a:t>Probability</a:t>
             </a:r>
           </a:p>
@@ -13199,7 +13226,7 @@
         <p:spPr>
           <a:xfrm>
             <a:off x="4227870" y="2057220"/>
-            <a:ext cx="1608044" cy="923330"/>
+            <a:ext cx="1608044" cy="830997"/>
           </a:xfrm>
           <a:prstGeom prst="rect">
             <a:avLst/>
@@ -13213,19 +13240,21 @@
           <a:lstStyle/>
           <a:p>
             <a:r>
-              <a:rPr lang="en-US" b="1" dirty="0">
+              <a:rPr lang="en-US" sz="1600" b="1" dirty="0">
                 <a:solidFill>
-                  <a:srgbClr val="FF9300"/>
+                  <a:srgbClr val="A88333"/>
                 </a:solidFill>
+                <a:latin typeface="Source Sans Pro" panose="020B0503030403020204" pitchFamily="34" charset="0"/>
+                <a:ea typeface="Source Sans Pro" panose="020B0503030403020204" pitchFamily="34" charset="0"/>
               </a:rPr>
               <a:t>Significant effects under the null</a:t>
             </a:r>
           </a:p>
         </p:txBody>
       </p:sp>
-      <mc:AlternateContent xmlns:mc="http://schemas.openxmlformats.org/markup-compatibility/2006" xmlns:p14="http://schemas.microsoft.com/office/powerpoint/2010/main">
-        <mc:Choice Requires="p14">
-          <p:contentPart p14:bwMode="auto" r:id="rId159">
+      <mc:AlternateContent xmlns:mc="http://schemas.openxmlformats.org/markup-compatibility/2006">
+        <mc:Choice xmlns:p14="http://schemas.microsoft.com/office/powerpoint/2010/main" Requires="p14">
+          <p:contentPart p14:bwMode="auto" r:id="rId160">
             <p14:nvContentPartPr>
               <p14:cNvPr id="233" name="Ink 232">
                 <a:extLst>
@@ -13243,7 +13272,7 @@
             </p14:xfrm>
           </p:contentPart>
         </mc:Choice>
-        <mc:Fallback xmlns="">
+        <mc:Fallback>
           <p:pic>
             <p:nvPicPr>
               <p:cNvPr id="233" name="Ink 232">
@@ -13257,15 +13286,15 @@
               <p:nvPr/>
             </p:nvPicPr>
             <p:blipFill>
-              <a:blip r:embed="rId160"/>
+              <a:blip r:embed="rId161"/>
               <a:stretch>
                 <a:fillRect/>
               </a:stretch>
             </p:blipFill>
             <p:spPr>
               <a:xfrm>
-                <a:off x="2558331" y="5842183"/>
-                <a:ext cx="1323720" cy="476280"/>
+                <a:off x="2558331" y="5841808"/>
+                <a:ext cx="1323720" cy="476309"/>
               </a:xfrm>
               <a:prstGeom prst="rect">
                 <a:avLst/>
@@ -13274,9 +13303,9 @@
           </p:pic>
         </mc:Fallback>
       </mc:AlternateContent>
-      <mc:AlternateContent xmlns:mc="http://schemas.openxmlformats.org/markup-compatibility/2006" xmlns:p14="http://schemas.microsoft.com/office/powerpoint/2010/main">
-        <mc:Choice Requires="p14">
-          <p:contentPart p14:bwMode="auto" r:id="rId161">
+      <mc:AlternateContent xmlns:mc="http://schemas.openxmlformats.org/markup-compatibility/2006">
+        <mc:Choice xmlns:p14="http://schemas.microsoft.com/office/powerpoint/2010/main" Requires="p14">
+          <p:contentPart p14:bwMode="auto" r:id="rId162">
             <p14:nvContentPartPr>
               <p14:cNvPr id="234" name="Ink 233">
                 <a:extLst>
@@ -13294,7 +13323,7 @@
             </p14:xfrm>
           </p:contentPart>
         </mc:Choice>
-        <mc:Fallback xmlns="">
+        <mc:Fallback>
           <p:pic>
             <p:nvPicPr>
               <p:cNvPr id="234" name="Ink 233">
@@ -13308,15 +13337,15 @@
               <p:nvPr/>
             </p:nvPicPr>
             <p:blipFill>
-              <a:blip r:embed="rId162"/>
+              <a:blip r:embed="rId163"/>
               <a:stretch>
                 <a:fillRect/>
               </a:stretch>
             </p:blipFill>
             <p:spPr>
               <a:xfrm>
-                <a:off x="4811931" y="2964703"/>
-                <a:ext cx="243000" cy="761040"/>
+                <a:off x="4811540" y="2964703"/>
+                <a:ext cx="243062" cy="761040"/>
               </a:xfrm>
               <a:prstGeom prst="rect">
                 <a:avLst/>
@@ -13325,9 +13354,9 @@
           </p:pic>
         </mc:Fallback>
       </mc:AlternateContent>
-      <mc:AlternateContent xmlns:mc="http://schemas.openxmlformats.org/markup-compatibility/2006" xmlns:p14="http://schemas.microsoft.com/office/powerpoint/2010/main">
-        <mc:Choice Requires="p14">
-          <p:contentPart p14:bwMode="auto" r:id="rId163">
+      <mc:AlternateContent xmlns:mc="http://schemas.openxmlformats.org/markup-compatibility/2006">
+        <mc:Choice xmlns:p14="http://schemas.microsoft.com/office/powerpoint/2010/main" Requires="p14">
+          <p:contentPart p14:bwMode="auto" r:id="rId164">
             <p14:nvContentPartPr>
               <p14:cNvPr id="235" name="Ink 234">
                 <a:extLst>
@@ -13345,7 +13374,7 @@
             </p14:xfrm>
           </p:contentPart>
         </mc:Choice>
-        <mc:Fallback xmlns="">
+        <mc:Fallback>
           <p:pic>
             <p:nvPicPr>
               <p:cNvPr id="235" name="Ink 234">
@@ -13359,14 +13388,14 @@
               <p:nvPr/>
             </p:nvPicPr>
             <p:blipFill>
-              <a:blip r:embed="rId164"/>
+              <a:blip r:embed="rId165"/>
               <a:stretch>
                 <a:fillRect/>
               </a:stretch>
             </p:blipFill>
             <p:spPr>
               <a:xfrm>
-                <a:off x="2568411" y="2977663"/>
+                <a:off x="2568411" y="2977303"/>
                 <a:ext cx="1763640" cy="953640"/>
               </a:xfrm>
               <a:prstGeom prst="rect">
@@ -13378,7 +13407,7 @@
       </mc:AlternateContent>
       <mc:AlternateContent xmlns:mc="http://schemas.openxmlformats.org/markup-compatibility/2006" xmlns:p14="http://schemas.microsoft.com/office/powerpoint/2010/main">
         <mc:Choice Requires="p14">
-          <p:contentPart p14:bwMode="auto" r:id="rId165">
+          <p:contentPart p14:bwMode="auto" r:id="rId166">
             <p14:nvContentPartPr>
               <p14:cNvPr id="238" name="Ink 237">
                 <a:extLst>
@@ -13429,7 +13458,7 @@
       </mc:AlternateContent>
       <mc:AlternateContent xmlns:mc="http://schemas.openxmlformats.org/markup-compatibility/2006" xmlns:p14="http://schemas.microsoft.com/office/powerpoint/2010/main">
         <mc:Choice Requires="p14">
-          <p:contentPart p14:bwMode="auto" r:id="rId166">
+          <p:contentPart p14:bwMode="auto" r:id="rId167">
             <p14:nvContentPartPr>
               <p14:cNvPr id="239" name="Ink 238">
                 <a:extLst>
@@ -13480,7 +13509,7 @@
       </mc:AlternateContent>
       <mc:AlternateContent xmlns:mc="http://schemas.openxmlformats.org/markup-compatibility/2006" xmlns:p14="http://schemas.microsoft.com/office/powerpoint/2010/main">
         <mc:Choice Requires="p14">
-          <p:contentPart p14:bwMode="auto" r:id="rId167">
+          <p:contentPart p14:bwMode="auto" r:id="rId168">
             <p14:nvContentPartPr>
               <p14:cNvPr id="240" name="Ink 239">
                 <a:extLst>
@@ -13531,7 +13560,7 @@
       </mc:AlternateContent>
       <mc:AlternateContent xmlns:mc="http://schemas.openxmlformats.org/markup-compatibility/2006" xmlns:p14="http://schemas.microsoft.com/office/powerpoint/2010/main">
         <mc:Choice Requires="p14">
-          <p:contentPart p14:bwMode="auto" r:id="rId168">
+          <p:contentPart p14:bwMode="auto" r:id="rId169">
             <p14:nvContentPartPr>
               <p14:cNvPr id="241" name="Ink 240">
                 <a:extLst>
@@ -13582,7 +13611,7 @@
       </mc:AlternateContent>
       <mc:AlternateContent xmlns:mc="http://schemas.openxmlformats.org/markup-compatibility/2006" xmlns:p14="http://schemas.microsoft.com/office/powerpoint/2010/main">
         <mc:Choice Requires="p14">
-          <p:contentPart p14:bwMode="auto" r:id="rId169">
+          <p:contentPart p14:bwMode="auto" r:id="rId170">
             <p14:nvContentPartPr>
               <p14:cNvPr id="242" name="Ink 241">
                 <a:extLst>
@@ -13633,7 +13662,7 @@
       </mc:AlternateContent>
       <mc:AlternateContent xmlns:mc="http://schemas.openxmlformats.org/markup-compatibility/2006" xmlns:p14="http://schemas.microsoft.com/office/powerpoint/2010/main">
         <mc:Choice Requires="p14">
-          <p:contentPart p14:bwMode="auto" r:id="rId170">
+          <p:contentPart p14:bwMode="auto" r:id="rId171">
             <p14:nvContentPartPr>
               <p14:cNvPr id="243" name="Ink 242">
                 <a:extLst>
@@ -13704,7 +13733,7 @@
         </p:grpSpPr>
         <mc:AlternateContent xmlns:mc="http://schemas.openxmlformats.org/markup-compatibility/2006" xmlns:p14="http://schemas.microsoft.com/office/powerpoint/2010/main">
           <mc:Choice Requires="p14">
-            <p:contentPart p14:bwMode="auto" r:id="rId171">
+            <p:contentPart p14:bwMode="auto" r:id="rId172">
               <p14:nvContentPartPr>
                 <p14:cNvPr id="247" name="Ink 246">
                   <a:extLst>
@@ -13755,7 +13784,7 @@
         </mc:AlternateContent>
         <mc:AlternateContent xmlns:mc="http://schemas.openxmlformats.org/markup-compatibility/2006" xmlns:p14="http://schemas.microsoft.com/office/powerpoint/2010/main">
           <mc:Choice Requires="p14">
-            <p:contentPart p14:bwMode="auto" r:id="rId172">
+            <p:contentPart p14:bwMode="auto" r:id="rId173">
               <p14:nvContentPartPr>
                 <p14:cNvPr id="248" name="Ink 247">
                   <a:extLst>
@@ -13806,7 +13835,7 @@
         </mc:AlternateContent>
         <mc:AlternateContent xmlns:mc="http://schemas.openxmlformats.org/markup-compatibility/2006" xmlns:p14="http://schemas.microsoft.com/office/powerpoint/2010/main">
           <mc:Choice Requires="p14">
-            <p:contentPart p14:bwMode="auto" r:id="rId173">
+            <p:contentPart p14:bwMode="auto" r:id="rId174">
               <p14:nvContentPartPr>
                 <p14:cNvPr id="249" name="Ink 248">
                   <a:extLst>
@@ -13857,7 +13886,7 @@
         </mc:AlternateContent>
         <mc:AlternateContent xmlns:mc="http://schemas.openxmlformats.org/markup-compatibility/2006" xmlns:p14="http://schemas.microsoft.com/office/powerpoint/2010/main">
           <mc:Choice Requires="p14">
-            <p:contentPart p14:bwMode="auto" r:id="rId174">
+            <p:contentPart p14:bwMode="auto" r:id="rId175">
               <p14:nvContentPartPr>
                 <p14:cNvPr id="250" name="Ink 249">
                   <a:extLst>
@@ -13908,7 +13937,7 @@
         </mc:AlternateContent>
         <mc:AlternateContent xmlns:mc="http://schemas.openxmlformats.org/markup-compatibility/2006" xmlns:p14="http://schemas.microsoft.com/office/powerpoint/2010/main">
           <mc:Choice Requires="p14">
-            <p:contentPart p14:bwMode="auto" r:id="rId175">
+            <p:contentPart p14:bwMode="auto" r:id="rId176">
               <p14:nvContentPartPr>
                 <p14:cNvPr id="251" name="Ink 250">
                   <a:extLst>
@@ -13959,7 +13988,7 @@
         </mc:AlternateContent>
         <mc:AlternateContent xmlns:mc="http://schemas.openxmlformats.org/markup-compatibility/2006" xmlns:p14="http://schemas.microsoft.com/office/powerpoint/2010/main">
           <mc:Choice Requires="p14">
-            <p:contentPart p14:bwMode="auto" r:id="rId176">
+            <p:contentPart p14:bwMode="auto" r:id="rId177">
               <p14:nvContentPartPr>
                 <p14:cNvPr id="252" name="Ink 251">
                   <a:extLst>
@@ -14010,7 +14039,7 @@
         </mc:AlternateContent>
         <mc:AlternateContent xmlns:mc="http://schemas.openxmlformats.org/markup-compatibility/2006" xmlns:p14="http://schemas.microsoft.com/office/powerpoint/2010/main">
           <mc:Choice Requires="p14">
-            <p:contentPart p14:bwMode="auto" r:id="rId177">
+            <p:contentPart p14:bwMode="auto" r:id="rId178">
               <p14:nvContentPartPr>
                 <p14:cNvPr id="253" name="Ink 252">
                   <a:extLst>
@@ -14061,7 +14090,7 @@
         </mc:AlternateContent>
         <mc:AlternateContent xmlns:mc="http://schemas.openxmlformats.org/markup-compatibility/2006" xmlns:p14="http://schemas.microsoft.com/office/powerpoint/2010/main">
           <mc:Choice Requires="p14">
-            <p:contentPart p14:bwMode="auto" r:id="rId178">
+            <p:contentPart p14:bwMode="auto" r:id="rId179">
               <p14:nvContentPartPr>
                 <p14:cNvPr id="254" name="Ink 253">
                   <a:extLst>
@@ -14112,7 +14141,7 @@
         </mc:AlternateContent>
         <mc:AlternateContent xmlns:mc="http://schemas.openxmlformats.org/markup-compatibility/2006" xmlns:p14="http://schemas.microsoft.com/office/powerpoint/2010/main">
           <mc:Choice Requires="p14">
-            <p:contentPart p14:bwMode="auto" r:id="rId179">
+            <p:contentPart p14:bwMode="auto" r:id="rId180">
               <p14:nvContentPartPr>
                 <p14:cNvPr id="255" name="Ink 254">
                   <a:extLst>
@@ -14163,7 +14192,7 @@
         </mc:AlternateContent>
         <mc:AlternateContent xmlns:mc="http://schemas.openxmlformats.org/markup-compatibility/2006" xmlns:p14="http://schemas.microsoft.com/office/powerpoint/2010/main">
           <mc:Choice Requires="p14">
-            <p:contentPart p14:bwMode="auto" r:id="rId180">
+            <p:contentPart p14:bwMode="auto" r:id="rId181">
               <p14:nvContentPartPr>
                 <p14:cNvPr id="256" name="Ink 255">
                   <a:extLst>
@@ -14214,7 +14243,7 @@
         </mc:AlternateContent>
         <mc:AlternateContent xmlns:mc="http://schemas.openxmlformats.org/markup-compatibility/2006" xmlns:p14="http://schemas.microsoft.com/office/powerpoint/2010/main">
           <mc:Choice Requires="p14">
-            <p:contentPart p14:bwMode="auto" r:id="rId181">
+            <p:contentPart p14:bwMode="auto" r:id="rId182">
               <p14:nvContentPartPr>
                 <p14:cNvPr id="257" name="Ink 256">
                   <a:extLst>
@@ -14265,7 +14294,7 @@
         </mc:AlternateContent>
         <mc:AlternateContent xmlns:mc="http://schemas.openxmlformats.org/markup-compatibility/2006" xmlns:p14="http://schemas.microsoft.com/office/powerpoint/2010/main">
           <mc:Choice Requires="p14">
-            <p:contentPart p14:bwMode="auto" r:id="rId182">
+            <p:contentPart p14:bwMode="auto" r:id="rId183">
               <p14:nvContentPartPr>
                 <p14:cNvPr id="258" name="Ink 257">
                   <a:extLst>
@@ -14316,7 +14345,7 @@
         </mc:AlternateContent>
         <mc:AlternateContent xmlns:mc="http://schemas.openxmlformats.org/markup-compatibility/2006" xmlns:p14="http://schemas.microsoft.com/office/powerpoint/2010/main">
           <mc:Choice Requires="p14">
-            <p:contentPart p14:bwMode="auto" r:id="rId183">
+            <p:contentPart p14:bwMode="auto" r:id="rId184">
               <p14:nvContentPartPr>
                 <p14:cNvPr id="259" name="Ink 258">
                   <a:extLst>
@@ -14367,7 +14396,7 @@
         </mc:AlternateContent>
         <mc:AlternateContent xmlns:mc="http://schemas.openxmlformats.org/markup-compatibility/2006" xmlns:p14="http://schemas.microsoft.com/office/powerpoint/2010/main">
           <mc:Choice Requires="p14">
-            <p:contentPart p14:bwMode="auto" r:id="rId184">
+            <p:contentPart p14:bwMode="auto" r:id="rId185">
               <p14:nvContentPartPr>
                 <p14:cNvPr id="260" name="Ink 259">
                   <a:extLst>
@@ -14419,7 +14448,7 @@
       </p:grpSp>
       <mc:AlternateContent xmlns:mc="http://schemas.openxmlformats.org/markup-compatibility/2006" xmlns:p14="http://schemas.microsoft.com/office/powerpoint/2010/main">
         <mc:Choice Requires="p14">
-          <p:contentPart p14:bwMode="auto" r:id="rId185">
+          <p:contentPart p14:bwMode="auto" r:id="rId186">
             <p14:nvContentPartPr>
               <p14:cNvPr id="261" name="Ink 260">
                 <a:extLst>
@@ -14502,15 +14531,24 @@
           <a:p>
             <a:pPr algn="ctr"/>
             <a:r>
-              <a:rPr lang="en-US" dirty="0"/>
+              <a:rPr lang="en-US" dirty="0">
+                <a:latin typeface="Source Sans Pro" panose="020B0503030403020204" pitchFamily="34" charset="0"/>
+                <a:ea typeface="Source Sans Pro" panose="020B0503030403020204" pitchFamily="34" charset="0"/>
+              </a:rPr>
               <a:t>Distribution under null (H</a:t>
             </a:r>
             <a:r>
-              <a:rPr lang="en-US" baseline="-25000" dirty="0"/>
+              <a:rPr lang="en-US" baseline="-25000" dirty="0">
+                <a:latin typeface="Source Sans Pro" panose="020B0503030403020204" pitchFamily="34" charset="0"/>
+                <a:ea typeface="Source Sans Pro" panose="020B0503030403020204" pitchFamily="34" charset="0"/>
+              </a:rPr>
               <a:t>0</a:t>
             </a:r>
             <a:r>
-              <a:rPr lang="en-US" dirty="0"/>
+              <a:rPr lang="en-US" dirty="0">
+                <a:latin typeface="Source Sans Pro" panose="020B0503030403020204" pitchFamily="34" charset="0"/>
+                <a:ea typeface="Source Sans Pro" panose="020B0503030403020204" pitchFamily="34" charset="0"/>
+              </a:rPr>
               <a:t>)</a:t>
             </a:r>
           </a:p>
@@ -14546,15 +14584,24 @@
           <a:p>
             <a:pPr algn="ctr"/>
             <a:r>
-              <a:rPr lang="en-US" dirty="0"/>
+              <a:rPr lang="en-US" dirty="0">
+                <a:latin typeface="Source Sans Pro" panose="020B0503030403020204" pitchFamily="34" charset="0"/>
+                <a:ea typeface="Source Sans Pro" panose="020B0503030403020204" pitchFamily="34" charset="0"/>
+              </a:rPr>
               <a:t>Distribution under alternative (H</a:t>
             </a:r>
             <a:r>
-              <a:rPr lang="en-US" baseline="-25000" dirty="0"/>
+              <a:rPr lang="en-US" baseline="-25000" dirty="0">
+                <a:latin typeface="Source Sans Pro" panose="020B0503030403020204" pitchFamily="34" charset="0"/>
+                <a:ea typeface="Source Sans Pro" panose="020B0503030403020204" pitchFamily="34" charset="0"/>
+              </a:rPr>
               <a:t>1</a:t>
             </a:r>
             <a:r>
-              <a:rPr lang="en-US" dirty="0"/>
+              <a:rPr lang="en-US" dirty="0">
+                <a:latin typeface="Source Sans Pro" panose="020B0503030403020204" pitchFamily="34" charset="0"/>
+                <a:ea typeface="Source Sans Pro" panose="020B0503030403020204" pitchFamily="34" charset="0"/>
+              </a:rPr>
               <a:t>)</a:t>
             </a:r>
           </a:p>
@@ -14575,7 +14622,7 @@
         <p:spPr>
           <a:xfrm>
             <a:off x="1860883" y="513459"/>
-            <a:ext cx="2786084" cy="523220"/>
+            <a:ext cx="2989921" cy="523220"/>
           </a:xfrm>
           <a:prstGeom prst="rect">
             <a:avLst/>
@@ -14589,7 +14636,10 @@
           <a:lstStyle/>
           <a:p>
             <a:r>
-              <a:rPr lang="en-US" sz="2800" b="1" dirty="0"/>
+              <a:rPr lang="en-US" sz="2800" b="1" dirty="0">
+                <a:latin typeface="Source Sans Pro" panose="020B0503030403020204" pitchFamily="34" charset="0"/>
+                <a:ea typeface="Source Sans Pro" panose="020B0503030403020204" pitchFamily="34" charset="0"/>
+              </a:rPr>
               <a:t>Small sample size</a:t>
             </a:r>
           </a:p>
@@ -14610,7 +14660,7 @@
         <p:spPr>
           <a:xfrm>
             <a:off x="7629155" y="523588"/>
-            <a:ext cx="2899833" cy="523220"/>
+            <a:ext cx="3126177" cy="523220"/>
           </a:xfrm>
           <a:prstGeom prst="rect">
             <a:avLst/>
@@ -14624,7 +14674,10 @@
           <a:lstStyle/>
           <a:p>
             <a:r>
-              <a:rPr lang="en-US" sz="2800" b="1" dirty="0"/>
+              <a:rPr lang="en-US" sz="2800" b="1" dirty="0">
+                <a:latin typeface="Source Sans Pro" panose="020B0503030403020204" pitchFamily="34" charset="0"/>
+                <a:ea typeface="Source Sans Pro" panose="020B0503030403020204" pitchFamily="34" charset="0"/>
+              </a:rPr>
               <a:t>Larger sample size</a:t>
             </a:r>
           </a:p>
@@ -14632,7 +14685,7 @@
       </p:sp>
       <mc:AlternateContent xmlns:mc="http://schemas.openxmlformats.org/markup-compatibility/2006" xmlns:p14="http://schemas.microsoft.com/office/powerpoint/2010/main">
         <mc:Choice Requires="p14">
-          <p:contentPart p14:bwMode="auto" r:id="rId186">
+          <p:contentPart p14:bwMode="auto" r:id="rId187">
             <p14:nvContentPartPr>
               <p14:cNvPr id="357" name="Ink 356">
                 <a:extLst>
@@ -14707,7 +14760,7 @@
         </p:grpSpPr>
         <mc:AlternateContent xmlns:mc="http://schemas.openxmlformats.org/markup-compatibility/2006" xmlns:p14="http://schemas.microsoft.com/office/powerpoint/2010/main">
           <mc:Choice Requires="p14">
-            <p:contentPart p14:bwMode="auto" r:id="rId187">
+            <p:contentPart p14:bwMode="auto" r:id="rId188">
               <p14:nvContentPartPr>
                 <p14:cNvPr id="360" name="Ink 359">
                   <a:extLst>
@@ -14739,7 +14792,7 @@
                 <p:nvPr/>
               </p:nvPicPr>
               <p:blipFill>
-                <a:blip r:embed="rId188"/>
+                <a:blip r:embed="rId189"/>
                 <a:stretch>
                   <a:fillRect/>
                 </a:stretch>
@@ -14758,7 +14811,7 @@
         </mc:AlternateContent>
         <mc:AlternateContent xmlns:mc="http://schemas.openxmlformats.org/markup-compatibility/2006" xmlns:p14="http://schemas.microsoft.com/office/powerpoint/2010/main">
           <mc:Choice Requires="p14">
-            <p:contentPart p14:bwMode="auto" r:id="rId189">
+            <p:contentPart p14:bwMode="auto" r:id="rId190">
               <p14:nvContentPartPr>
                 <p14:cNvPr id="361" name="Ink 360">
                   <a:extLst>
@@ -14790,7 +14843,7 @@
                 <p:nvPr/>
               </p:nvPicPr>
               <p:blipFill>
-                <a:blip r:embed="rId190"/>
+                <a:blip r:embed="rId191"/>
                 <a:stretch>
                   <a:fillRect/>
                 </a:stretch>
@@ -14808,9 +14861,9 @@
           </mc:Fallback>
         </mc:AlternateContent>
       </p:grpSp>
-      <mc:AlternateContent xmlns:mc="http://schemas.openxmlformats.org/markup-compatibility/2006" xmlns:p14="http://schemas.microsoft.com/office/powerpoint/2010/main">
-        <mc:Choice Requires="p14">
-          <p:contentPart p14:bwMode="auto" r:id="rId191">
+      <mc:AlternateContent xmlns:mc="http://schemas.openxmlformats.org/markup-compatibility/2006">
+        <mc:Choice xmlns:p14="http://schemas.microsoft.com/office/powerpoint/2010/main" Requires="p14">
+          <p:contentPart p14:bwMode="auto" r:id="rId192">
             <p14:nvContentPartPr>
               <p14:cNvPr id="363" name="Ink 362">
                 <a:extLst>
@@ -14828,7 +14881,7 @@
             </p14:xfrm>
           </p:contentPart>
         </mc:Choice>
-        <mc:Fallback xmlns="">
+        <mc:Fallback>
           <p:pic>
             <p:nvPicPr>
               <p:cNvPr id="363" name="Ink 362">
@@ -14842,15 +14895,15 @@
               <p:nvPr/>
             </p:nvPicPr>
             <p:blipFill>
-              <a:blip r:embed="rId192"/>
+              <a:blip r:embed="rId193"/>
               <a:stretch>
                 <a:fillRect/>
               </a:stretch>
             </p:blipFill>
             <p:spPr>
               <a:xfrm>
-                <a:off x="9798791" y="3835457"/>
-                <a:ext cx="36000" cy="188280"/>
+                <a:off x="9798431" y="3835054"/>
+                <a:ext cx="36000" cy="188364"/>
               </a:xfrm>
               <a:prstGeom prst="rect">
                 <a:avLst/>
@@ -14859,9 +14912,9 @@
           </p:pic>
         </mc:Fallback>
       </mc:AlternateContent>
-      <mc:AlternateContent xmlns:mc="http://schemas.openxmlformats.org/markup-compatibility/2006" xmlns:p14="http://schemas.microsoft.com/office/powerpoint/2010/main">
-        <mc:Choice Requires="p14">
-          <p:contentPart p14:bwMode="auto" r:id="rId193">
+      <mc:AlternateContent xmlns:mc="http://schemas.openxmlformats.org/markup-compatibility/2006">
+        <mc:Choice xmlns:p14="http://schemas.microsoft.com/office/powerpoint/2010/main" Requires="p14">
+          <p:contentPart p14:bwMode="auto" r:id="rId194">
             <p14:nvContentPartPr>
               <p14:cNvPr id="364" name="Ink 363">
                 <a:extLst>
@@ -14879,7 +14932,7 @@
             </p14:xfrm>
           </p:contentPart>
         </mc:Choice>
-        <mc:Fallback xmlns="">
+        <mc:Fallback>
           <p:pic>
             <p:nvPicPr>
               <p:cNvPr id="364" name="Ink 363">
@@ -14893,14 +14946,14 @@
               <p:nvPr/>
             </p:nvPicPr>
             <p:blipFill>
-              <a:blip r:embed="rId194"/>
+              <a:blip r:embed="rId195"/>
               <a:stretch>
                 <a:fillRect/>
               </a:stretch>
             </p:blipFill>
             <p:spPr>
               <a:xfrm>
-                <a:off x="9879071" y="3906377"/>
+                <a:off x="9879071" y="3906017"/>
                 <a:ext cx="36000" cy="96120"/>
               </a:xfrm>
               <a:prstGeom prst="rect">
@@ -14910,9 +14963,9 @@
           </p:pic>
         </mc:Fallback>
       </mc:AlternateContent>
-      <mc:AlternateContent xmlns:mc="http://schemas.openxmlformats.org/markup-compatibility/2006" xmlns:p14="http://schemas.microsoft.com/office/powerpoint/2010/main">
-        <mc:Choice Requires="p14">
-          <p:contentPart p14:bwMode="auto" r:id="rId195">
+      <mc:AlternateContent xmlns:mc="http://schemas.openxmlformats.org/markup-compatibility/2006">
+        <mc:Choice xmlns:p14="http://schemas.microsoft.com/office/powerpoint/2010/main" Requires="p14">
+          <p:contentPart p14:bwMode="auto" r:id="rId196">
             <p14:nvContentPartPr>
               <p14:cNvPr id="365" name="Ink 364">
                 <a:extLst>
@@ -14930,7 +14983,7 @@
             </p14:xfrm>
           </p:contentPart>
         </mc:Choice>
-        <mc:Fallback xmlns="">
+        <mc:Fallback>
           <p:pic>
             <p:nvPicPr>
               <p:cNvPr id="365" name="Ink 364">
@@ -14944,15 +14997,15 @@
               <p:nvPr/>
             </p:nvPicPr>
             <p:blipFill>
-              <a:blip r:embed="rId196"/>
+              <a:blip r:embed="rId197"/>
               <a:stretch>
                 <a:fillRect/>
               </a:stretch>
             </p:blipFill>
             <p:spPr>
               <a:xfrm>
-                <a:off x="9963671" y="3945977"/>
-                <a:ext cx="38520" cy="64440"/>
+                <a:off x="9965671" y="3945617"/>
+                <a:ext cx="34560" cy="64440"/>
               </a:xfrm>
               <a:prstGeom prst="rect">
                 <a:avLst/>
@@ -14961,9 +15014,9 @@
           </p:pic>
         </mc:Fallback>
       </mc:AlternateContent>
-      <mc:AlternateContent xmlns:mc="http://schemas.openxmlformats.org/markup-compatibility/2006" xmlns:p14="http://schemas.microsoft.com/office/powerpoint/2010/main">
-        <mc:Choice Requires="p14">
-          <p:contentPart p14:bwMode="auto" r:id="rId197">
+      <mc:AlternateContent xmlns:mc="http://schemas.openxmlformats.org/markup-compatibility/2006">
+        <mc:Choice xmlns:p14="http://schemas.microsoft.com/office/powerpoint/2010/main" Requires="p14">
+          <p:contentPart p14:bwMode="auto" r:id="rId198">
             <p14:nvContentPartPr>
               <p14:cNvPr id="366" name="Ink 365">
                 <a:extLst>
@@ -14981,7 +15034,7 @@
             </p14:xfrm>
           </p:contentPart>
         </mc:Choice>
-        <mc:Fallback xmlns="">
+        <mc:Fallback>
           <p:pic>
             <p:nvPicPr>
               <p:cNvPr id="366" name="Ink 365">
@@ -14995,14 +15048,14 @@
               <p:nvPr/>
             </p:nvPicPr>
             <p:blipFill>
-              <a:blip r:embed="rId198"/>
+              <a:blip r:embed="rId199"/>
               <a:stretch>
                 <a:fillRect/>
               </a:stretch>
             </p:blipFill>
             <p:spPr>
               <a:xfrm>
-                <a:off x="8365271" y="4021937"/>
+                <a:off x="8365271" y="4021577"/>
                 <a:ext cx="36000" cy="36000"/>
               </a:xfrm>
               <a:prstGeom prst="rect">
@@ -15034,7 +15087,7 @@
         </p:grpSpPr>
         <mc:AlternateContent xmlns:mc="http://schemas.openxmlformats.org/markup-compatibility/2006" xmlns:p14="http://schemas.microsoft.com/office/powerpoint/2010/main">
           <mc:Choice Requires="p14">
-            <p:contentPart p14:bwMode="auto" r:id="rId199">
+            <p:contentPart p14:bwMode="auto" r:id="rId200">
               <p14:nvContentPartPr>
                 <p14:cNvPr id="367" name="Ink 366">
                   <a:extLst>
@@ -15066,7 +15119,7 @@
                 <p:nvPr/>
               </p:nvPicPr>
               <p:blipFill>
-                <a:blip r:embed="rId200"/>
+                <a:blip r:embed="rId201"/>
                 <a:stretch>
                   <a:fillRect/>
                 </a:stretch>
@@ -15085,7 +15138,7 @@
         </mc:AlternateContent>
         <mc:AlternateContent xmlns:mc="http://schemas.openxmlformats.org/markup-compatibility/2006" xmlns:p14="http://schemas.microsoft.com/office/powerpoint/2010/main">
           <mc:Choice Requires="p14">
-            <p:contentPart p14:bwMode="auto" r:id="rId201">
+            <p:contentPart p14:bwMode="auto" r:id="rId202">
               <p14:nvContentPartPr>
                 <p14:cNvPr id="368" name="Ink 367">
                   <a:extLst>
@@ -15117,7 +15170,7 @@
                 <p:nvPr/>
               </p:nvPicPr>
               <p:blipFill>
-                <a:blip r:embed="rId202"/>
+                <a:blip r:embed="rId203"/>
                 <a:stretch>
                   <a:fillRect/>
                 </a:stretch>
@@ -15136,7 +15189,7 @@
         </mc:AlternateContent>
         <mc:AlternateContent xmlns:mc="http://schemas.openxmlformats.org/markup-compatibility/2006" xmlns:p14="http://schemas.microsoft.com/office/powerpoint/2010/main">
           <mc:Choice Requires="p14">
-            <p:contentPart p14:bwMode="auto" r:id="rId203">
+            <p:contentPart p14:bwMode="auto" r:id="rId204">
               <p14:nvContentPartPr>
                 <p14:cNvPr id="370" name="Ink 369">
                   <a:extLst>
@@ -15168,7 +15221,7 @@
                 <p:nvPr/>
               </p:nvPicPr>
               <p:blipFill>
-                <a:blip r:embed="rId204"/>
+                <a:blip r:embed="rId205"/>
                 <a:stretch>
                   <a:fillRect/>
                 </a:stretch>
@@ -15187,7 +15240,7 @@
         </mc:AlternateContent>
         <mc:AlternateContent xmlns:mc="http://schemas.openxmlformats.org/markup-compatibility/2006" xmlns:p14="http://schemas.microsoft.com/office/powerpoint/2010/main">
           <mc:Choice Requires="p14">
-            <p:contentPart p14:bwMode="auto" r:id="rId205">
+            <p:contentPart p14:bwMode="auto" r:id="rId206">
               <p14:nvContentPartPr>
                 <p14:cNvPr id="372" name="Ink 371">
                   <a:extLst>
@@ -15219,7 +15272,7 @@
                 <p:nvPr/>
               </p:nvPicPr>
               <p:blipFill>
-                <a:blip r:embed="rId206"/>
+                <a:blip r:embed="rId207"/>
                 <a:stretch>
                   <a:fillRect/>
                 </a:stretch>
@@ -15238,7 +15291,7 @@
         </mc:AlternateContent>
         <mc:AlternateContent xmlns:mc="http://schemas.openxmlformats.org/markup-compatibility/2006" xmlns:p14="http://schemas.microsoft.com/office/powerpoint/2010/main">
           <mc:Choice Requires="p14">
-            <p:contentPart p14:bwMode="auto" r:id="rId207">
+            <p:contentPart p14:bwMode="auto" r:id="rId208">
               <p14:nvContentPartPr>
                 <p14:cNvPr id="374" name="Ink 373">
                   <a:extLst>
@@ -15270,7 +15323,7 @@
                 <p:nvPr/>
               </p:nvPicPr>
               <p:blipFill>
-                <a:blip r:embed="rId208"/>
+                <a:blip r:embed="rId209"/>
                 <a:stretch>
                   <a:fillRect/>
                 </a:stretch>
@@ -15289,7 +15342,7 @@
         </mc:AlternateContent>
         <mc:AlternateContent xmlns:mc="http://schemas.openxmlformats.org/markup-compatibility/2006" xmlns:p14="http://schemas.microsoft.com/office/powerpoint/2010/main">
           <mc:Choice Requires="p14">
-            <p:contentPart p14:bwMode="auto" r:id="rId209">
+            <p:contentPart p14:bwMode="auto" r:id="rId210">
               <p14:nvContentPartPr>
                 <p14:cNvPr id="376" name="Ink 375">
                   <a:extLst>
@@ -15321,7 +15374,7 @@
                 <p:nvPr/>
               </p:nvPicPr>
               <p:blipFill>
-                <a:blip r:embed="rId210"/>
+                <a:blip r:embed="rId211"/>
                 <a:stretch>
                   <a:fillRect/>
                 </a:stretch>
@@ -15340,7 +15393,7 @@
         </mc:AlternateContent>
         <mc:AlternateContent xmlns:mc="http://schemas.openxmlformats.org/markup-compatibility/2006" xmlns:p14="http://schemas.microsoft.com/office/powerpoint/2010/main">
           <mc:Choice Requires="p14">
-            <p:contentPart p14:bwMode="auto" r:id="rId211">
+            <p:contentPart p14:bwMode="auto" r:id="rId212">
               <p14:nvContentPartPr>
                 <p14:cNvPr id="378" name="Ink 377">
                   <a:extLst>
@@ -15372,7 +15425,7 @@
                 <p:nvPr/>
               </p:nvPicPr>
               <p:blipFill>
-                <a:blip r:embed="rId212"/>
+                <a:blip r:embed="rId213"/>
                 <a:stretch>
                   <a:fillRect/>
                 </a:stretch>
@@ -15390,9 +15443,9 @@
           </mc:Fallback>
         </mc:AlternateContent>
       </p:grpSp>
-      <mc:AlternateContent xmlns:mc="http://schemas.openxmlformats.org/markup-compatibility/2006" xmlns:p14="http://schemas.microsoft.com/office/powerpoint/2010/main">
-        <mc:Choice Requires="p14">
-          <p:contentPart p14:bwMode="auto" r:id="rId213">
+      <mc:AlternateContent xmlns:mc="http://schemas.openxmlformats.org/markup-compatibility/2006">
+        <mc:Choice xmlns:p14="http://schemas.microsoft.com/office/powerpoint/2010/main" Requires="p14">
+          <p:contentPart p14:bwMode="auto" r:id="rId214">
             <p14:nvContentPartPr>
               <p14:cNvPr id="380" name="Ink 379">
                 <a:extLst>
@@ -15410,7 +15463,7 @@
             </p14:xfrm>
           </p:contentPart>
         </mc:Choice>
-        <mc:Fallback xmlns="">
+        <mc:Fallback>
           <p:pic>
             <p:nvPicPr>
               <p:cNvPr id="380" name="Ink 379">
@@ -15424,14 +15477,14 @@
               <p:nvPr/>
             </p:nvPicPr>
             <p:blipFill>
-              <a:blip r:embed="rId214"/>
+              <a:blip r:embed="rId215"/>
               <a:stretch>
                 <a:fillRect/>
               </a:stretch>
             </p:blipFill>
             <p:spPr>
               <a:xfrm>
-                <a:off x="8231197" y="5752457"/>
+                <a:off x="8230837" y="5752097"/>
                 <a:ext cx="129960" cy="1907280"/>
               </a:xfrm>
               <a:prstGeom prst="rect">
@@ -15441,9 +15494,9 @@
           </p:pic>
         </mc:Fallback>
       </mc:AlternateContent>
-      <mc:AlternateContent xmlns:mc="http://schemas.openxmlformats.org/markup-compatibility/2006" xmlns:p14="http://schemas.microsoft.com/office/powerpoint/2010/main">
-        <mc:Choice Requires="p14">
-          <p:contentPart p14:bwMode="auto" r:id="rId215">
+      <mc:AlternateContent xmlns:mc="http://schemas.openxmlformats.org/markup-compatibility/2006">
+        <mc:Choice xmlns:p14="http://schemas.microsoft.com/office/powerpoint/2010/main" Requires="p14">
+          <p:contentPart p14:bwMode="auto" r:id="rId216">
             <p14:nvContentPartPr>
               <p14:cNvPr id="381" name="Ink 380">
                 <a:extLst>
@@ -15461,7 +15514,7 @@
             </p14:xfrm>
           </p:contentPart>
         </mc:Choice>
-        <mc:Fallback xmlns="">
+        <mc:Fallback>
           <p:pic>
             <p:nvPicPr>
               <p:cNvPr id="381" name="Ink 380">
@@ -15475,14 +15528,14 @@
               <p:nvPr/>
             </p:nvPicPr>
             <p:blipFill>
-              <a:blip r:embed="rId216"/>
+              <a:blip r:embed="rId217"/>
               <a:stretch>
                 <a:fillRect/>
               </a:stretch>
             </p:blipFill>
             <p:spPr>
               <a:xfrm>
-                <a:off x="8361517" y="5569577"/>
+                <a:off x="8361517" y="5569217"/>
                 <a:ext cx="93600" cy="2109600"/>
               </a:xfrm>
               <a:prstGeom prst="rect">
@@ -15492,9 +15545,9 @@
           </p:pic>
         </mc:Fallback>
       </mc:AlternateContent>
-      <mc:AlternateContent xmlns:mc="http://schemas.openxmlformats.org/markup-compatibility/2006" xmlns:p14="http://schemas.microsoft.com/office/powerpoint/2010/main">
-        <mc:Choice Requires="p14">
-          <p:contentPart p14:bwMode="auto" r:id="rId217">
+      <mc:AlternateContent xmlns:mc="http://schemas.openxmlformats.org/markup-compatibility/2006">
+        <mc:Choice xmlns:p14="http://schemas.microsoft.com/office/powerpoint/2010/main" Requires="p14">
+          <p:contentPart p14:bwMode="auto" r:id="rId218">
             <p14:nvContentPartPr>
               <p14:cNvPr id="382" name="Ink 381">
                 <a:extLst>
@@ -15512,7 +15565,7 @@
             </p14:xfrm>
           </p:contentPart>
         </mc:Choice>
-        <mc:Fallback xmlns="">
+        <mc:Fallback>
           <p:pic>
             <p:nvPicPr>
               <p:cNvPr id="382" name="Ink 381">
@@ -15526,7 +15579,7 @@
               <p:nvPr/>
             </p:nvPicPr>
             <p:blipFill>
-              <a:blip r:embed="rId218"/>
+              <a:blip r:embed="rId219"/>
               <a:stretch>
                 <a:fillRect/>
               </a:stretch>
@@ -15565,7 +15618,7 @@
         </p:grpSpPr>
         <mc:AlternateContent xmlns:mc="http://schemas.openxmlformats.org/markup-compatibility/2006" xmlns:p14="http://schemas.microsoft.com/office/powerpoint/2010/main">
           <mc:Choice Requires="p14">
-            <p:contentPart p14:bwMode="auto" r:id="rId219">
+            <p:contentPart p14:bwMode="auto" r:id="rId220">
               <p14:nvContentPartPr>
                 <p14:cNvPr id="275" name="Ink 274">
                   <a:extLst>
@@ -15597,7 +15650,7 @@
                 <p:nvPr/>
               </p:nvPicPr>
               <p:blipFill>
-                <a:blip r:embed="rId60"/>
+                <a:blip r:embed="rId221"/>
                 <a:stretch>
                   <a:fillRect/>
                 </a:stretch>
@@ -15616,7 +15669,7 @@
         </mc:AlternateContent>
         <mc:AlternateContent xmlns:mc="http://schemas.openxmlformats.org/markup-compatibility/2006" xmlns:p14="http://schemas.microsoft.com/office/powerpoint/2010/main">
           <mc:Choice Requires="p14">
-            <p:contentPart p14:bwMode="auto" r:id="rId220">
+            <p:contentPart p14:bwMode="auto" r:id="rId222">
               <p14:nvContentPartPr>
                 <p14:cNvPr id="276" name="Ink 275">
                   <a:extLst>
@@ -15648,7 +15701,7 @@
                 <p:nvPr/>
               </p:nvPicPr>
               <p:blipFill>
-                <a:blip r:embed="rId62"/>
+                <a:blip r:embed="rId223"/>
                 <a:stretch>
                   <a:fillRect/>
                 </a:stretch>
@@ -15667,7 +15720,7 @@
         </mc:AlternateContent>
         <mc:AlternateContent xmlns:mc="http://schemas.openxmlformats.org/markup-compatibility/2006" xmlns:p14="http://schemas.microsoft.com/office/powerpoint/2010/main">
           <mc:Choice Requires="p14">
-            <p:contentPart p14:bwMode="auto" r:id="rId221">
+            <p:contentPart p14:bwMode="auto" r:id="rId224">
               <p14:nvContentPartPr>
                 <p14:cNvPr id="277" name="Ink 276">
                   <a:extLst>
@@ -15699,7 +15752,7 @@
                 <p:nvPr/>
               </p:nvPicPr>
               <p:blipFill>
-                <a:blip r:embed="rId64"/>
+                <a:blip r:embed="rId225"/>
                 <a:stretch>
                   <a:fillRect/>
                 </a:stretch>
@@ -15718,7 +15771,7 @@
         </mc:AlternateContent>
         <mc:AlternateContent xmlns:mc="http://schemas.openxmlformats.org/markup-compatibility/2006" xmlns:p14="http://schemas.microsoft.com/office/powerpoint/2010/main">
           <mc:Choice Requires="p14">
-            <p:contentPart p14:bwMode="auto" r:id="rId222">
+            <p:contentPart p14:bwMode="auto" r:id="rId226">
               <p14:nvContentPartPr>
                 <p14:cNvPr id="278" name="Ink 277">
                   <a:extLst>
@@ -15750,7 +15803,7 @@
                 <p:nvPr/>
               </p:nvPicPr>
               <p:blipFill>
-                <a:blip r:embed="rId66"/>
+                <a:blip r:embed="rId227"/>
                 <a:stretch>
                   <a:fillRect/>
                 </a:stretch>
@@ -15769,7 +15822,7 @@
         </mc:AlternateContent>
         <mc:AlternateContent xmlns:mc="http://schemas.openxmlformats.org/markup-compatibility/2006" xmlns:p14="http://schemas.microsoft.com/office/powerpoint/2010/main">
           <mc:Choice Requires="p14">
-            <p:contentPart p14:bwMode="auto" r:id="rId223">
+            <p:contentPart p14:bwMode="auto" r:id="rId228">
               <p14:nvContentPartPr>
                 <p14:cNvPr id="279" name="Ink 278">
                   <a:extLst>
@@ -15801,7 +15854,7 @@
                 <p:nvPr/>
               </p:nvPicPr>
               <p:blipFill>
-                <a:blip r:embed="rId62"/>
+                <a:blip r:embed="rId223"/>
                 <a:stretch>
                   <a:fillRect/>
                 </a:stretch>
@@ -15820,7 +15873,7 @@
         </mc:AlternateContent>
         <mc:AlternateContent xmlns:mc="http://schemas.openxmlformats.org/markup-compatibility/2006" xmlns:p14="http://schemas.microsoft.com/office/powerpoint/2010/main">
           <mc:Choice Requires="p14">
-            <p:contentPart p14:bwMode="auto" r:id="rId224">
+            <p:contentPart p14:bwMode="auto" r:id="rId229">
               <p14:nvContentPartPr>
                 <p14:cNvPr id="280" name="Ink 279">
                   <a:extLst>
@@ -15852,7 +15905,7 @@
                 <p:nvPr/>
               </p:nvPicPr>
               <p:blipFill>
-                <a:blip r:embed="rId69"/>
+                <a:blip r:embed="rId230"/>
                 <a:stretch>
                   <a:fillRect/>
                 </a:stretch>
@@ -15871,7 +15924,7 @@
         </mc:AlternateContent>
         <mc:AlternateContent xmlns:mc="http://schemas.openxmlformats.org/markup-compatibility/2006" xmlns:p14="http://schemas.microsoft.com/office/powerpoint/2010/main">
           <mc:Choice Requires="p14">
-            <p:contentPart p14:bwMode="auto" r:id="rId225">
+            <p:contentPart p14:bwMode="auto" r:id="rId231">
               <p14:nvContentPartPr>
                 <p14:cNvPr id="281" name="Ink 280">
                   <a:extLst>
@@ -15903,7 +15956,7 @@
                 <p:nvPr/>
               </p:nvPicPr>
               <p:blipFill>
-                <a:blip r:embed="rId71"/>
+                <a:blip r:embed="rId232"/>
                 <a:stretch>
                   <a:fillRect/>
                 </a:stretch>
@@ -15922,7 +15975,7 @@
         </mc:AlternateContent>
         <mc:AlternateContent xmlns:mc="http://schemas.openxmlformats.org/markup-compatibility/2006" xmlns:p14="http://schemas.microsoft.com/office/powerpoint/2010/main">
           <mc:Choice Requires="p14">
-            <p:contentPart p14:bwMode="auto" r:id="rId226">
+            <p:contentPart p14:bwMode="auto" r:id="rId233">
               <p14:nvContentPartPr>
                 <p14:cNvPr id="282" name="Ink 281">
                   <a:extLst>
@@ -15954,7 +16007,7 @@
                 <p:nvPr/>
               </p:nvPicPr>
               <p:blipFill>
-                <a:blip r:embed="rId73"/>
+                <a:blip r:embed="rId234"/>
                 <a:stretch>
                   <a:fillRect/>
                 </a:stretch>
@@ -15993,7 +16046,7 @@
           </p:grpSpPr>
           <mc:AlternateContent xmlns:mc="http://schemas.openxmlformats.org/markup-compatibility/2006" xmlns:p14="http://schemas.microsoft.com/office/powerpoint/2010/main">
             <mc:Choice Requires="p14">
-              <p:contentPart p14:bwMode="auto" r:id="rId227">
+              <p:contentPart p14:bwMode="auto" r:id="rId235">
                 <p14:nvContentPartPr>
                   <p14:cNvPr id="284" name="Ink 283">
                     <a:extLst>
@@ -16025,7 +16078,7 @@
                   <p:nvPr/>
                 </p:nvPicPr>
                 <p:blipFill>
-                  <a:blip r:embed="rId75"/>
+                  <a:blip r:embed="rId76"/>
                   <a:stretch>
                     <a:fillRect/>
                   </a:stretch>
@@ -16044,7 +16097,7 @@
           </mc:AlternateContent>
           <mc:AlternateContent xmlns:mc="http://schemas.openxmlformats.org/markup-compatibility/2006" xmlns:p14="http://schemas.microsoft.com/office/powerpoint/2010/main">
             <mc:Choice Requires="p14">
-              <p:contentPart p14:bwMode="auto" r:id="rId228">
+              <p:contentPart p14:bwMode="auto" r:id="rId236">
                 <p14:nvContentPartPr>
                   <p14:cNvPr id="285" name="Ink 284">
                     <a:extLst>
@@ -16076,7 +16129,7 @@
                   <p:nvPr/>
                 </p:nvPicPr>
                 <p:blipFill>
-                  <a:blip r:embed="rId77"/>
+                  <a:blip r:embed="rId78"/>
                   <a:stretch>
                     <a:fillRect/>
                   </a:stretch>
@@ -16095,7 +16148,7 @@
           </mc:AlternateContent>
           <mc:AlternateContent xmlns:mc="http://schemas.openxmlformats.org/markup-compatibility/2006" xmlns:p14="http://schemas.microsoft.com/office/powerpoint/2010/main">
             <mc:Choice Requires="p14">
-              <p:contentPart p14:bwMode="auto" r:id="rId229">
+              <p:contentPart p14:bwMode="auto" r:id="rId237">
                 <p14:nvContentPartPr>
                   <p14:cNvPr id="286" name="Ink 285">
                     <a:extLst>
@@ -16127,7 +16180,7 @@
                   <p:nvPr/>
                 </p:nvPicPr>
                 <p:blipFill>
-                  <a:blip r:embed="rId77"/>
+                  <a:blip r:embed="rId78"/>
                   <a:stretch>
                     <a:fillRect/>
                   </a:stretch>
@@ -16146,7 +16199,7 @@
           </mc:AlternateContent>
           <mc:AlternateContent xmlns:mc="http://schemas.openxmlformats.org/markup-compatibility/2006" xmlns:p14="http://schemas.microsoft.com/office/powerpoint/2010/main">
             <mc:Choice Requires="p14">
-              <p:contentPart p14:bwMode="auto" r:id="rId230">
+              <p:contentPart p14:bwMode="auto" r:id="rId238">
                 <p14:nvContentPartPr>
                   <p14:cNvPr id="287" name="Ink 286">
                     <a:extLst>
@@ -16178,7 +16231,7 @@
                   <p:nvPr/>
                 </p:nvPicPr>
                 <p:blipFill>
-                  <a:blip r:embed="rId80"/>
+                  <a:blip r:embed="rId81"/>
                   <a:stretch>
                     <a:fillRect/>
                   </a:stretch>
@@ -16197,7 +16250,7 @@
           </mc:AlternateContent>
           <mc:AlternateContent xmlns:mc="http://schemas.openxmlformats.org/markup-compatibility/2006" xmlns:p14="http://schemas.microsoft.com/office/powerpoint/2010/main">
             <mc:Choice Requires="p14">
-              <p:contentPart p14:bwMode="auto" r:id="rId231">
+              <p:contentPart p14:bwMode="auto" r:id="rId239">
                 <p14:nvContentPartPr>
                   <p14:cNvPr id="288" name="Ink 287">
                     <a:extLst>
@@ -16229,7 +16282,7 @@
                   <p:nvPr/>
                 </p:nvPicPr>
                 <p:blipFill>
-                  <a:blip r:embed="rId82"/>
+                  <a:blip r:embed="rId83"/>
                   <a:stretch>
                     <a:fillRect/>
                   </a:stretch>
@@ -16248,7 +16301,7 @@
           </mc:AlternateContent>
           <mc:AlternateContent xmlns:mc="http://schemas.openxmlformats.org/markup-compatibility/2006" xmlns:p14="http://schemas.microsoft.com/office/powerpoint/2010/main">
             <mc:Choice Requires="p14">
-              <p:contentPart p14:bwMode="auto" r:id="rId232">
+              <p:contentPart p14:bwMode="auto" r:id="rId240">
                 <p14:nvContentPartPr>
                   <p14:cNvPr id="289" name="Ink 288">
                     <a:extLst>
@@ -16280,7 +16333,7 @@
                   <p:nvPr/>
                 </p:nvPicPr>
                 <p:blipFill>
-                  <a:blip r:embed="rId84"/>
+                  <a:blip r:embed="rId85"/>
                   <a:stretch>
                     <a:fillRect/>
                   </a:stretch>
@@ -16299,7 +16352,7 @@
           </mc:AlternateContent>
           <mc:AlternateContent xmlns:mc="http://schemas.openxmlformats.org/markup-compatibility/2006" xmlns:p14="http://schemas.microsoft.com/office/powerpoint/2010/main">
             <mc:Choice Requires="p14">
-              <p:contentPart p14:bwMode="auto" r:id="rId233">
+              <p:contentPart p14:bwMode="auto" r:id="rId241">
                 <p14:nvContentPartPr>
                   <p14:cNvPr id="290" name="Ink 289">
                     <a:extLst>
@@ -16331,7 +16384,7 @@
                   <p:nvPr/>
                 </p:nvPicPr>
                 <p:blipFill>
-                  <a:blip r:embed="rId86"/>
+                  <a:blip r:embed="rId87"/>
                   <a:stretch>
                     <a:fillRect/>
                   </a:stretch>
@@ -16350,7 +16403,7 @@
           </mc:AlternateContent>
           <mc:AlternateContent xmlns:mc="http://schemas.openxmlformats.org/markup-compatibility/2006" xmlns:p14="http://schemas.microsoft.com/office/powerpoint/2010/main">
             <mc:Choice Requires="p14">
-              <p:contentPart p14:bwMode="auto" r:id="rId234">
+              <p:contentPart p14:bwMode="auto" r:id="rId242">
                 <p14:nvContentPartPr>
                   <p14:cNvPr id="291" name="Ink 290">
                     <a:extLst>
@@ -16382,7 +16435,7 @@
                   <p:nvPr/>
                 </p:nvPicPr>
                 <p:blipFill>
-                  <a:blip r:embed="rId88"/>
+                  <a:blip r:embed="rId89"/>
                   <a:stretch>
                     <a:fillRect/>
                   </a:stretch>
@@ -16422,7 +16475,7 @@
           </p:grpSpPr>
           <mc:AlternateContent xmlns:mc="http://schemas.openxmlformats.org/markup-compatibility/2006" xmlns:p14="http://schemas.microsoft.com/office/powerpoint/2010/main">
             <mc:Choice Requires="p14">
-              <p:contentPart p14:bwMode="auto" r:id="rId235">
+              <p:contentPart p14:bwMode="auto" r:id="rId243">
                 <p14:nvContentPartPr>
                   <p14:cNvPr id="293" name="Ink 292">
                     <a:extLst>
@@ -16454,7 +16507,7 @@
                   <p:nvPr/>
                 </p:nvPicPr>
                 <p:blipFill>
-                  <a:blip r:embed="rId90"/>
+                  <a:blip r:embed="rId91"/>
                   <a:stretch>
                     <a:fillRect/>
                   </a:stretch>
@@ -16473,7 +16526,7 @@
           </mc:AlternateContent>
           <mc:AlternateContent xmlns:mc="http://schemas.openxmlformats.org/markup-compatibility/2006" xmlns:p14="http://schemas.microsoft.com/office/powerpoint/2010/main">
             <mc:Choice Requires="p14">
-              <p:contentPart p14:bwMode="auto" r:id="rId236">
+              <p:contentPart p14:bwMode="auto" r:id="rId244">
                 <p14:nvContentPartPr>
                   <p14:cNvPr id="294" name="Ink 293">
                     <a:extLst>
@@ -16505,7 +16558,7 @@
                   <p:nvPr/>
                 </p:nvPicPr>
                 <p:blipFill>
-                  <a:blip r:embed="rId92"/>
+                  <a:blip r:embed="rId93"/>
                   <a:stretch>
                     <a:fillRect/>
                   </a:stretch>
@@ -16524,7 +16577,7 @@
           </mc:AlternateContent>
           <mc:AlternateContent xmlns:mc="http://schemas.openxmlformats.org/markup-compatibility/2006" xmlns:p14="http://schemas.microsoft.com/office/powerpoint/2010/main">
             <mc:Choice Requires="p14">
-              <p:contentPart p14:bwMode="auto" r:id="rId237">
+              <p:contentPart p14:bwMode="auto" r:id="rId245">
                 <p14:nvContentPartPr>
                   <p14:cNvPr id="295" name="Ink 294">
                     <a:extLst>
@@ -16556,7 +16609,7 @@
                   <p:nvPr/>
                 </p:nvPicPr>
                 <p:blipFill>
-                  <a:blip r:embed="rId94"/>
+                  <a:blip r:embed="rId95"/>
                   <a:stretch>
                     <a:fillRect/>
                   </a:stretch>
@@ -16596,7 +16649,7 @@
           </p:grpSpPr>
           <mc:AlternateContent xmlns:mc="http://schemas.openxmlformats.org/markup-compatibility/2006" xmlns:p14="http://schemas.microsoft.com/office/powerpoint/2010/main">
             <mc:Choice Requires="p14">
-              <p:contentPart p14:bwMode="auto" r:id="rId238">
+              <p:contentPart p14:bwMode="auto" r:id="rId246">
                 <p14:nvContentPartPr>
                   <p14:cNvPr id="297" name="Ink 296">
                     <a:extLst>
@@ -16628,7 +16681,7 @@
                   <p:nvPr/>
                 </p:nvPicPr>
                 <p:blipFill>
-                  <a:blip r:embed="rId96"/>
+                  <a:blip r:embed="rId97"/>
                   <a:stretch>
                     <a:fillRect/>
                   </a:stretch>
@@ -16647,7 +16700,7 @@
           </mc:AlternateContent>
           <mc:AlternateContent xmlns:mc="http://schemas.openxmlformats.org/markup-compatibility/2006" xmlns:p14="http://schemas.microsoft.com/office/powerpoint/2010/main">
             <mc:Choice Requires="p14">
-              <p:contentPart p14:bwMode="auto" r:id="rId239">
+              <p:contentPart p14:bwMode="auto" r:id="rId247">
                 <p14:nvContentPartPr>
                   <p14:cNvPr id="298" name="Ink 297">
                     <a:extLst>
@@ -16679,7 +16732,7 @@
                   <p:nvPr/>
                 </p:nvPicPr>
                 <p:blipFill>
-                  <a:blip r:embed="rId98"/>
+                  <a:blip r:embed="rId99"/>
                   <a:stretch>
                     <a:fillRect/>
                   </a:stretch>
@@ -16699,7 +16752,7 @@
         </p:grpSp>
         <mc:AlternateContent xmlns:mc="http://schemas.openxmlformats.org/markup-compatibility/2006" xmlns:p14="http://schemas.microsoft.com/office/powerpoint/2010/main">
           <mc:Choice Requires="p14">
-            <p:contentPart p14:bwMode="auto" r:id="rId240">
+            <p:contentPart p14:bwMode="auto" r:id="rId248">
               <p14:nvContentPartPr>
                 <p14:cNvPr id="299" name="Ink 298">
                   <a:extLst>
@@ -16731,7 +16784,7 @@
                 <p:nvPr/>
               </p:nvPicPr>
               <p:blipFill>
-                <a:blip r:embed="rId100"/>
+                <a:blip r:embed="rId249"/>
                 <a:stretch>
                   <a:fillRect/>
                 </a:stretch>
@@ -16750,7 +16803,7 @@
         </mc:AlternateContent>
         <mc:AlternateContent xmlns:mc="http://schemas.openxmlformats.org/markup-compatibility/2006" xmlns:p14="http://schemas.microsoft.com/office/powerpoint/2010/main">
           <mc:Choice Requires="p14">
-            <p:contentPart p14:bwMode="auto" r:id="rId241">
+            <p:contentPart p14:bwMode="auto" r:id="rId250">
               <p14:nvContentPartPr>
                 <p14:cNvPr id="300" name="Ink 299">
                   <a:extLst>
@@ -16782,7 +16835,7 @@
                 <p:nvPr/>
               </p:nvPicPr>
               <p:blipFill>
-                <a:blip r:embed="rId102"/>
+                <a:blip r:embed="rId251"/>
                 <a:stretch>
                   <a:fillRect/>
                 </a:stretch>
@@ -16821,7 +16874,7 @@
           </p:grpSpPr>
           <mc:AlternateContent xmlns:mc="http://schemas.openxmlformats.org/markup-compatibility/2006" xmlns:p14="http://schemas.microsoft.com/office/powerpoint/2010/main">
             <mc:Choice Requires="p14">
-              <p:contentPart p14:bwMode="auto" r:id="rId242">
+              <p:contentPart p14:bwMode="auto" r:id="rId252">
                 <p14:nvContentPartPr>
                   <p14:cNvPr id="302" name="Ink 301">
                     <a:extLst>
@@ -16872,7 +16925,7 @@
           </mc:AlternateContent>
           <mc:AlternateContent xmlns:mc="http://schemas.openxmlformats.org/markup-compatibility/2006" xmlns:p14="http://schemas.microsoft.com/office/powerpoint/2010/main">
             <mc:Choice Requires="p14">
-              <p:contentPart p14:bwMode="auto" r:id="rId243">
+              <p:contentPart p14:bwMode="auto" r:id="rId253">
                 <p14:nvContentPartPr>
                   <p14:cNvPr id="303" name="Ink 302">
                     <a:extLst>
@@ -16904,7 +16957,7 @@
                   <p:nvPr/>
                 </p:nvPicPr>
                 <p:blipFill>
-                  <a:blip r:embed="rId84"/>
+                  <a:blip r:embed="rId85"/>
                   <a:stretch>
                     <a:fillRect/>
                   </a:stretch>
@@ -16924,7 +16977,7 @@
         </p:grpSp>
         <mc:AlternateContent xmlns:mc="http://schemas.openxmlformats.org/markup-compatibility/2006" xmlns:p14="http://schemas.microsoft.com/office/powerpoint/2010/main">
           <mc:Choice Requires="p14">
-            <p:contentPart p14:bwMode="auto" r:id="rId244">
+            <p:contentPart p14:bwMode="auto" r:id="rId254">
               <p14:nvContentPartPr>
                 <p14:cNvPr id="304" name="Ink 303">
                   <a:extLst>
@@ -16956,7 +17009,7 @@
                 <p:nvPr/>
               </p:nvPicPr>
               <p:blipFill>
-                <a:blip r:embed="rId98"/>
+                <a:blip r:embed="rId99"/>
                 <a:stretch>
                   <a:fillRect/>
                 </a:stretch>
@@ -16995,7 +17048,7 @@
           </p:grpSpPr>
           <mc:AlternateContent xmlns:mc="http://schemas.openxmlformats.org/markup-compatibility/2006" xmlns:p14="http://schemas.microsoft.com/office/powerpoint/2010/main">
             <mc:Choice Requires="p14">
-              <p:contentPart p14:bwMode="auto" r:id="rId245">
+              <p:contentPart p14:bwMode="auto" r:id="rId255">
                 <p14:nvContentPartPr>
                   <p14:cNvPr id="306" name="Ink 305">
                     <a:extLst>
@@ -17027,7 +17080,7 @@
                   <p:nvPr/>
                 </p:nvPicPr>
                 <p:blipFill>
-                  <a:blip r:embed="rId108"/>
+                  <a:blip r:embed="rId109"/>
                   <a:stretch>
                     <a:fillRect/>
                   </a:stretch>
@@ -17046,7 +17099,7 @@
           </mc:AlternateContent>
           <mc:AlternateContent xmlns:mc="http://schemas.openxmlformats.org/markup-compatibility/2006" xmlns:p14="http://schemas.microsoft.com/office/powerpoint/2010/main">
             <mc:Choice Requires="p14">
-              <p:contentPart p14:bwMode="auto" r:id="rId246">
+              <p:contentPart p14:bwMode="auto" r:id="rId256">
                 <p14:nvContentPartPr>
                   <p14:cNvPr id="307" name="Ink 306">
                     <a:extLst>
@@ -17078,7 +17131,7 @@
                   <p:nvPr/>
                 </p:nvPicPr>
                 <p:blipFill>
-                  <a:blip r:embed="rId110"/>
+                  <a:blip r:embed="rId111"/>
                   <a:stretch>
                     <a:fillRect/>
                   </a:stretch>
@@ -17097,7 +17150,7 @@
           </mc:AlternateContent>
           <mc:AlternateContent xmlns:mc="http://schemas.openxmlformats.org/markup-compatibility/2006" xmlns:p14="http://schemas.microsoft.com/office/powerpoint/2010/main">
             <mc:Choice Requires="p14">
-              <p:contentPart p14:bwMode="auto" r:id="rId247">
+              <p:contentPart p14:bwMode="auto" r:id="rId257">
                 <p14:nvContentPartPr>
                   <p14:cNvPr id="308" name="Ink 307">
                     <a:extLst>
@@ -17129,7 +17182,7 @@
                   <p:nvPr/>
                 </p:nvPicPr>
                 <p:blipFill>
-                  <a:blip r:embed="rId94"/>
+                  <a:blip r:embed="rId95"/>
                   <a:stretch>
                     <a:fillRect/>
                   </a:stretch>
@@ -17148,7 +17201,7 @@
           </mc:AlternateContent>
           <mc:AlternateContent xmlns:mc="http://schemas.openxmlformats.org/markup-compatibility/2006" xmlns:p14="http://schemas.microsoft.com/office/powerpoint/2010/main">
             <mc:Choice Requires="p14">
-              <p:contentPart p14:bwMode="auto" r:id="rId248">
+              <p:contentPart p14:bwMode="auto" r:id="rId258">
                 <p14:nvContentPartPr>
                   <p14:cNvPr id="309" name="Ink 308">
                     <a:extLst>
@@ -17180,7 +17233,7 @@
                   <p:nvPr/>
                 </p:nvPicPr>
                 <p:blipFill>
-                  <a:blip r:embed="rId113"/>
+                  <a:blip r:embed="rId114"/>
                   <a:stretch>
                     <a:fillRect/>
                   </a:stretch>
@@ -17199,7 +17252,7 @@
           </mc:AlternateContent>
           <mc:AlternateContent xmlns:mc="http://schemas.openxmlformats.org/markup-compatibility/2006" xmlns:p14="http://schemas.microsoft.com/office/powerpoint/2010/main">
             <mc:Choice Requires="p14">
-              <p:contentPart p14:bwMode="auto" r:id="rId249">
+              <p:contentPart p14:bwMode="auto" r:id="rId259">
                 <p14:nvContentPartPr>
                   <p14:cNvPr id="310" name="Ink 309">
                     <a:extLst>
@@ -17231,7 +17284,7 @@
                   <p:nvPr/>
                 </p:nvPicPr>
                 <p:blipFill>
-                  <a:blip r:embed="rId98"/>
+                  <a:blip r:embed="rId99"/>
                   <a:stretch>
                     <a:fillRect/>
                   </a:stretch>
@@ -17271,7 +17324,7 @@
           </p:grpSpPr>
           <mc:AlternateContent xmlns:mc="http://schemas.openxmlformats.org/markup-compatibility/2006" xmlns:p14="http://schemas.microsoft.com/office/powerpoint/2010/main">
             <mc:Choice Requires="p14">
-              <p:contentPart p14:bwMode="auto" r:id="rId250">
+              <p:contentPart p14:bwMode="auto" r:id="rId260">
                 <p14:nvContentPartPr>
                   <p14:cNvPr id="312" name="Ink 311">
                     <a:extLst>
@@ -17303,7 +17356,7 @@
                   <p:nvPr/>
                 </p:nvPicPr>
                 <p:blipFill>
-                  <a:blip r:embed="rId116"/>
+                  <a:blip r:embed="rId117"/>
                   <a:stretch>
                     <a:fillRect/>
                   </a:stretch>
@@ -17322,7 +17375,7 @@
           </mc:AlternateContent>
           <mc:AlternateContent xmlns:mc="http://schemas.openxmlformats.org/markup-compatibility/2006" xmlns:p14="http://schemas.microsoft.com/office/powerpoint/2010/main">
             <mc:Choice Requires="p14">
-              <p:contentPart p14:bwMode="auto" r:id="rId251">
+              <p:contentPart p14:bwMode="auto" r:id="rId261">
                 <p14:nvContentPartPr>
                   <p14:cNvPr id="313" name="Ink 312">
                     <a:extLst>
@@ -17354,7 +17407,7 @@
                   <p:nvPr/>
                 </p:nvPicPr>
                 <p:blipFill>
-                  <a:blip r:embed="rId118"/>
+                  <a:blip r:embed="rId119"/>
                   <a:stretch>
                     <a:fillRect/>
                   </a:stretch>
@@ -17374,7 +17427,7 @@
         </p:grpSp>
         <mc:AlternateContent xmlns:mc="http://schemas.openxmlformats.org/markup-compatibility/2006" xmlns:p14="http://schemas.microsoft.com/office/powerpoint/2010/main">
           <mc:Choice Requires="p14">
-            <p:contentPart p14:bwMode="auto" r:id="rId252">
+            <p:contentPart p14:bwMode="auto" r:id="rId262">
               <p14:nvContentPartPr>
                 <p14:cNvPr id="314" name="Ink 313">
                   <a:extLst>
@@ -17406,7 +17459,7 @@
                 <p:nvPr/>
               </p:nvPicPr>
               <p:blipFill>
-                <a:blip r:embed="rId120"/>
+                <a:blip r:embed="rId263"/>
                 <a:stretch>
                   <a:fillRect/>
                 </a:stretch>
@@ -17425,7 +17478,7 @@
         </mc:AlternateContent>
         <mc:AlternateContent xmlns:mc="http://schemas.openxmlformats.org/markup-compatibility/2006" xmlns:p14="http://schemas.microsoft.com/office/powerpoint/2010/main">
           <mc:Choice Requires="p14">
-            <p:contentPart p14:bwMode="auto" r:id="rId253">
+            <p:contentPart p14:bwMode="auto" r:id="rId264">
               <p14:nvContentPartPr>
                 <p14:cNvPr id="315" name="Ink 314">
                   <a:extLst>
@@ -17457,7 +17510,7 @@
                 <p:nvPr/>
               </p:nvPicPr>
               <p:blipFill>
-                <a:blip r:embed="rId122"/>
+                <a:blip r:embed="rId265"/>
                 <a:stretch>
                   <a:fillRect/>
                 </a:stretch>
@@ -17497,7 +17550,7 @@
         </p:grpSpPr>
         <mc:AlternateContent xmlns:mc="http://schemas.openxmlformats.org/markup-compatibility/2006" xmlns:p14="http://schemas.microsoft.com/office/powerpoint/2010/main">
           <mc:Choice Requires="p14">
-            <p:contentPart p14:bwMode="auto" r:id="rId254">
+            <p:contentPart p14:bwMode="auto" r:id="rId266">
               <p14:nvContentPartPr>
                 <p14:cNvPr id="406" name="Ink 405">
                   <a:extLst>
@@ -17529,7 +17582,7 @@
                 <p:nvPr/>
               </p:nvPicPr>
               <p:blipFill>
-                <a:blip r:embed="rId255"/>
+                <a:blip r:embed="rId267"/>
                 <a:stretch>
                   <a:fillRect/>
                 </a:stretch>
@@ -17568,7 +17621,7 @@
           </p:grpSpPr>
           <mc:AlternateContent xmlns:mc="http://schemas.openxmlformats.org/markup-compatibility/2006" xmlns:p14="http://schemas.microsoft.com/office/powerpoint/2010/main">
             <mc:Choice Requires="p14">
-              <p:contentPart p14:bwMode="auto" r:id="rId256">
+              <p:contentPart p14:bwMode="auto" r:id="rId268">
                 <p14:nvContentPartPr>
                   <p14:cNvPr id="407" name="Ink 406">
                     <a:extLst>
@@ -17600,7 +17653,7 @@
                   <p:nvPr/>
                 </p:nvPicPr>
                 <p:blipFill>
-                  <a:blip r:embed="rId257"/>
+                  <a:blip r:embed="rId269"/>
                   <a:stretch>
                     <a:fillRect/>
                   </a:stretch>
@@ -17619,7 +17672,7 @@
           </mc:AlternateContent>
           <mc:AlternateContent xmlns:mc="http://schemas.openxmlformats.org/markup-compatibility/2006" xmlns:p14="http://schemas.microsoft.com/office/powerpoint/2010/main">
             <mc:Choice Requires="p14">
-              <p:contentPart p14:bwMode="auto" r:id="rId258">
+              <p:contentPart p14:bwMode="auto" r:id="rId270">
                 <p14:nvContentPartPr>
                   <p14:cNvPr id="408" name="Ink 407">
                     <a:extLst>
@@ -17651,7 +17704,7 @@
                   <p:nvPr/>
                 </p:nvPicPr>
                 <p:blipFill>
-                  <a:blip r:embed="rId259"/>
+                  <a:blip r:embed="rId271"/>
                   <a:stretch>
                     <a:fillRect/>
                   </a:stretch>
@@ -17692,7 +17745,7 @@
         </p:grpSpPr>
         <mc:AlternateContent xmlns:mc="http://schemas.openxmlformats.org/markup-compatibility/2006" xmlns:p14="http://schemas.microsoft.com/office/powerpoint/2010/main">
           <mc:Choice Requires="p14">
-            <p:contentPart p14:bwMode="auto" r:id="rId260">
+            <p:contentPart p14:bwMode="auto" r:id="rId272">
               <p14:nvContentPartPr>
                 <p14:cNvPr id="415" name="Ink 414">
                   <a:extLst>
@@ -17724,7 +17777,7 @@
                 <p:nvPr/>
               </p:nvPicPr>
               <p:blipFill>
-                <a:blip r:embed="rId255"/>
+                <a:blip r:embed="rId267"/>
                 <a:stretch>
                   <a:fillRect/>
                 </a:stretch>
@@ -17763,7 +17816,7 @@
           </p:grpSpPr>
           <mc:AlternateContent xmlns:mc="http://schemas.openxmlformats.org/markup-compatibility/2006" xmlns:p14="http://schemas.microsoft.com/office/powerpoint/2010/main">
             <mc:Choice Requires="p14">
-              <p:contentPart p14:bwMode="auto" r:id="rId261">
+              <p:contentPart p14:bwMode="auto" r:id="rId273">
                 <p14:nvContentPartPr>
                   <p14:cNvPr id="417" name="Ink 416">
                     <a:extLst>
@@ -17795,7 +17848,7 @@
                   <p:nvPr/>
                 </p:nvPicPr>
                 <p:blipFill>
-                  <a:blip r:embed="rId257"/>
+                  <a:blip r:embed="rId269"/>
                   <a:stretch>
                     <a:fillRect/>
                   </a:stretch>
@@ -17814,7 +17867,7 @@
           </mc:AlternateContent>
           <mc:AlternateContent xmlns:mc="http://schemas.openxmlformats.org/markup-compatibility/2006" xmlns:p14="http://schemas.microsoft.com/office/powerpoint/2010/main">
             <mc:Choice Requires="p14">
-              <p:contentPart p14:bwMode="auto" r:id="rId262">
+              <p:contentPart p14:bwMode="auto" r:id="rId274">
                 <p14:nvContentPartPr>
                   <p14:cNvPr id="418" name="Ink 417">
                     <a:extLst>
@@ -17846,7 +17899,7 @@
                   <p:nvPr/>
                 </p:nvPicPr>
                 <p:blipFill>
-                  <a:blip r:embed="rId259"/>
+                  <a:blip r:embed="rId271"/>
                   <a:stretch>
                     <a:fillRect/>
                   </a:stretch>
@@ -17898,31 +17951,35 @@
           <a:p>
             <a:r>
               <a:rPr lang="en-US" sz="2000" dirty="0">
-                <a:latin typeface="Times" pitchFamily="2" charset="0"/>
+                <a:latin typeface="ETbb" panose="02000503000000000000" pitchFamily="2" charset="0"/>
+                <a:ea typeface="Source Sans Pro" panose="020B0503030403020204" pitchFamily="34" charset="0"/>
               </a:rPr>
               <a:t>Larger sample yields a greater proportion of </a:t>
             </a:r>
             <a:r>
               <a:rPr lang="en-US" sz="2000" b="1" dirty="0">
                 <a:solidFill>
-                  <a:srgbClr val="92D050"/>
+                  <a:srgbClr val="7D943C"/>
                 </a:solidFill>
-                <a:latin typeface="Times" pitchFamily="2" charset="0"/>
+                <a:latin typeface="ETbb" panose="02000503000000000000" pitchFamily="2" charset="0"/>
+                <a:ea typeface="Source Sans Pro" panose="020B0503030403020204" pitchFamily="34" charset="0"/>
               </a:rPr>
               <a:t>significant effects</a:t>
             </a:r>
             <a:r>
               <a:rPr lang="en-US" sz="2000" dirty="0">
-                <a:latin typeface="Times" pitchFamily="2" charset="0"/>
+                <a:latin typeface="ETbb" panose="02000503000000000000" pitchFamily="2" charset="0"/>
+                <a:ea typeface="Source Sans Pro" panose="020B0503030403020204" pitchFamily="34" charset="0"/>
               </a:rPr>
               <a:t>, even with the same </a:t>
             </a:r>
             <a:r>
               <a:rPr lang="en-US" sz="2000" b="1" dirty="0">
                 <a:solidFill>
-                  <a:srgbClr val="0070C0"/>
+                  <a:srgbClr val="347FB5"/>
                 </a:solidFill>
-                <a:latin typeface="Times" pitchFamily="2" charset="0"/>
+                <a:latin typeface="ETbb" panose="02000503000000000000" pitchFamily="2" charset="0"/>
+                <a:ea typeface="Source Sans Pro" panose="020B0503030403020204" pitchFamily="34" charset="0"/>
               </a:rPr>
               <a:t>effect size</a:t>
             </a:r>
@@ -17944,7 +18001,7 @@
         <p:spPr>
           <a:xfrm>
             <a:off x="11478579" y="1774713"/>
-            <a:ext cx="1572608" cy="2246769"/>
+            <a:ext cx="1572608" cy="2554545"/>
           </a:xfrm>
           <a:prstGeom prst="rect">
             <a:avLst/>
@@ -17962,16 +18019,18 @@
           <a:p>
             <a:r>
               <a:rPr lang="en-US" sz="2000" dirty="0">
-                <a:latin typeface="Times" pitchFamily="2" charset="0"/>
+                <a:latin typeface="ETbb" panose="02000503000000000000" pitchFamily="2" charset="0"/>
+                <a:ea typeface="Source Sans Pro" panose="020B0503030403020204" pitchFamily="34" charset="0"/>
               </a:rPr>
               <a:t>Larger sample yields a tighter null distribution and lower </a:t>
             </a:r>
             <a:r>
               <a:rPr lang="en-US" sz="2000" b="1" dirty="0">
                 <a:solidFill>
-                  <a:srgbClr val="FF0000"/>
+                  <a:srgbClr val="C93431"/>
                 </a:solidFill>
-                <a:latin typeface="Times" pitchFamily="2" charset="0"/>
+                <a:latin typeface="ETbb" panose="02000503000000000000" pitchFamily="2" charset="0"/>
+                <a:ea typeface="Source Sans Pro" panose="020B0503030403020204" pitchFamily="34" charset="0"/>
               </a:rPr>
               <a:t>significance threshold</a:t>
             </a:r>
@@ -17992,8 +18051,8 @@
         </p:nvSpPr>
         <p:spPr>
           <a:xfrm>
-            <a:off x="858769" y="1991732"/>
-            <a:ext cx="1486667" cy="1477328"/>
+            <a:off x="888807" y="1991732"/>
+            <a:ext cx="1456629" cy="1323439"/>
           </a:xfrm>
           <a:prstGeom prst="rect">
             <a:avLst/>
@@ -18008,10 +18067,12 @@
           <a:p>
             <a:pPr algn="r"/>
             <a:r>
-              <a:rPr lang="en-US" b="1" dirty="0">
+              <a:rPr lang="en-US" sz="1600" b="1" dirty="0">
                 <a:solidFill>
-                  <a:srgbClr val="FF0000"/>
+                  <a:srgbClr val="C93431"/>
                 </a:solidFill>
+                <a:latin typeface="Source Sans Pro" panose="020B0503030403020204" pitchFamily="34" charset="0"/>
+                <a:ea typeface="Source Sans Pro" panose="020B0503030403020204" pitchFamily="34" charset="0"/>
               </a:rPr>
               <a:t>Significance threshold (values unlikely under null)</a:t>
             </a:r>
@@ -18040,7 +18101,7 @@
         </p:grpSpPr>
         <mc:AlternateContent xmlns:mc="http://schemas.openxmlformats.org/markup-compatibility/2006" xmlns:p14="http://schemas.microsoft.com/office/powerpoint/2010/main">
           <mc:Choice Requires="p14">
-            <p:contentPart p14:bwMode="auto" r:id="rId263">
+            <p:contentPart p14:bwMode="auto" r:id="rId275">
               <p14:nvContentPartPr>
                 <p14:cNvPr id="3" name="Ink 2">
                   <a:extLst>
@@ -18091,7 +18152,7 @@
         </mc:AlternateContent>
         <mc:AlternateContent xmlns:mc="http://schemas.openxmlformats.org/markup-compatibility/2006" xmlns:p14="http://schemas.microsoft.com/office/powerpoint/2010/main">
           <mc:Choice Requires="p14">
-            <p:contentPart p14:bwMode="auto" r:id="rId264">
+            <p:contentPart p14:bwMode="auto" r:id="rId276">
               <p14:nvContentPartPr>
                 <p14:cNvPr id="4" name="Ink 3">
                   <a:extLst>
@@ -18142,7 +18203,7 @@
         </mc:AlternateContent>
         <mc:AlternateContent xmlns:mc="http://schemas.openxmlformats.org/markup-compatibility/2006" xmlns:p14="http://schemas.microsoft.com/office/powerpoint/2010/main">
           <mc:Choice Requires="p14">
-            <p:contentPart p14:bwMode="auto" r:id="rId265">
+            <p:contentPart p14:bwMode="auto" r:id="rId277">
               <p14:nvContentPartPr>
                 <p14:cNvPr id="5" name="Ink 4">
                   <a:extLst>
@@ -18193,7 +18254,7 @@
         </mc:AlternateContent>
         <mc:AlternateContent xmlns:mc="http://schemas.openxmlformats.org/markup-compatibility/2006" xmlns:p14="http://schemas.microsoft.com/office/powerpoint/2010/main">
           <mc:Choice Requires="p14">
-            <p:contentPart p14:bwMode="auto" r:id="rId266">
+            <p:contentPart p14:bwMode="auto" r:id="rId278">
               <p14:nvContentPartPr>
                 <p14:cNvPr id="6" name="Ink 5">
                   <a:extLst>
@@ -18244,7 +18305,7 @@
         </mc:AlternateContent>
         <mc:AlternateContent xmlns:mc="http://schemas.openxmlformats.org/markup-compatibility/2006" xmlns:p14="http://schemas.microsoft.com/office/powerpoint/2010/main">
           <mc:Choice Requires="p14">
-            <p:contentPart p14:bwMode="auto" r:id="rId267">
+            <p:contentPart p14:bwMode="auto" r:id="rId279">
               <p14:nvContentPartPr>
                 <p14:cNvPr id="7" name="Ink 6">
                   <a:extLst>
@@ -18295,7 +18356,7 @@
         </mc:AlternateContent>
         <mc:AlternateContent xmlns:mc="http://schemas.openxmlformats.org/markup-compatibility/2006" xmlns:p14="http://schemas.microsoft.com/office/powerpoint/2010/main">
           <mc:Choice Requires="p14">
-            <p:contentPart p14:bwMode="auto" r:id="rId268">
+            <p:contentPart p14:bwMode="auto" r:id="rId280">
               <p14:nvContentPartPr>
                 <p14:cNvPr id="8" name="Ink 7">
                   <a:extLst>
@@ -18346,7 +18407,7 @@
         </mc:AlternateContent>
         <mc:AlternateContent xmlns:mc="http://schemas.openxmlformats.org/markup-compatibility/2006" xmlns:p14="http://schemas.microsoft.com/office/powerpoint/2010/main">
           <mc:Choice Requires="p14">
-            <p:contentPart p14:bwMode="auto" r:id="rId269">
+            <p:contentPart p14:bwMode="auto" r:id="rId281">
               <p14:nvContentPartPr>
                 <p14:cNvPr id="9" name="Ink 8">
                   <a:extLst>
@@ -18397,7 +18458,7 @@
         </mc:AlternateContent>
         <mc:AlternateContent xmlns:mc="http://schemas.openxmlformats.org/markup-compatibility/2006" xmlns:p14="http://schemas.microsoft.com/office/powerpoint/2010/main">
           <mc:Choice Requires="p14">
-            <p:contentPart p14:bwMode="auto" r:id="rId270">
+            <p:contentPart p14:bwMode="auto" r:id="rId282">
               <p14:nvContentPartPr>
                 <p14:cNvPr id="10" name="Ink 9">
                   <a:extLst>
@@ -18448,7 +18509,7 @@
         </mc:AlternateContent>
         <mc:AlternateContent xmlns:mc="http://schemas.openxmlformats.org/markup-compatibility/2006" xmlns:p14="http://schemas.microsoft.com/office/powerpoint/2010/main">
           <mc:Choice Requires="p14">
-            <p:contentPart p14:bwMode="auto" r:id="rId271">
+            <p:contentPart p14:bwMode="auto" r:id="rId283">
               <p14:nvContentPartPr>
                 <p14:cNvPr id="11" name="Ink 10">
                   <a:extLst>
@@ -18499,7 +18560,7 @@
         </mc:AlternateContent>
         <mc:AlternateContent xmlns:mc="http://schemas.openxmlformats.org/markup-compatibility/2006" xmlns:p14="http://schemas.microsoft.com/office/powerpoint/2010/main">
           <mc:Choice Requires="p14">
-            <p:contentPart p14:bwMode="auto" r:id="rId272">
+            <p:contentPart p14:bwMode="auto" r:id="rId284">
               <p14:nvContentPartPr>
                 <p14:cNvPr id="13" name="Ink 12">
                   <a:extLst>
@@ -18550,7 +18611,7 @@
         </mc:AlternateContent>
         <mc:AlternateContent xmlns:mc="http://schemas.openxmlformats.org/markup-compatibility/2006" xmlns:p14="http://schemas.microsoft.com/office/powerpoint/2010/main">
           <mc:Choice Requires="p14">
-            <p:contentPart p14:bwMode="auto" r:id="rId273">
+            <p:contentPart p14:bwMode="auto" r:id="rId285">
               <p14:nvContentPartPr>
                 <p14:cNvPr id="14" name="Ink 13">
                   <a:extLst>
@@ -18601,7 +18662,7 @@
         </mc:AlternateContent>
         <mc:AlternateContent xmlns:mc="http://schemas.openxmlformats.org/markup-compatibility/2006" xmlns:p14="http://schemas.microsoft.com/office/powerpoint/2010/main">
           <mc:Choice Requires="p14">
-            <p:contentPart p14:bwMode="auto" r:id="rId274">
+            <p:contentPart p14:bwMode="auto" r:id="rId286">
               <p14:nvContentPartPr>
                 <p14:cNvPr id="21" name="Ink 20">
                   <a:extLst>
@@ -18652,7 +18713,7 @@
         </mc:AlternateContent>
         <mc:AlternateContent xmlns:mc="http://schemas.openxmlformats.org/markup-compatibility/2006" xmlns:p14="http://schemas.microsoft.com/office/powerpoint/2010/main">
           <mc:Choice Requires="p14">
-            <p:contentPart p14:bwMode="auto" r:id="rId275">
+            <p:contentPart p14:bwMode="auto" r:id="rId287">
               <p14:nvContentPartPr>
                 <p14:cNvPr id="23" name="Ink 22">
                   <a:extLst>
@@ -18703,7 +18764,7 @@
         </mc:AlternateContent>
         <mc:AlternateContent xmlns:mc="http://schemas.openxmlformats.org/markup-compatibility/2006" xmlns:p14="http://schemas.microsoft.com/office/powerpoint/2010/main">
           <mc:Choice Requires="p14">
-            <p:contentPart p14:bwMode="auto" r:id="rId276">
+            <p:contentPart p14:bwMode="auto" r:id="rId288">
               <p14:nvContentPartPr>
                 <p14:cNvPr id="24" name="Ink 23">
                   <a:extLst>
